--- a/Week3/PyTutorial_Week3.pptx
+++ b/Week3/PyTutorial_Week3.pptx
@@ -5,42 +5,43 @@
     <p:sldMasterId id="2147483660" r:id="rId1"/>
   </p:sldMasterIdLst>
   <p:notesMasterIdLst>
-    <p:notesMasterId r:id="rId35"/>
+    <p:notesMasterId r:id="rId36"/>
   </p:notesMasterIdLst>
   <p:sldIdLst>
     <p:sldId id="256" r:id="rId2"/>
     <p:sldId id="291" r:id="rId3"/>
-    <p:sldId id="292" r:id="rId4"/>
-    <p:sldId id="293" r:id="rId5"/>
-    <p:sldId id="294" r:id="rId6"/>
-    <p:sldId id="265" r:id="rId7"/>
-    <p:sldId id="274" r:id="rId8"/>
-    <p:sldId id="275" r:id="rId9"/>
-    <p:sldId id="266" r:id="rId10"/>
-    <p:sldId id="276" r:id="rId11"/>
-    <p:sldId id="277" r:id="rId12"/>
-    <p:sldId id="267" r:id="rId13"/>
-    <p:sldId id="270" r:id="rId14"/>
-    <p:sldId id="282" r:id="rId15"/>
-    <p:sldId id="290" r:id="rId16"/>
-    <p:sldId id="284" r:id="rId17"/>
-    <p:sldId id="286" r:id="rId18"/>
-    <p:sldId id="287" r:id="rId19"/>
-    <p:sldId id="288" r:id="rId20"/>
-    <p:sldId id="278" r:id="rId21"/>
-    <p:sldId id="279" r:id="rId22"/>
-    <p:sldId id="280" r:id="rId23"/>
-    <p:sldId id="281" r:id="rId24"/>
-    <p:sldId id="295" r:id="rId25"/>
-    <p:sldId id="296" r:id="rId26"/>
-    <p:sldId id="297" r:id="rId27"/>
-    <p:sldId id="298" r:id="rId28"/>
-    <p:sldId id="289" r:id="rId29"/>
-    <p:sldId id="299" r:id="rId30"/>
-    <p:sldId id="300" r:id="rId31"/>
-    <p:sldId id="301" r:id="rId32"/>
-    <p:sldId id="302" r:id="rId33"/>
-    <p:sldId id="271" r:id="rId34"/>
+    <p:sldId id="303" r:id="rId4"/>
+    <p:sldId id="292" r:id="rId5"/>
+    <p:sldId id="293" r:id="rId6"/>
+    <p:sldId id="294" r:id="rId7"/>
+    <p:sldId id="265" r:id="rId8"/>
+    <p:sldId id="274" r:id="rId9"/>
+    <p:sldId id="275" r:id="rId10"/>
+    <p:sldId id="266" r:id="rId11"/>
+    <p:sldId id="276" r:id="rId12"/>
+    <p:sldId id="277" r:id="rId13"/>
+    <p:sldId id="267" r:id="rId14"/>
+    <p:sldId id="270" r:id="rId15"/>
+    <p:sldId id="282" r:id="rId16"/>
+    <p:sldId id="290" r:id="rId17"/>
+    <p:sldId id="284" r:id="rId18"/>
+    <p:sldId id="286" r:id="rId19"/>
+    <p:sldId id="287" r:id="rId20"/>
+    <p:sldId id="288" r:id="rId21"/>
+    <p:sldId id="278" r:id="rId22"/>
+    <p:sldId id="279" r:id="rId23"/>
+    <p:sldId id="280" r:id="rId24"/>
+    <p:sldId id="281" r:id="rId25"/>
+    <p:sldId id="295" r:id="rId26"/>
+    <p:sldId id="296" r:id="rId27"/>
+    <p:sldId id="297" r:id="rId28"/>
+    <p:sldId id="298" r:id="rId29"/>
+    <p:sldId id="289" r:id="rId30"/>
+    <p:sldId id="299" r:id="rId31"/>
+    <p:sldId id="300" r:id="rId32"/>
+    <p:sldId id="301" r:id="rId33"/>
+    <p:sldId id="302" r:id="rId34"/>
+    <p:sldId id="271" r:id="rId35"/>
   </p:sldIdLst>
   <p:sldSz cx="9144000" cy="6858000" type="screen4x3"/>
   <p:notesSz cx="6858000" cy="9144000"/>
@@ -240,7 +241,7 @@
           <a:p>
             <a:fld id="{97D534D3-0866-4BF5-A3A3-C1862587BE6F}" type="datetimeFigureOut">
               <a:rPr lang="en-GB" smtClean="0"/>
-              <a:t>11/07/2019</a:t>
+              <a:t>13/07/2019</a:t>
             </a:fld>
             <a:endParaRPr lang="en-GB"/>
           </a:p>
@@ -702,7 +703,7 @@
           <a:p>
             <a:fld id="{5BBEAD13-0566-4C6C-97E7-55F17F24B09F}" type="datetimeFigureOut">
               <a:rPr lang="zh-TW" altLang="en-US" smtClean="0"/>
-              <a:t>2019/7/11</a:t>
+              <a:t>2019/7/13</a:t>
             </a:fld>
             <a:endParaRPr lang="zh-TW" altLang="en-US"/>
           </a:p>
@@ -1055,7 +1056,7 @@
           <a:p>
             <a:fld id="{5BBEAD13-0566-4C6C-97E7-55F17F24B09F}" type="datetimeFigureOut">
               <a:rPr lang="zh-TW" altLang="en-US" smtClean="0"/>
-              <a:t>2019/7/11</a:t>
+              <a:t>2019/7/13</a:t>
             </a:fld>
             <a:endParaRPr lang="zh-TW" altLang="en-US"/>
           </a:p>
@@ -1230,7 +1231,7 @@
           <a:p>
             <a:fld id="{5BBEAD13-0566-4C6C-97E7-55F17F24B09F}" type="datetimeFigureOut">
               <a:rPr lang="zh-TW" altLang="en-US" smtClean="0"/>
-              <a:t>2019/7/11</a:t>
+              <a:t>2019/7/13</a:t>
             </a:fld>
             <a:endParaRPr lang="zh-TW" altLang="en-US"/>
           </a:p>
@@ -1343,7 +1344,7 @@
           <a:p>
             <a:fld id="{5BBEAD13-0566-4C6C-97E7-55F17F24B09F}" type="datetimeFigureOut">
               <a:rPr lang="zh-TW" altLang="en-US" smtClean="0"/>
-              <a:t>2019/7/11</a:t>
+              <a:t>2019/7/13</a:t>
             </a:fld>
             <a:endParaRPr lang="zh-TW" altLang="en-US"/>
           </a:p>
@@ -1701,7 +1702,7 @@
           <a:p>
             <a:fld id="{5BBEAD13-0566-4C6C-97E7-55F17F24B09F}" type="datetimeFigureOut">
               <a:rPr lang="zh-TW" altLang="en-US" smtClean="0"/>
-              <a:t>2019/7/11</a:t>
+              <a:t>2019/7/13</a:t>
             </a:fld>
             <a:endParaRPr lang="zh-TW" altLang="en-US"/>
           </a:p>
@@ -1966,7 +1967,7 @@
           <a:p>
             <a:fld id="{5BBEAD13-0566-4C6C-97E7-55F17F24B09F}" type="datetimeFigureOut">
               <a:rPr lang="zh-TW" altLang="en-US" smtClean="0"/>
-              <a:t>2019/7/11</a:t>
+              <a:t>2019/7/13</a:t>
             </a:fld>
             <a:endParaRPr lang="zh-TW" altLang="en-US"/>
           </a:p>
@@ -2328,7 +2329,7 @@
           <a:p>
             <a:fld id="{5BBEAD13-0566-4C6C-97E7-55F17F24B09F}" type="datetimeFigureOut">
               <a:rPr lang="zh-TW" altLang="en-US" smtClean="0"/>
-              <a:t>2019/7/11</a:t>
+              <a:t>2019/7/13</a:t>
             </a:fld>
             <a:endParaRPr lang="zh-TW" altLang="en-US"/>
           </a:p>
@@ -2555,7 +2556,7 @@
           <a:p>
             <a:fld id="{5BBEAD13-0566-4C6C-97E7-55F17F24B09F}" type="datetimeFigureOut">
               <a:rPr lang="zh-TW" altLang="en-US" smtClean="0"/>
-              <a:t>2019/7/11</a:t>
+              <a:t>2019/7/13</a:t>
             </a:fld>
             <a:endParaRPr lang="zh-TW" altLang="en-US"/>
           </a:p>
@@ -2645,7 +2646,7 @@
           <a:p>
             <a:fld id="{5BBEAD13-0566-4C6C-97E7-55F17F24B09F}" type="datetimeFigureOut">
               <a:rPr lang="zh-TW" altLang="en-US" smtClean="0"/>
-              <a:t>2019/7/11</a:t>
+              <a:t>2019/7/13</a:t>
             </a:fld>
             <a:endParaRPr lang="zh-TW" altLang="en-US"/>
           </a:p>
@@ -2912,7 +2913,7 @@
           <a:p>
             <a:fld id="{5BBEAD13-0566-4C6C-97E7-55F17F24B09F}" type="datetimeFigureOut">
               <a:rPr lang="zh-TW" altLang="en-US" smtClean="0"/>
-              <a:t>2019/7/11</a:t>
+              <a:t>2019/7/13</a:t>
             </a:fld>
             <a:endParaRPr lang="zh-TW" altLang="en-US"/>
           </a:p>
@@ -3140,7 +3141,7 @@
           <a:p>
             <a:fld id="{5BBEAD13-0566-4C6C-97E7-55F17F24B09F}" type="datetimeFigureOut">
               <a:rPr lang="zh-TW" altLang="en-US" smtClean="0"/>
-              <a:t>2019/7/11</a:t>
+              <a:t>2019/7/13</a:t>
             </a:fld>
             <a:endParaRPr lang="zh-TW" altLang="en-US"/>
           </a:p>
@@ -3639,7 +3640,7 @@
           <a:p>
             <a:fld id="{5BBEAD13-0566-4C6C-97E7-55F17F24B09F}" type="datetimeFigureOut">
               <a:rPr lang="zh-TW" altLang="en-US" smtClean="0"/>
-              <a:t>2019/7/11</a:t>
+              <a:t>2019/7/13</a:t>
             </a:fld>
             <a:endParaRPr lang="zh-TW" altLang="en-US"/>
           </a:p>
@@ -4179,12 +4180,8 @@
           <a:lstStyle/>
           <a:p>
             <a:r>
-              <a:rPr lang="en-GB" dirty="0" err="1"/>
-              <a:t>Linkedin</a:t>
-            </a:r>
-            <a:r>
               <a:rPr lang="en-GB" dirty="0"/>
-              <a:t> Groups</a:t>
+              <a:t>Facebook Groups</a:t>
             </a:r>
           </a:p>
         </p:txBody>
@@ -4207,47 +4204,42 @@
         </p:nvSpPr>
         <p:spPr>
           <a:xfrm>
-            <a:off x="914400" y="980728"/>
-            <a:ext cx="7772400" cy="757064"/>
+            <a:off x="-4936" y="1574717"/>
+            <a:ext cx="3748608" cy="397024"/>
           </a:xfrm>
         </p:spPr>
         <p:txBody>
           <a:bodyPr>
-            <a:normAutofit/>
+            <a:normAutofit fontScale="92500"/>
           </a:bodyPr>
           <a:lstStyle/>
           <a:p>
-            <a:pPr lvl="1"/>
-            <a:r>
-              <a:rPr lang="en-GB" sz="1800" dirty="0">
+            <a:pPr marL="320040" lvl="1" indent="0">
+              <a:buNone/>
+            </a:pPr>
+            <a:r>
+              <a:rPr lang="en-GB" sz="1400" dirty="0">
                 <a:hlinkClick r:id="rId2"/>
               </a:rPr>
-              <a:t>Machine Learning and Data Science</a:t>
-            </a:r>
-            <a:endParaRPr lang="en-GB" sz="1800" dirty="0"/>
-          </a:p>
-          <a:p>
-            <a:pPr lvl="1"/>
-            <a:r>
-              <a:rPr lang="en-GB" sz="1800" dirty="0">
-                <a:hlinkClick r:id="rId3"/>
-              </a:rPr>
-              <a:t>Data Mining, Statistics, Big Data, Data Visualization, and Data Science</a:t>
-            </a:r>
-            <a:endParaRPr lang="en-GB" sz="1800" dirty="0"/>
+              <a:t>https://www.facebook.com/groups/hkrusers/</a:t>
+            </a:r>
+            <a:r>
+              <a:rPr lang="en-GB" sz="1400" dirty="0"/>
+              <a:t> </a:t>
+            </a:r>
           </a:p>
         </p:txBody>
       </p:sp>
       <p:pic>
         <p:nvPicPr>
-          <p:cNvPr id="4098" name="Picture 2"/>
+          <p:cNvPr id="3074" name="Picture 2"/>
           <p:cNvPicPr>
             <a:picLocks noChangeAspect="1" noChangeArrowheads="1"/>
           </p:cNvPicPr>
           <p:nvPr/>
         </p:nvPicPr>
         <p:blipFill>
-          <a:blip r:embed="rId4">
+          <a:blip r:embed="rId3">
             <a:extLst>
               <a:ext uri="{28A0092B-C50C-407E-A947-70E740481C1C}">
                 <a14:useLocalDpi xmlns:a14="http://schemas.microsoft.com/office/drawing/2010/main" val="0"/>
@@ -4261,8 +4253,8 @@
         </p:blipFill>
         <p:spPr bwMode="auto">
           <a:xfrm>
-            <a:off x="971600" y="1713053"/>
-            <a:ext cx="7200800" cy="4846924"/>
+            <a:off x="395536" y="1971741"/>
+            <a:ext cx="3291843" cy="4577383"/>
           </a:xfrm>
           <a:prstGeom prst="rect">
             <a:avLst/>
@@ -4302,113 +4294,51 @@
           </a:extLst>
         </p:spPr>
       </p:pic>
-    </p:spTree>
-    <p:extLst>
-      <p:ext uri="{BB962C8B-B14F-4D97-AF65-F5344CB8AC3E}">
-        <p14:creationId xmlns:p14="http://schemas.microsoft.com/office/powerpoint/2010/main" val="326260225"/>
-      </p:ext>
-    </p:extLst>
-  </p:cSld>
-  <p:clrMapOvr>
-    <a:masterClrMapping/>
-  </p:clrMapOvr>
-</p:sld>
-</file>
-
-<file path=ppt/slides/slide11.xml><?xml version="1.0" encoding="utf-8"?>
-<p:sld xmlns:a="http://schemas.openxmlformats.org/drawingml/2006/main" xmlns:r="http://schemas.openxmlformats.org/officeDocument/2006/relationships" xmlns:p="http://schemas.openxmlformats.org/presentationml/2006/main">
-  <p:cSld>
-    <p:spTree>
-      <p:nvGrpSpPr>
-        <p:cNvPr id="1" name=""/>
-        <p:cNvGrpSpPr/>
-        <p:nvPr/>
-      </p:nvGrpSpPr>
-      <p:grpSpPr>
-        <a:xfrm>
-          <a:off x="0" y="0"/>
-          <a:ext cx="0" cy="0"/>
-          <a:chOff x="0" y="0"/>
-          <a:chExt cx="0" cy="0"/>
-        </a:xfrm>
-      </p:grpSpPr>
-      <p:sp>
-        <p:nvSpPr>
-          <p:cNvPr id="2" name="Title 1">
-            <a:extLst>
-              <a:ext uri="{FF2B5EF4-FFF2-40B4-BE49-F238E27FC236}">
-                <a16:creationId xmlns:a16="http://schemas.microsoft.com/office/drawing/2014/main" id="{A3D68C06-528E-4E82-B476-3A102F901347}"/>
-              </a:ext>
-            </a:extLst>
-          </p:cNvPr>
-          <p:cNvSpPr>
-            <a:spLocks noGrp="1"/>
-          </p:cNvSpPr>
-          <p:nvPr>
-            <p:ph type="title"/>
-          </p:nvPr>
-        </p:nvSpPr>
-        <p:spPr/>
+      <p:sp>
+        <p:nvSpPr>
+          <p:cNvPr id="4" name="矩形 3"/>
+          <p:cNvSpPr/>
+          <p:nvPr/>
+        </p:nvSpPr>
+        <p:spPr>
+          <a:xfrm>
+            <a:off x="4499992" y="1556792"/>
+            <a:ext cx="4572000" cy="307777"/>
+          </a:xfrm>
+          <a:prstGeom prst="rect">
+            <a:avLst/>
+          </a:prstGeom>
+        </p:spPr>
         <p:txBody>
           <a:bodyPr>
-            <a:normAutofit/>
+            <a:spAutoFit/>
           </a:bodyPr>
           <a:lstStyle/>
           <a:p>
-            <a:r>
-              <a:rPr lang="en-GB" dirty="0" err="1"/>
-              <a:t>Eventbrite</a:t>
-            </a:r>
-            <a:endParaRPr lang="en-GB" dirty="0"/>
-          </a:p>
-        </p:txBody>
-      </p:sp>
-      <p:sp>
-        <p:nvSpPr>
-          <p:cNvPr id="3" name="Content Placeholder 2">
-            <a:extLst>
-              <a:ext uri="{FF2B5EF4-FFF2-40B4-BE49-F238E27FC236}">
-                <a16:creationId xmlns:a16="http://schemas.microsoft.com/office/drawing/2014/main" id="{DC0327DA-BFC9-4A18-806E-5E344F2326D8}"/>
-              </a:ext>
-            </a:extLst>
-          </p:cNvPr>
-          <p:cNvSpPr>
-            <a:spLocks noGrp="1"/>
-          </p:cNvSpPr>
-          <p:nvPr>
-            <p:ph sz="quarter" idx="1"/>
-          </p:nvPr>
-        </p:nvSpPr>
-        <p:spPr>
-          <a:xfrm>
-            <a:off x="914400" y="1447800"/>
-            <a:ext cx="7772400" cy="613048"/>
-          </a:xfrm>
-        </p:spPr>
-        <p:txBody>
-          <a:bodyPr/>
-          <a:lstStyle/>
-          <a:p>
-            <a:r>
-              <a:rPr lang="en-GB" dirty="0">
-                <a:hlinkClick r:id="rId2"/>
+            <a:pPr lvl="1"/>
+            <a:r>
+              <a:rPr lang="en-GB" altLang="zh-TW" sz="1400" dirty="0">
+                <a:hlinkClick r:id="rId4"/>
               </a:rPr>
-              <a:t>https://www.eventbrite.com/</a:t>
-            </a:r>
-            <a:endParaRPr lang="en-GB" dirty="0"/>
+              <a:t>https://www.facebook.com/groups/hkpug/</a:t>
+            </a:r>
+            <a:r>
+              <a:rPr lang="en-GB" altLang="zh-TW" sz="1400" dirty="0"/>
+              <a:t> </a:t>
+            </a:r>
           </a:p>
         </p:txBody>
       </p:sp>
       <p:pic>
         <p:nvPicPr>
-          <p:cNvPr id="5122" name="Picture 2"/>
+          <p:cNvPr id="3075" name="Picture 3"/>
           <p:cNvPicPr>
             <a:picLocks noChangeAspect="1" noChangeArrowheads="1"/>
           </p:cNvPicPr>
           <p:nvPr/>
         </p:nvPicPr>
         <p:blipFill>
-          <a:blip r:embed="rId3">
+          <a:blip r:embed="rId5">
             <a:extLst>
               <a:ext uri="{28A0092B-C50C-407E-A947-70E740481C1C}">
                 <a14:useLocalDpi xmlns:a14="http://schemas.microsoft.com/office/drawing/2010/main" val="0"/>
@@ -4422,8 +4352,8 @@
         </p:blipFill>
         <p:spPr bwMode="auto">
           <a:xfrm>
-            <a:off x="1187624" y="1916832"/>
-            <a:ext cx="5832648" cy="4668648"/>
+            <a:off x="5077626" y="1971741"/>
+            <a:ext cx="3310797" cy="4586665"/>
           </a:xfrm>
           <a:prstGeom prst="rect">
             <a:avLst/>
@@ -4466,7 +4396,7 @@
     </p:spTree>
     <p:extLst>
       <p:ext uri="{BB962C8B-B14F-4D97-AF65-F5344CB8AC3E}">
-        <p14:creationId xmlns:p14="http://schemas.microsoft.com/office/powerpoint/2010/main" val="1325530906"/>
+        <p14:creationId xmlns:p14="http://schemas.microsoft.com/office/powerpoint/2010/main" val="1815007535"/>
       </p:ext>
     </p:extLst>
   </p:cSld>
@@ -4476,7 +4406,7 @@
 </p:sld>
 </file>
 
-<file path=ppt/slides/slide12.xml><?xml version="1.0" encoding="utf-8"?>
+<file path=ppt/slides/slide11.xml><?xml version="1.0" encoding="utf-8"?>
 <p:sld xmlns:a="http://schemas.openxmlformats.org/drawingml/2006/main" xmlns:r="http://schemas.openxmlformats.org/officeDocument/2006/relationships" xmlns:p="http://schemas.openxmlformats.org/presentationml/2006/main">
   <p:cSld>
     <p:spTree>
@@ -4498,7 +4428,7 @@
           <p:cNvPr id="2" name="Title 1">
             <a:extLst>
               <a:ext uri="{FF2B5EF4-FFF2-40B4-BE49-F238E27FC236}">
-                <a16:creationId xmlns:a16="http://schemas.microsoft.com/office/drawing/2014/main" id="{B1241BAB-EB62-4612-B11E-444F646D034F}"/>
+                <a16:creationId xmlns:a16="http://schemas.microsoft.com/office/drawing/2014/main" id="{A3D68C06-528E-4E82-B476-3A102F901347}"/>
               </a:ext>
             </a:extLst>
           </p:cNvPr>
@@ -4522,83 +4452,68 @@
           <a:lstStyle/>
           <a:p>
             <a:r>
+              <a:rPr lang="en-GB" dirty="0" err="1"/>
+              <a:t>Linkedin</a:t>
+            </a:r>
+            <a:r>
               <a:rPr lang="en-GB" dirty="0"/>
-              <a:t>Hackathon</a:t>
-            </a:r>
-          </a:p>
-        </p:txBody>
-      </p:sp>
-      <p:sp>
-        <p:nvSpPr>
-          <p:cNvPr id="4" name="矩形 3"/>
-          <p:cNvSpPr/>
-          <p:nvPr/>
+              <a:t> Groups</a:t>
+            </a:r>
+          </a:p>
+        </p:txBody>
+      </p:sp>
+      <p:sp>
+        <p:nvSpPr>
+          <p:cNvPr id="3" name="Content Placeholder 2">
+            <a:extLst>
+              <a:ext uri="{FF2B5EF4-FFF2-40B4-BE49-F238E27FC236}">
+                <a16:creationId xmlns:a16="http://schemas.microsoft.com/office/drawing/2014/main" id="{DC0327DA-BFC9-4A18-806E-5E344F2326D8}"/>
+              </a:ext>
+            </a:extLst>
+          </p:cNvPr>
+          <p:cNvSpPr>
+            <a:spLocks noGrp="1"/>
+          </p:cNvSpPr>
+          <p:nvPr>
+            <p:ph sz="quarter" idx="1"/>
+          </p:nvPr>
         </p:nvSpPr>
         <p:spPr>
           <a:xfrm>
-            <a:off x="5580112" y="1179903"/>
-            <a:ext cx="1928541" cy="276999"/>
-          </a:xfrm>
-          <a:prstGeom prst="rect">
-            <a:avLst/>
-          </a:prstGeom>
-        </p:spPr>
-        <p:txBody>
-          <a:bodyPr wrap="none">
-            <a:spAutoFit/>
+            <a:off x="914400" y="980728"/>
+            <a:ext cx="7772400" cy="757064"/>
+          </a:xfrm>
+        </p:spPr>
+        <p:txBody>
+          <a:bodyPr>
+            <a:normAutofit/>
           </a:bodyPr>
           <a:lstStyle/>
           <a:p>
-            <a:r>
-              <a:rPr lang="en-GB" altLang="zh-TW" sz="1200" dirty="0">
+            <a:pPr lvl="1"/>
+            <a:r>
+              <a:rPr lang="en-GB" sz="1800" dirty="0">
                 <a:hlinkClick r:id="rId2"/>
               </a:rPr>
-              <a:t>http://hack.ust.hk-cic.com/</a:t>
-            </a:r>
-            <a:r>
-              <a:rPr lang="en-GB" altLang="zh-TW" sz="1200" dirty="0"/>
-              <a:t> </a:t>
-            </a:r>
-          </a:p>
-        </p:txBody>
-      </p:sp>
-      <p:sp>
-        <p:nvSpPr>
-          <p:cNvPr id="5" name="矩形 4"/>
-          <p:cNvSpPr/>
-          <p:nvPr/>
-        </p:nvSpPr>
-        <p:spPr>
-          <a:xfrm>
-            <a:off x="755576" y="1202268"/>
-            <a:ext cx="3013838" cy="276999"/>
-          </a:xfrm>
-          <a:prstGeom prst="rect">
-            <a:avLst/>
-          </a:prstGeom>
-        </p:spPr>
-        <p:txBody>
-          <a:bodyPr wrap="none">
-            <a:spAutoFit/>
-          </a:bodyPr>
-          <a:lstStyle/>
-          <a:p>
-            <a:r>
-              <a:rPr lang="en-GB" altLang="zh-TW" sz="1200" dirty="0">
+              <a:t>Machine Learning and Data Science</a:t>
+            </a:r>
+            <a:endParaRPr lang="en-GB" sz="1800" dirty="0"/>
+          </a:p>
+          <a:p>
+            <a:pPr lvl="1"/>
+            <a:r>
+              <a:rPr lang="en-GB" sz="1800" dirty="0">
                 <a:hlinkClick r:id="rId3"/>
               </a:rPr>
-              <a:t>https://www.bochkhackathon.com/eng.html</a:t>
-            </a:r>
-            <a:r>
-              <a:rPr lang="en-GB" altLang="zh-TW" sz="1200" dirty="0"/>
-              <a:t> </a:t>
-            </a:r>
+              <a:t>Data Mining, Statistics, Big Data, Data Visualization, and Data Science</a:t>
+            </a:r>
+            <a:endParaRPr lang="en-GB" sz="1800" dirty="0"/>
           </a:p>
         </p:txBody>
       </p:sp>
       <p:pic>
         <p:nvPicPr>
-          <p:cNvPr id="6146" name="Picture 2"/>
+          <p:cNvPr id="4098" name="Picture 2"/>
           <p:cNvPicPr>
             <a:picLocks noChangeAspect="1" noChangeArrowheads="1"/>
           </p:cNvPicPr>
@@ -4619,8 +4534,8 @@
         </p:blipFill>
         <p:spPr bwMode="auto">
           <a:xfrm>
-            <a:off x="251520" y="1556792"/>
-            <a:ext cx="4505217" cy="3816424"/>
+            <a:off x="971600" y="1713053"/>
+            <a:ext cx="7200800" cy="4846924"/>
           </a:xfrm>
           <a:prstGeom prst="rect">
             <a:avLst/>
@@ -4660,16 +4575,113 @@
           </a:extLst>
         </p:spPr>
       </p:pic>
+    </p:spTree>
+    <p:extLst>
+      <p:ext uri="{BB962C8B-B14F-4D97-AF65-F5344CB8AC3E}">
+        <p14:creationId xmlns:p14="http://schemas.microsoft.com/office/powerpoint/2010/main" val="326260225"/>
+      </p:ext>
+    </p:extLst>
+  </p:cSld>
+  <p:clrMapOvr>
+    <a:masterClrMapping/>
+  </p:clrMapOvr>
+</p:sld>
+</file>
+
+<file path=ppt/slides/slide12.xml><?xml version="1.0" encoding="utf-8"?>
+<p:sld xmlns:a="http://schemas.openxmlformats.org/drawingml/2006/main" xmlns:r="http://schemas.openxmlformats.org/officeDocument/2006/relationships" xmlns:p="http://schemas.openxmlformats.org/presentationml/2006/main">
+  <p:cSld>
+    <p:spTree>
+      <p:nvGrpSpPr>
+        <p:cNvPr id="1" name=""/>
+        <p:cNvGrpSpPr/>
+        <p:nvPr/>
+      </p:nvGrpSpPr>
+      <p:grpSpPr>
+        <a:xfrm>
+          <a:off x="0" y="0"/>
+          <a:ext cx="0" cy="0"/>
+          <a:chOff x="0" y="0"/>
+          <a:chExt cx="0" cy="0"/>
+        </a:xfrm>
+      </p:grpSpPr>
+      <p:sp>
+        <p:nvSpPr>
+          <p:cNvPr id="2" name="Title 1">
+            <a:extLst>
+              <a:ext uri="{FF2B5EF4-FFF2-40B4-BE49-F238E27FC236}">
+                <a16:creationId xmlns:a16="http://schemas.microsoft.com/office/drawing/2014/main" id="{A3D68C06-528E-4E82-B476-3A102F901347}"/>
+              </a:ext>
+            </a:extLst>
+          </p:cNvPr>
+          <p:cNvSpPr>
+            <a:spLocks noGrp="1"/>
+          </p:cNvSpPr>
+          <p:nvPr>
+            <p:ph type="title"/>
+          </p:nvPr>
+        </p:nvSpPr>
+        <p:spPr/>
+        <p:txBody>
+          <a:bodyPr>
+            <a:normAutofit/>
+          </a:bodyPr>
+          <a:lstStyle/>
+          <a:p>
+            <a:r>
+              <a:rPr lang="en-GB" dirty="0" err="1"/>
+              <a:t>Eventbrite</a:t>
+            </a:r>
+            <a:endParaRPr lang="en-GB" dirty="0"/>
+          </a:p>
+        </p:txBody>
+      </p:sp>
+      <p:sp>
+        <p:nvSpPr>
+          <p:cNvPr id="3" name="Content Placeholder 2">
+            <a:extLst>
+              <a:ext uri="{FF2B5EF4-FFF2-40B4-BE49-F238E27FC236}">
+                <a16:creationId xmlns:a16="http://schemas.microsoft.com/office/drawing/2014/main" id="{DC0327DA-BFC9-4A18-806E-5E344F2326D8}"/>
+              </a:ext>
+            </a:extLst>
+          </p:cNvPr>
+          <p:cNvSpPr>
+            <a:spLocks noGrp="1"/>
+          </p:cNvSpPr>
+          <p:nvPr>
+            <p:ph sz="quarter" idx="1"/>
+          </p:nvPr>
+        </p:nvSpPr>
+        <p:spPr>
+          <a:xfrm>
+            <a:off x="914400" y="1447800"/>
+            <a:ext cx="7772400" cy="613048"/>
+          </a:xfrm>
+        </p:spPr>
+        <p:txBody>
+          <a:bodyPr/>
+          <a:lstStyle/>
+          <a:p>
+            <a:r>
+              <a:rPr lang="en-GB" dirty="0">
+                <a:hlinkClick r:id="rId2"/>
+              </a:rPr>
+              <a:t>https://www.eventbrite.com/</a:t>
+            </a:r>
+            <a:endParaRPr lang="en-GB" dirty="0"/>
+          </a:p>
+        </p:txBody>
+      </p:sp>
       <p:pic>
         <p:nvPicPr>
-          <p:cNvPr id="6147" name="Picture 3"/>
+          <p:cNvPr id="5122" name="Picture 2"/>
           <p:cNvPicPr>
             <a:picLocks noChangeAspect="1" noChangeArrowheads="1"/>
           </p:cNvPicPr>
           <p:nvPr/>
         </p:nvPicPr>
         <p:blipFill>
-          <a:blip r:embed="rId5">
+          <a:blip r:embed="rId3">
             <a:extLst>
               <a:ext uri="{28A0092B-C50C-407E-A947-70E740481C1C}">
                 <a14:useLocalDpi xmlns:a14="http://schemas.microsoft.com/office/drawing/2010/main" val="0"/>
@@ -4683,8 +4695,8 @@
         </p:blipFill>
         <p:spPr bwMode="auto">
           <a:xfrm>
-            <a:off x="4921354" y="1575131"/>
-            <a:ext cx="4026408" cy="3798085"/>
+            <a:off x="1187624" y="1916832"/>
+            <a:ext cx="5832648" cy="4668648"/>
           </a:xfrm>
           <a:prstGeom prst="rect">
             <a:avLst/>
@@ -4727,7 +4739,7 @@
     </p:spTree>
     <p:extLst>
       <p:ext uri="{BB962C8B-B14F-4D97-AF65-F5344CB8AC3E}">
-        <p14:creationId xmlns:p14="http://schemas.microsoft.com/office/powerpoint/2010/main" val="2504522859"/>
+        <p14:creationId xmlns:p14="http://schemas.microsoft.com/office/powerpoint/2010/main" val="1325530906"/>
       </p:ext>
     </p:extLst>
   </p:cSld>
@@ -4759,7 +4771,7 @@
           <p:cNvPr id="2" name="Title 1">
             <a:extLst>
               <a:ext uri="{FF2B5EF4-FFF2-40B4-BE49-F238E27FC236}">
-                <a16:creationId xmlns:a16="http://schemas.microsoft.com/office/drawing/2014/main" id="{FF9F69CF-508E-4CED-AE2B-45257AC4EBA0}"/>
+                <a16:creationId xmlns:a16="http://schemas.microsoft.com/office/drawing/2014/main" id="{B1241BAB-EB62-4612-B11E-444F646D034F}"/>
               </a:ext>
             </a:extLst>
           </p:cNvPr>
@@ -4770,28 +4782,103 @@
             <p:ph type="title"/>
           </p:nvPr>
         </p:nvSpPr>
-        <p:spPr/>
-        <p:txBody>
-          <a:bodyPr/>
+        <p:spPr>
+          <a:xfrm>
+            <a:off x="914400" y="274638"/>
+            <a:ext cx="7772400" cy="778098"/>
+          </a:xfrm>
+        </p:spPr>
+        <p:txBody>
+          <a:bodyPr>
+            <a:normAutofit/>
+          </a:bodyPr>
           <a:lstStyle/>
           <a:p>
             <a:r>
               <a:rPr lang="en-GB" dirty="0"/>
-              <a:t>Hadoop Environment / Spark</a:t>
+              <a:t>Hackathon</a:t>
+            </a:r>
+          </a:p>
+        </p:txBody>
+      </p:sp>
+      <p:sp>
+        <p:nvSpPr>
+          <p:cNvPr id="4" name="矩形 3"/>
+          <p:cNvSpPr/>
+          <p:nvPr/>
+        </p:nvSpPr>
+        <p:spPr>
+          <a:xfrm>
+            <a:off x="5580112" y="1179903"/>
+            <a:ext cx="1928541" cy="276999"/>
+          </a:xfrm>
+          <a:prstGeom prst="rect">
+            <a:avLst/>
+          </a:prstGeom>
+        </p:spPr>
+        <p:txBody>
+          <a:bodyPr wrap="none">
+            <a:spAutoFit/>
+          </a:bodyPr>
+          <a:lstStyle/>
+          <a:p>
+            <a:r>
+              <a:rPr lang="en-GB" altLang="zh-TW" sz="1200" dirty="0">
+                <a:hlinkClick r:id="rId2"/>
+              </a:rPr>
+              <a:t>http://hack.ust.hk-cic.com/</a:t>
+            </a:r>
+            <a:r>
+              <a:rPr lang="en-GB" altLang="zh-TW" sz="1200" dirty="0"/>
+              <a:t> </a:t>
+            </a:r>
+          </a:p>
+        </p:txBody>
+      </p:sp>
+      <p:sp>
+        <p:nvSpPr>
+          <p:cNvPr id="5" name="矩形 4"/>
+          <p:cNvSpPr/>
+          <p:nvPr/>
+        </p:nvSpPr>
+        <p:spPr>
+          <a:xfrm>
+            <a:off x="755576" y="1202268"/>
+            <a:ext cx="3013838" cy="276999"/>
+          </a:xfrm>
+          <a:prstGeom prst="rect">
+            <a:avLst/>
+          </a:prstGeom>
+        </p:spPr>
+        <p:txBody>
+          <a:bodyPr wrap="none">
+            <a:spAutoFit/>
+          </a:bodyPr>
+          <a:lstStyle/>
+          <a:p>
+            <a:r>
+              <a:rPr lang="en-GB" altLang="zh-TW" sz="1200" dirty="0">
+                <a:hlinkClick r:id="rId3"/>
+              </a:rPr>
+              <a:t>https://www.bochkhackathon.com/eng.html</a:t>
+            </a:r>
+            <a:r>
+              <a:rPr lang="en-GB" altLang="zh-TW" sz="1200" dirty="0"/>
+              <a:t> </a:t>
             </a:r>
           </a:p>
         </p:txBody>
       </p:sp>
       <p:pic>
         <p:nvPicPr>
-          <p:cNvPr id="7170" name="Picture 2" descr="hadoop cloudera VMçåçæå°çµæ"/>
+          <p:cNvPr id="6146" name="Picture 2"/>
           <p:cNvPicPr>
             <a:picLocks noChangeAspect="1" noChangeArrowheads="1"/>
           </p:cNvPicPr>
           <p:nvPr/>
         </p:nvPicPr>
         <p:blipFill>
-          <a:blip r:embed="rId2">
+          <a:blip r:embed="rId4">
             <a:extLst>
               <a:ext uri="{28A0092B-C50C-407E-A947-70E740481C1C}">
                 <a14:useLocalDpi xmlns:a14="http://schemas.microsoft.com/office/drawing/2010/main" val="0"/>
@@ -4805,1861 +4892,8 @@
         </p:blipFill>
         <p:spPr bwMode="auto">
           <a:xfrm>
-            <a:off x="323528" y="1412776"/>
-            <a:ext cx="5544616" cy="4723194"/>
-          </a:xfrm>
-          <a:prstGeom prst="rect">
-            <a:avLst/>
-          </a:prstGeom>
-          <a:noFill/>
-          <a:extLst>
-            <a:ext uri="{909E8E84-426E-40DD-AFC4-6F175D3DCCD1}">
-              <a14:hiddenFill xmlns:a14="http://schemas.microsoft.com/office/drawing/2010/main">
-                <a:solidFill>
-                  <a:srgbClr val="FFFFFF"/>
-                </a:solidFill>
-              </a14:hiddenFill>
-            </a:ext>
-          </a:extLst>
-        </p:spPr>
-      </p:pic>
-      <p:sp>
-        <p:nvSpPr>
-          <p:cNvPr id="4" name="矩形 3"/>
-          <p:cNvSpPr/>
-          <p:nvPr/>
-        </p:nvSpPr>
-        <p:spPr>
-          <a:xfrm>
-            <a:off x="2339752" y="1412776"/>
-            <a:ext cx="3456384" cy="2808312"/>
-          </a:xfrm>
-          <a:prstGeom prst="rect">
-            <a:avLst/>
-          </a:prstGeom>
-          <a:noFill/>
-        </p:spPr>
-        <p:style>
-          <a:lnRef idx="2">
-            <a:schemeClr val="accent1"/>
-          </a:lnRef>
-          <a:fillRef idx="1">
-            <a:schemeClr val="lt1"/>
-          </a:fillRef>
-          <a:effectRef idx="0">
-            <a:schemeClr val="accent1"/>
-          </a:effectRef>
-          <a:fontRef idx="minor">
-            <a:schemeClr val="dk1"/>
-          </a:fontRef>
-        </p:style>
-        <p:txBody>
-          <a:bodyPr rtlCol="0" anchor="ctr"/>
-          <a:lstStyle/>
-          <a:p>
-            <a:pPr algn="ctr"/>
-            <a:endParaRPr lang="zh-TW" altLang="en-US"/>
-          </a:p>
-        </p:txBody>
-      </p:sp>
-      <p:pic>
-        <p:nvPicPr>
-          <p:cNvPr id="7172" name="Picture 4" descr="zookeeper architecture in hadoopçåçæå°çµæ"/>
-          <p:cNvPicPr>
-            <a:picLocks noChangeAspect="1" noChangeArrowheads="1"/>
-          </p:cNvPicPr>
-          <p:nvPr/>
-        </p:nvPicPr>
-        <p:blipFill>
-          <a:blip r:embed="rId3">
-            <a:extLst>
-              <a:ext uri="{28A0092B-C50C-407E-A947-70E740481C1C}">
-                <a14:useLocalDpi xmlns:a14="http://schemas.microsoft.com/office/drawing/2010/main" val="0"/>
-              </a:ext>
-            </a:extLst>
-          </a:blip>
-          <a:srcRect/>
-          <a:stretch>
-            <a:fillRect/>
-          </a:stretch>
-        </p:blipFill>
-        <p:spPr bwMode="auto">
-          <a:xfrm>
-            <a:off x="6012159" y="1412776"/>
-            <a:ext cx="2964393" cy="2016224"/>
-          </a:xfrm>
-          <a:prstGeom prst="rect">
-            <a:avLst/>
-          </a:prstGeom>
-          <a:noFill/>
-          <a:extLst>
-            <a:ext uri="{909E8E84-426E-40DD-AFC4-6F175D3DCCD1}">
-              <a14:hiddenFill xmlns:a14="http://schemas.microsoft.com/office/drawing/2010/main">
-                <a:solidFill>
-                  <a:srgbClr val="FFFFFF"/>
-                </a:solidFill>
-              </a14:hiddenFill>
-            </a:ext>
-          </a:extLst>
-        </p:spPr>
-      </p:pic>
-      <p:cxnSp>
-        <p:nvCxnSpPr>
-          <p:cNvPr id="6" name="直線接點 5"/>
-          <p:cNvCxnSpPr>
-            <a:stCxn id="4" idx="3"/>
-            <a:endCxn id="7172" idx="1"/>
-          </p:cNvCxnSpPr>
-          <p:nvPr/>
-        </p:nvCxnSpPr>
-        <p:spPr>
-          <a:xfrm flipV="1">
-            <a:off x="5796136" y="2420888"/>
-            <a:ext cx="216023" cy="396044"/>
-          </a:xfrm>
-          <a:prstGeom prst="line">
-            <a:avLst/>
-          </a:prstGeom>
-          <a:ln w="38100"/>
-        </p:spPr>
-        <p:style>
-          <a:lnRef idx="1">
-            <a:schemeClr val="accent1"/>
-          </a:lnRef>
-          <a:fillRef idx="0">
-            <a:schemeClr val="accent1"/>
-          </a:fillRef>
-          <a:effectRef idx="0">
-            <a:schemeClr val="accent1"/>
-          </a:effectRef>
-          <a:fontRef idx="minor">
-            <a:schemeClr val="tx1"/>
-          </a:fontRef>
-        </p:style>
-      </p:cxnSp>
-      <p:sp>
-        <p:nvSpPr>
-          <p:cNvPr id="7" name="AutoShape 6" descr="sparkçåçæå°çµæ"/>
-          <p:cNvSpPr>
-            <a:spLocks noChangeAspect="1" noChangeArrowheads="1"/>
-          </p:cNvSpPr>
-          <p:nvPr/>
-        </p:nvSpPr>
-        <p:spPr bwMode="auto">
-          <a:xfrm>
-            <a:off x="155575" y="-144463"/>
-            <a:ext cx="304800" cy="304801"/>
-          </a:xfrm>
-          <a:prstGeom prst="rect">
-            <a:avLst/>
-          </a:prstGeom>
-          <a:noFill/>
-          <a:extLst>
-            <a:ext uri="{909E8E84-426E-40DD-AFC4-6F175D3DCCD1}">
-              <a14:hiddenFill xmlns:a14="http://schemas.microsoft.com/office/drawing/2010/main">
-                <a:solidFill>
-                  <a:srgbClr val="FFFFFF"/>
-                </a:solidFill>
-              </a14:hiddenFill>
-            </a:ext>
-          </a:extLst>
-        </p:spPr>
-        <p:txBody>
-          <a:bodyPr vert="horz" wrap="square" lIns="91440" tIns="45720" rIns="91440" bIns="45720" numCol="1" anchor="t" anchorCtr="0" compatLnSpc="1">
-            <a:prstTxWarp prst="textNoShape">
-              <a:avLst/>
-            </a:prstTxWarp>
-          </a:bodyPr>
-          <a:lstStyle/>
-          <a:p>
-            <a:endParaRPr lang="zh-TW" altLang="en-US"/>
-          </a:p>
-        </p:txBody>
-      </p:sp>
-      <p:pic>
-        <p:nvPicPr>
-          <p:cNvPr id="7176" name="Picture 8" descr="sparkçåçæå°çµæ"/>
-          <p:cNvPicPr>
-            <a:picLocks noChangeAspect="1" noChangeArrowheads="1"/>
-          </p:cNvPicPr>
-          <p:nvPr/>
-        </p:nvPicPr>
-        <p:blipFill rotWithShape="1">
-          <a:blip r:embed="rId4" cstate="print">
-            <a:extLst>
-              <a:ext uri="{28A0092B-C50C-407E-A947-70E740481C1C}">
-                <a14:useLocalDpi xmlns:a14="http://schemas.microsoft.com/office/drawing/2010/main" val="0"/>
-              </a:ext>
-            </a:extLst>
-          </a:blip>
-          <a:srcRect l="19934" r="15652" b="12961"/>
-          <a:stretch/>
-        </p:blipFill>
-        <p:spPr bwMode="auto">
-          <a:xfrm>
-            <a:off x="6637866" y="4005065"/>
-            <a:ext cx="2133601" cy="1176536"/>
-          </a:xfrm>
-          <a:prstGeom prst="rect">
-            <a:avLst/>
-          </a:prstGeom>
-          <a:noFill/>
-          <a:extLst>
-            <a:ext uri="{909E8E84-426E-40DD-AFC4-6F175D3DCCD1}">
-              <a14:hiddenFill xmlns:a14="http://schemas.microsoft.com/office/drawing/2010/main">
-                <a:solidFill>
-                  <a:srgbClr val="FFFFFF"/>
-                </a:solidFill>
-              </a14:hiddenFill>
-            </a:ext>
-          </a:extLst>
-        </p:spPr>
-      </p:pic>
-      <p:cxnSp>
-        <p:nvCxnSpPr>
-          <p:cNvPr id="11" name="直線接點 10"/>
-          <p:cNvCxnSpPr>
-            <a:endCxn id="7176" idx="1"/>
-          </p:cNvCxnSpPr>
-          <p:nvPr/>
-        </p:nvCxnSpPr>
-        <p:spPr>
-          <a:xfrm>
-            <a:off x="5796135" y="3627022"/>
-            <a:ext cx="841731" cy="966311"/>
-          </a:xfrm>
-          <a:prstGeom prst="line">
-            <a:avLst/>
-          </a:prstGeom>
-          <a:ln w="38100"/>
-        </p:spPr>
-        <p:style>
-          <a:lnRef idx="1">
-            <a:schemeClr val="accent1"/>
-          </a:lnRef>
-          <a:fillRef idx="0">
-            <a:schemeClr val="accent1"/>
-          </a:fillRef>
-          <a:effectRef idx="0">
-            <a:schemeClr val="accent1"/>
-          </a:effectRef>
-          <a:fontRef idx="minor">
-            <a:schemeClr val="tx1"/>
-          </a:fontRef>
-        </p:style>
-      </p:cxnSp>
-    </p:spTree>
-    <p:extLst>
-      <p:ext uri="{BB962C8B-B14F-4D97-AF65-F5344CB8AC3E}">
-        <p14:creationId xmlns:p14="http://schemas.microsoft.com/office/powerpoint/2010/main" val="482282722"/>
-      </p:ext>
-    </p:extLst>
-  </p:cSld>
-  <p:clrMapOvr>
-    <a:masterClrMapping/>
-  </p:clrMapOvr>
-</p:sld>
-</file>
-
-<file path=ppt/slides/slide14.xml><?xml version="1.0" encoding="utf-8"?>
-<p:sld xmlns:a="http://schemas.openxmlformats.org/drawingml/2006/main" xmlns:r="http://schemas.openxmlformats.org/officeDocument/2006/relationships" xmlns:p="http://schemas.openxmlformats.org/presentationml/2006/main">
-  <p:cSld>
-    <p:spTree>
-      <p:nvGrpSpPr>
-        <p:cNvPr id="1" name=""/>
-        <p:cNvGrpSpPr/>
-        <p:nvPr/>
-      </p:nvGrpSpPr>
-      <p:grpSpPr>
-        <a:xfrm>
-          <a:off x="0" y="0"/>
-          <a:ext cx="0" cy="0"/>
-          <a:chOff x="0" y="0"/>
-          <a:chExt cx="0" cy="0"/>
-        </a:xfrm>
-      </p:grpSpPr>
-      <p:sp>
-        <p:nvSpPr>
-          <p:cNvPr id="5" name="副標題 4"/>
-          <p:cNvSpPr>
-            <a:spLocks noGrp="1"/>
-          </p:cNvSpPr>
-          <p:nvPr>
-            <p:ph type="subTitle" idx="1"/>
-          </p:nvPr>
-        </p:nvSpPr>
-        <p:spPr/>
-        <p:txBody>
-          <a:bodyPr/>
-          <a:lstStyle/>
-          <a:p>
-            <a:endParaRPr lang="zh-TW" altLang="en-US"/>
-          </a:p>
-        </p:txBody>
-      </p:sp>
-      <p:sp>
-        <p:nvSpPr>
-          <p:cNvPr id="4" name="標題 3"/>
-          <p:cNvSpPr>
-            <a:spLocks noGrp="1"/>
-          </p:cNvSpPr>
-          <p:nvPr>
-            <p:ph type="ctrTitle"/>
-          </p:nvPr>
-        </p:nvSpPr>
-        <p:spPr/>
-        <p:txBody>
-          <a:bodyPr/>
-          <a:lstStyle/>
-          <a:p>
-            <a:r>
-              <a:rPr lang="en-US" altLang="zh-TW" b="1" dirty="0"/>
-              <a:t>Start Python Coding !</a:t>
-            </a:r>
-            <a:endParaRPr lang="zh-TW" altLang="en-US" b="1" dirty="0"/>
-          </a:p>
-        </p:txBody>
-      </p:sp>
-    </p:spTree>
-    <p:extLst>
-      <p:ext uri="{BB962C8B-B14F-4D97-AF65-F5344CB8AC3E}">
-        <p14:creationId xmlns:p14="http://schemas.microsoft.com/office/powerpoint/2010/main" val="3164109170"/>
-      </p:ext>
-    </p:extLst>
-  </p:cSld>
-  <p:clrMapOvr>
-    <a:masterClrMapping/>
-  </p:clrMapOvr>
-</p:sld>
-</file>
-
-<file path=ppt/slides/slide15.xml><?xml version="1.0" encoding="utf-8"?>
-<p:sld xmlns:a="http://schemas.openxmlformats.org/drawingml/2006/main" xmlns:r="http://schemas.openxmlformats.org/officeDocument/2006/relationships" xmlns:p="http://schemas.openxmlformats.org/presentationml/2006/main">
-  <p:cSld>
-    <p:spTree>
-      <p:nvGrpSpPr>
-        <p:cNvPr id="1" name=""/>
-        <p:cNvGrpSpPr/>
-        <p:nvPr/>
-      </p:nvGrpSpPr>
-      <p:grpSpPr>
-        <a:xfrm>
-          <a:off x="0" y="0"/>
-          <a:ext cx="0" cy="0"/>
-          <a:chOff x="0" y="0"/>
-          <a:chExt cx="0" cy="0"/>
-        </a:xfrm>
-      </p:grpSpPr>
-      <p:sp>
-        <p:nvSpPr>
-          <p:cNvPr id="2" name="Title 1"/>
-          <p:cNvSpPr>
-            <a:spLocks noGrp="1"/>
-          </p:cNvSpPr>
-          <p:nvPr>
-            <p:ph type="title"/>
-          </p:nvPr>
-        </p:nvSpPr>
-        <p:spPr/>
-        <p:txBody>
-          <a:bodyPr/>
-          <a:lstStyle/>
-          <a:p>
-            <a:r>
-              <a:rPr lang="en-HK" dirty="0" err="1"/>
-              <a:t>Read_csv</a:t>
-            </a:r>
-            <a:r>
-              <a:rPr lang="en-HK" dirty="0"/>
-              <a:t> with </a:t>
-            </a:r>
-            <a:r>
-              <a:rPr lang="en-HK" dirty="0" err="1"/>
-              <a:t>chunksize</a:t>
-            </a:r>
-            <a:endParaRPr lang="en-US" dirty="0"/>
-          </a:p>
-        </p:txBody>
-      </p:sp>
-      <p:sp>
-        <p:nvSpPr>
-          <p:cNvPr id="3" name="Content Placeholder 2"/>
-          <p:cNvSpPr>
-            <a:spLocks noGrp="1"/>
-          </p:cNvSpPr>
-          <p:nvPr>
-            <p:ph sz="quarter" idx="1"/>
-          </p:nvPr>
-        </p:nvSpPr>
-        <p:spPr>
-          <a:xfrm>
-            <a:off x="914400" y="5229200"/>
-            <a:ext cx="7772400" cy="1090570"/>
-          </a:xfrm>
-        </p:spPr>
-        <p:txBody>
-          <a:bodyPr>
-            <a:normAutofit fontScale="92500" lnSpcReduction="20000"/>
-          </a:bodyPr>
-          <a:lstStyle/>
-          <a:p>
-            <a:r>
-              <a:rPr lang="en-HK" dirty="0" err="1"/>
-              <a:t>df_chunk</a:t>
-            </a:r>
-            <a:r>
-              <a:rPr lang="en-HK" dirty="0"/>
-              <a:t> = </a:t>
-            </a:r>
-            <a:r>
-              <a:rPr lang="en-HK" dirty="0" err="1"/>
-              <a:t>read_csv</a:t>
-            </a:r>
-            <a:r>
-              <a:rPr lang="en-HK" dirty="0"/>
-              <a:t>(filename, </a:t>
-            </a:r>
-            <a:r>
-              <a:rPr lang="en-HK" dirty="0" err="1"/>
-              <a:t>chunksize</a:t>
-            </a:r>
-            <a:r>
-              <a:rPr lang="en-HK" dirty="0"/>
-              <a:t> = 1024)</a:t>
-            </a:r>
-          </a:p>
-          <a:p>
-            <a:r>
-              <a:rPr lang="en-HK" dirty="0" err="1"/>
-              <a:t>Chunksize</a:t>
-            </a:r>
-            <a:r>
-              <a:rPr lang="en-HK" dirty="0"/>
-              <a:t> best choice = 2^N (1024, 2048, …) </a:t>
-            </a:r>
-            <a:br>
-              <a:rPr lang="en-HK" dirty="0"/>
-            </a:br>
-            <a:r>
-              <a:rPr lang="en-HK" dirty="0"/>
-              <a:t>depends to you PC RAM</a:t>
-            </a:r>
-            <a:endParaRPr lang="en-US" dirty="0"/>
-          </a:p>
-        </p:txBody>
-      </p:sp>
-      <p:pic>
-        <p:nvPicPr>
-          <p:cNvPr id="1026" name="Picture 2" descr="read chunkçåçæå°çµæ"/>
-          <p:cNvPicPr>
-            <a:picLocks noChangeAspect="1" noChangeArrowheads="1"/>
-          </p:cNvPicPr>
-          <p:nvPr/>
-        </p:nvPicPr>
-        <p:blipFill>
-          <a:blip r:embed="rId2">
-            <a:extLst>
-              <a:ext uri="{28A0092B-C50C-407E-A947-70E740481C1C}">
-                <a14:useLocalDpi xmlns:a14="http://schemas.microsoft.com/office/drawing/2010/main" val="0"/>
-              </a:ext>
-            </a:extLst>
-          </a:blip>
-          <a:srcRect/>
-          <a:stretch>
-            <a:fillRect/>
-          </a:stretch>
-        </p:blipFill>
-        <p:spPr bwMode="auto">
-          <a:xfrm>
-            <a:off x="2411760" y="1415356"/>
-            <a:ext cx="4752528" cy="3763696"/>
-          </a:xfrm>
-          <a:prstGeom prst="rect">
-            <a:avLst/>
-          </a:prstGeom>
-          <a:noFill/>
-          <a:extLst>
-            <a:ext uri="{909E8E84-426E-40DD-AFC4-6F175D3DCCD1}">
-              <a14:hiddenFill xmlns:a14="http://schemas.microsoft.com/office/drawing/2010/main">
-                <a:solidFill>
-                  <a:srgbClr val="FFFFFF"/>
-                </a:solidFill>
-              </a14:hiddenFill>
-            </a:ext>
-          </a:extLst>
-        </p:spPr>
-      </p:pic>
-    </p:spTree>
-    <p:extLst>
-      <p:ext uri="{BB962C8B-B14F-4D97-AF65-F5344CB8AC3E}">
-        <p14:creationId xmlns:p14="http://schemas.microsoft.com/office/powerpoint/2010/main" val="52154993"/>
-      </p:ext>
-    </p:extLst>
-  </p:cSld>
-  <p:clrMapOvr>
-    <a:masterClrMapping/>
-  </p:clrMapOvr>
-</p:sld>
-</file>
-
-<file path=ppt/slides/slide16.xml><?xml version="1.0" encoding="utf-8"?>
-<p:sld xmlns:a="http://schemas.openxmlformats.org/drawingml/2006/main" xmlns:r="http://schemas.openxmlformats.org/officeDocument/2006/relationships" xmlns:p="http://schemas.openxmlformats.org/presentationml/2006/main">
-  <p:cSld>
-    <p:spTree>
-      <p:nvGrpSpPr>
-        <p:cNvPr id="1" name=""/>
-        <p:cNvGrpSpPr/>
-        <p:nvPr/>
-      </p:nvGrpSpPr>
-      <p:grpSpPr>
-        <a:xfrm>
-          <a:off x="0" y="0"/>
-          <a:ext cx="0" cy="0"/>
-          <a:chOff x="0" y="0"/>
-          <a:chExt cx="0" cy="0"/>
-        </a:xfrm>
-      </p:grpSpPr>
-      <p:sp>
-        <p:nvSpPr>
-          <p:cNvPr id="2" name="Title 1">
-            <a:extLst>
-              <a:ext uri="{FF2B5EF4-FFF2-40B4-BE49-F238E27FC236}">
-                <a16:creationId xmlns:a16="http://schemas.microsoft.com/office/drawing/2014/main" id="{48FFDDE4-A085-4B7F-B612-560895542A69}"/>
-              </a:ext>
-            </a:extLst>
-          </p:cNvPr>
-          <p:cNvSpPr>
-            <a:spLocks noGrp="1"/>
-          </p:cNvSpPr>
-          <p:nvPr>
-            <p:ph type="title"/>
-          </p:nvPr>
-        </p:nvSpPr>
-        <p:spPr/>
-        <p:txBody>
-          <a:bodyPr/>
-          <a:lstStyle/>
-          <a:p>
-            <a:r>
-              <a:rPr lang="en-GB" dirty="0" err="1"/>
-              <a:t>DataFrame</a:t>
-            </a:r>
-            <a:r>
-              <a:rPr lang="en-GB" dirty="0"/>
-              <a:t> operations</a:t>
-            </a:r>
-          </a:p>
-        </p:txBody>
-      </p:sp>
-      <p:sp>
-        <p:nvSpPr>
-          <p:cNvPr id="3" name="Content Placeholder 2">
-            <a:extLst>
-              <a:ext uri="{FF2B5EF4-FFF2-40B4-BE49-F238E27FC236}">
-                <a16:creationId xmlns:a16="http://schemas.microsoft.com/office/drawing/2014/main" id="{8E0DEA11-6E8C-4743-A3B1-385C4F1FB244}"/>
-              </a:ext>
-            </a:extLst>
-          </p:cNvPr>
-          <p:cNvSpPr>
-            <a:spLocks noGrp="1"/>
-          </p:cNvSpPr>
-          <p:nvPr>
-            <p:ph sz="quarter" idx="1"/>
-          </p:nvPr>
-        </p:nvSpPr>
-        <p:spPr/>
-        <p:txBody>
-          <a:bodyPr>
-            <a:normAutofit lnSpcReduction="10000"/>
-          </a:bodyPr>
-          <a:lstStyle/>
-          <a:p>
-            <a:r>
-              <a:rPr lang="en-GB" dirty="0"/>
-              <a:t>Filter / Subset</a:t>
-            </a:r>
-            <a:br>
-              <a:rPr lang="en-GB" dirty="0"/>
-            </a:br>
-            <a:r>
-              <a:rPr lang="en-US" dirty="0" err="1"/>
-              <a:t>df</a:t>
-            </a:r>
-            <a:r>
-              <a:rPr lang="en-US" dirty="0"/>
-              <a:t>[ Boolean expressions ], e.g. </a:t>
-            </a:r>
-            <a:r>
-              <a:rPr lang="en-US" dirty="0" err="1"/>
-              <a:t>df</a:t>
-            </a:r>
-            <a:r>
-              <a:rPr lang="en-US" dirty="0"/>
-              <a:t>[ </a:t>
-            </a:r>
-            <a:r>
-              <a:rPr lang="en-US" dirty="0" err="1"/>
-              <a:t>df</a:t>
-            </a:r>
-            <a:r>
-              <a:rPr lang="en-US" dirty="0"/>
-              <a:t>[columns]&gt;0 ]</a:t>
-            </a:r>
-            <a:br>
-              <a:rPr lang="en-US" dirty="0"/>
-            </a:br>
-            <a:r>
-              <a:rPr lang="en-US" dirty="0" err="1"/>
-              <a:t>df.where</a:t>
-            </a:r>
-            <a:r>
-              <a:rPr lang="en-US" dirty="0"/>
-              <a:t>( Boolean expressions )</a:t>
-            </a:r>
-            <a:br>
-              <a:rPr lang="en-US" dirty="0"/>
-            </a:br>
-            <a:r>
-              <a:rPr lang="en-US" dirty="0" err="1"/>
-              <a:t>df.query</a:t>
-            </a:r>
-            <a:r>
-              <a:rPr lang="en-US" dirty="0"/>
-              <a:t>( Boolean expressions </a:t>
-            </a:r>
-            <a:r>
-              <a:rPr lang="en-US" dirty="0">
-                <a:sym typeface="Wingdings" panose="05000000000000000000" pitchFamily="2" charset="2"/>
-              </a:rPr>
-              <a:t> string</a:t>
-            </a:r>
-            <a:r>
-              <a:rPr lang="en-US" dirty="0"/>
-              <a:t> )</a:t>
-            </a:r>
-            <a:endParaRPr lang="en-GB" dirty="0"/>
-          </a:p>
-          <a:p>
-            <a:r>
-              <a:rPr lang="en-GB" dirty="0"/>
-              <a:t>Mutate / Transform</a:t>
-            </a:r>
-            <a:br>
-              <a:rPr lang="en-GB" dirty="0"/>
-            </a:br>
-            <a:r>
-              <a:rPr lang="en-GB" dirty="0" err="1"/>
-              <a:t>df</a:t>
-            </a:r>
-            <a:r>
-              <a:rPr lang="en-GB" dirty="0"/>
-              <a:t>[ </a:t>
-            </a:r>
-            <a:r>
-              <a:rPr lang="en-GB" dirty="0" err="1"/>
-              <a:t>new_colname</a:t>
-            </a:r>
-            <a:r>
-              <a:rPr lang="en-GB" dirty="0"/>
-              <a:t> ] = …</a:t>
-            </a:r>
-            <a:br>
-              <a:rPr lang="en-GB" dirty="0"/>
-            </a:br>
-            <a:r>
-              <a:rPr lang="en-GB" dirty="0" err="1"/>
-              <a:t>df.assign</a:t>
-            </a:r>
-            <a:r>
-              <a:rPr lang="en-GB" dirty="0"/>
-              <a:t>( </a:t>
-            </a:r>
-            <a:r>
-              <a:rPr lang="en-GB" dirty="0" err="1"/>
-              <a:t>new_name</a:t>
-            </a:r>
-            <a:r>
-              <a:rPr lang="en-GB" dirty="0"/>
-              <a:t> = f(</a:t>
-            </a:r>
-            <a:r>
-              <a:rPr lang="en-GB" dirty="0" err="1"/>
-              <a:t>df</a:t>
-            </a:r>
-            <a:r>
-              <a:rPr lang="en-GB" dirty="0"/>
-              <a:t>[‘col’], …) )</a:t>
-            </a:r>
-          </a:p>
-          <a:p>
-            <a:r>
-              <a:rPr lang="en-GB" dirty="0"/>
-              <a:t>Arrange / Sort</a:t>
-            </a:r>
-            <a:br>
-              <a:rPr lang="en-GB" dirty="0"/>
-            </a:br>
-            <a:r>
-              <a:rPr lang="en-GB" dirty="0" err="1"/>
-              <a:t>df.sort_values</a:t>
-            </a:r>
-            <a:r>
-              <a:rPr lang="en-GB" dirty="0"/>
-              <a:t>( columns )</a:t>
-            </a:r>
-          </a:p>
-          <a:p>
-            <a:r>
-              <a:rPr lang="en-GB" dirty="0"/>
-              <a:t>Rename</a:t>
-            </a:r>
-            <a:br>
-              <a:rPr lang="en-GB" dirty="0"/>
-            </a:br>
-            <a:r>
-              <a:rPr lang="en-GB" dirty="0" err="1"/>
-              <a:t>df.rename</a:t>
-            </a:r>
-            <a:r>
-              <a:rPr lang="en-GB" dirty="0"/>
-              <a:t>(columns = { </a:t>
-            </a:r>
-            <a:r>
-              <a:rPr lang="en-GB" dirty="0" err="1"/>
-              <a:t>column_bf</a:t>
-            </a:r>
-            <a:r>
-              <a:rPr lang="en-GB" dirty="0"/>
-              <a:t> : </a:t>
-            </a:r>
-            <a:r>
-              <a:rPr lang="en-GB" dirty="0" err="1"/>
-              <a:t>column_after</a:t>
-            </a:r>
-            <a:r>
-              <a:rPr lang="en-GB" dirty="0"/>
-              <a:t> } )</a:t>
-            </a:r>
-          </a:p>
-          <a:p>
-            <a:endParaRPr lang="en-GB" dirty="0"/>
-          </a:p>
-        </p:txBody>
-      </p:sp>
-    </p:spTree>
-    <p:extLst>
-      <p:ext uri="{BB962C8B-B14F-4D97-AF65-F5344CB8AC3E}">
-        <p14:creationId xmlns:p14="http://schemas.microsoft.com/office/powerpoint/2010/main" val="3052929727"/>
-      </p:ext>
-    </p:extLst>
-  </p:cSld>
-  <p:clrMapOvr>
-    <a:masterClrMapping/>
-  </p:clrMapOvr>
-</p:sld>
-</file>
-
-<file path=ppt/slides/slide17.xml><?xml version="1.0" encoding="utf-8"?>
-<p:sld xmlns:a="http://schemas.openxmlformats.org/drawingml/2006/main" xmlns:r="http://schemas.openxmlformats.org/officeDocument/2006/relationships" xmlns:p="http://schemas.openxmlformats.org/presentationml/2006/main">
-  <p:cSld>
-    <p:spTree>
-      <p:nvGrpSpPr>
-        <p:cNvPr id="1" name=""/>
-        <p:cNvGrpSpPr/>
-        <p:nvPr/>
-      </p:nvGrpSpPr>
-      <p:grpSpPr>
-        <a:xfrm>
-          <a:off x="0" y="0"/>
-          <a:ext cx="0" cy="0"/>
-          <a:chOff x="0" y="0"/>
-          <a:chExt cx="0" cy="0"/>
-        </a:xfrm>
-      </p:grpSpPr>
-      <p:sp>
-        <p:nvSpPr>
-          <p:cNvPr id="2" name="Title 1">
-            <a:extLst>
-              <a:ext uri="{FF2B5EF4-FFF2-40B4-BE49-F238E27FC236}">
-                <a16:creationId xmlns:a16="http://schemas.microsoft.com/office/drawing/2014/main" id="{83F49921-4DAB-46CE-ABD7-68B4B3E2C5CB}"/>
-              </a:ext>
-            </a:extLst>
-          </p:cNvPr>
-          <p:cNvSpPr>
-            <a:spLocks noGrp="1"/>
-          </p:cNvSpPr>
-          <p:nvPr>
-            <p:ph type="title"/>
-          </p:nvPr>
-        </p:nvSpPr>
-        <p:spPr>
-          <a:xfrm>
-            <a:off x="611560" y="188640"/>
-            <a:ext cx="7772400" cy="850106"/>
-          </a:xfrm>
-        </p:spPr>
-        <p:txBody>
-          <a:bodyPr>
-            <a:normAutofit/>
-          </a:bodyPr>
-          <a:lstStyle/>
-          <a:p>
-            <a:r>
-              <a:rPr lang="en-GB" dirty="0">
-                <a:hlinkClick r:id="rId2"/>
-              </a:rPr>
-              <a:t>Pandas / R comparison</a:t>
-            </a:r>
-            <a:endParaRPr lang="en-GB" dirty="0"/>
-          </a:p>
-        </p:txBody>
-      </p:sp>
-      <p:pic>
-        <p:nvPicPr>
-          <p:cNvPr id="4" name="Picture 3">
-            <a:extLst>
-              <a:ext uri="{FF2B5EF4-FFF2-40B4-BE49-F238E27FC236}">
-                <a16:creationId xmlns:a16="http://schemas.microsoft.com/office/drawing/2014/main" id="{6701AB56-EA74-4C98-9752-F0B092416737}"/>
-              </a:ext>
-            </a:extLst>
-          </p:cNvPr>
-          <p:cNvPicPr>
-            <a:picLocks noChangeAspect="1"/>
-          </p:cNvPicPr>
-          <p:nvPr/>
-        </p:nvPicPr>
-        <p:blipFill>
-          <a:blip r:embed="rId3"/>
-          <a:stretch>
-            <a:fillRect/>
-          </a:stretch>
-        </p:blipFill>
-        <p:spPr>
-          <a:xfrm>
-            <a:off x="251519" y="1124744"/>
-            <a:ext cx="8599563" cy="3816424"/>
-          </a:xfrm>
-          <a:prstGeom prst="rect">
-            <a:avLst/>
-          </a:prstGeom>
-        </p:spPr>
-      </p:pic>
-    </p:spTree>
-    <p:extLst>
-      <p:ext uri="{BB962C8B-B14F-4D97-AF65-F5344CB8AC3E}">
-        <p14:creationId xmlns:p14="http://schemas.microsoft.com/office/powerpoint/2010/main" val="1534536498"/>
-      </p:ext>
-    </p:extLst>
-  </p:cSld>
-  <p:clrMapOvr>
-    <a:masterClrMapping/>
-  </p:clrMapOvr>
-</p:sld>
-</file>
-
-<file path=ppt/slides/slide18.xml><?xml version="1.0" encoding="utf-8"?>
-<p:sld xmlns:a="http://schemas.openxmlformats.org/drawingml/2006/main" xmlns:r="http://schemas.openxmlformats.org/officeDocument/2006/relationships" xmlns:p="http://schemas.openxmlformats.org/presentationml/2006/main">
-  <p:cSld>
-    <p:spTree>
-      <p:nvGrpSpPr>
-        <p:cNvPr id="1" name=""/>
-        <p:cNvGrpSpPr/>
-        <p:nvPr/>
-      </p:nvGrpSpPr>
-      <p:grpSpPr>
-        <a:xfrm>
-          <a:off x="0" y="0"/>
-          <a:ext cx="0" cy="0"/>
-          <a:chOff x="0" y="0"/>
-          <a:chExt cx="0" cy="0"/>
-        </a:xfrm>
-      </p:grpSpPr>
-      <p:sp>
-        <p:nvSpPr>
-          <p:cNvPr id="2" name="Title 1">
-            <a:extLst>
-              <a:ext uri="{FF2B5EF4-FFF2-40B4-BE49-F238E27FC236}">
-                <a16:creationId xmlns:a16="http://schemas.microsoft.com/office/drawing/2014/main" id="{83F49921-4DAB-46CE-ABD7-68B4B3E2C5CB}"/>
-              </a:ext>
-            </a:extLst>
-          </p:cNvPr>
-          <p:cNvSpPr>
-            <a:spLocks noGrp="1"/>
-          </p:cNvSpPr>
-          <p:nvPr>
-            <p:ph type="title"/>
-          </p:nvPr>
-        </p:nvSpPr>
-        <p:spPr>
-          <a:xfrm>
-            <a:off x="611560" y="188640"/>
-            <a:ext cx="7772400" cy="850106"/>
-          </a:xfrm>
-        </p:spPr>
-        <p:txBody>
-          <a:bodyPr>
-            <a:normAutofit/>
-          </a:bodyPr>
-          <a:lstStyle/>
-          <a:p>
-            <a:r>
-              <a:rPr lang="en-GB" dirty="0">
-                <a:hlinkClick r:id="rId2"/>
-              </a:rPr>
-              <a:t>Pandas / R comparison</a:t>
-            </a:r>
-            <a:endParaRPr lang="en-GB" dirty="0"/>
-          </a:p>
-        </p:txBody>
-      </p:sp>
-      <p:pic>
-        <p:nvPicPr>
-          <p:cNvPr id="5" name="Picture 4">
-            <a:extLst>
-              <a:ext uri="{FF2B5EF4-FFF2-40B4-BE49-F238E27FC236}">
-                <a16:creationId xmlns:a16="http://schemas.microsoft.com/office/drawing/2014/main" id="{5662E130-0D17-41D2-B133-4D4989D33D81}"/>
-              </a:ext>
-            </a:extLst>
-          </p:cNvPr>
-          <p:cNvPicPr>
-            <a:picLocks noChangeAspect="1"/>
-          </p:cNvPicPr>
-          <p:nvPr/>
-        </p:nvPicPr>
-        <p:blipFill>
-          <a:blip r:embed="rId3"/>
-          <a:stretch>
-            <a:fillRect/>
-          </a:stretch>
-        </p:blipFill>
-        <p:spPr>
-          <a:xfrm>
-            <a:off x="297031" y="1268760"/>
-            <a:ext cx="7397951" cy="5429037"/>
-          </a:xfrm>
-          <a:prstGeom prst="rect">
-            <a:avLst/>
-          </a:prstGeom>
-        </p:spPr>
-      </p:pic>
-    </p:spTree>
-    <p:extLst>
-      <p:ext uri="{BB962C8B-B14F-4D97-AF65-F5344CB8AC3E}">
-        <p14:creationId xmlns:p14="http://schemas.microsoft.com/office/powerpoint/2010/main" val="1052647481"/>
-      </p:ext>
-    </p:extLst>
-  </p:cSld>
-  <p:clrMapOvr>
-    <a:masterClrMapping/>
-  </p:clrMapOvr>
-</p:sld>
-</file>
-
-<file path=ppt/slides/slide19.xml><?xml version="1.0" encoding="utf-8"?>
-<p:sld xmlns:a="http://schemas.openxmlformats.org/drawingml/2006/main" xmlns:r="http://schemas.openxmlformats.org/officeDocument/2006/relationships" xmlns:p="http://schemas.openxmlformats.org/presentationml/2006/main">
-  <p:cSld>
-    <p:spTree>
-      <p:nvGrpSpPr>
-        <p:cNvPr id="1" name=""/>
-        <p:cNvGrpSpPr/>
-        <p:nvPr/>
-      </p:nvGrpSpPr>
-      <p:grpSpPr>
-        <a:xfrm>
-          <a:off x="0" y="0"/>
-          <a:ext cx="0" cy="0"/>
-          <a:chOff x="0" y="0"/>
-          <a:chExt cx="0" cy="0"/>
-        </a:xfrm>
-      </p:grpSpPr>
-      <p:sp>
-        <p:nvSpPr>
-          <p:cNvPr id="2" name="Title 1">
-            <a:extLst>
-              <a:ext uri="{FF2B5EF4-FFF2-40B4-BE49-F238E27FC236}">
-                <a16:creationId xmlns:a16="http://schemas.microsoft.com/office/drawing/2014/main" id="{E9DBAD9E-164D-4614-A601-15A6C8799B3A}"/>
-              </a:ext>
-            </a:extLst>
-          </p:cNvPr>
-          <p:cNvSpPr>
-            <a:spLocks noGrp="1"/>
-          </p:cNvSpPr>
-          <p:nvPr>
-            <p:ph type="title"/>
-          </p:nvPr>
-        </p:nvSpPr>
-        <p:spPr/>
-        <p:txBody>
-          <a:bodyPr/>
-          <a:lstStyle/>
-          <a:p>
-            <a:r>
-              <a:rPr lang="en-GB" dirty="0"/>
-              <a:t>Missing Values Handling</a:t>
-            </a:r>
-          </a:p>
-        </p:txBody>
-      </p:sp>
-      <p:sp>
-        <p:nvSpPr>
-          <p:cNvPr id="3" name="Content Placeholder 2">
-            <a:extLst>
-              <a:ext uri="{FF2B5EF4-FFF2-40B4-BE49-F238E27FC236}">
-                <a16:creationId xmlns:a16="http://schemas.microsoft.com/office/drawing/2014/main" id="{3438B990-C58A-4128-81F4-EBE0BA6386D6}"/>
-              </a:ext>
-            </a:extLst>
-          </p:cNvPr>
-          <p:cNvSpPr>
-            <a:spLocks noGrp="1"/>
-          </p:cNvSpPr>
-          <p:nvPr>
-            <p:ph sz="quarter" idx="1"/>
-          </p:nvPr>
-        </p:nvSpPr>
-        <p:spPr/>
-        <p:txBody>
-          <a:bodyPr/>
-          <a:lstStyle/>
-          <a:p>
-            <a:r>
-              <a:rPr lang="en-GB" dirty="0" err="1"/>
-              <a:t>df</a:t>
-            </a:r>
-            <a:r>
-              <a:rPr lang="en-GB" dirty="0"/>
-              <a:t>[columns].</a:t>
-            </a:r>
-            <a:r>
-              <a:rPr lang="en-GB" dirty="0" err="1"/>
-              <a:t>isna</a:t>
-            </a:r>
-            <a:r>
-              <a:rPr lang="en-GB" dirty="0"/>
-              <a:t>()</a:t>
-            </a:r>
-          </a:p>
-          <a:p>
-            <a:r>
-              <a:rPr lang="en-GB" dirty="0" err="1"/>
-              <a:t>df</a:t>
-            </a:r>
-            <a:r>
-              <a:rPr lang="en-GB" dirty="0"/>
-              <a:t>[columns].</a:t>
-            </a:r>
-            <a:r>
-              <a:rPr lang="en-GB" dirty="0" err="1"/>
-              <a:t>fillna</a:t>
-            </a:r>
-            <a:r>
-              <a:rPr lang="en-GB" dirty="0"/>
-              <a:t>()</a:t>
-            </a:r>
-          </a:p>
-          <a:p>
-            <a:r>
-              <a:rPr lang="en-GB" dirty="0" err="1"/>
-              <a:t>df</a:t>
-            </a:r>
-            <a:r>
-              <a:rPr lang="en-GB" dirty="0"/>
-              <a:t>[columns].</a:t>
-            </a:r>
-            <a:r>
-              <a:rPr lang="en-GB" dirty="0" err="1"/>
-              <a:t>dropna</a:t>
-            </a:r>
-            <a:r>
-              <a:rPr lang="en-GB" dirty="0"/>
-              <a:t>()</a:t>
-            </a:r>
-          </a:p>
-        </p:txBody>
-      </p:sp>
-    </p:spTree>
-    <p:extLst>
-      <p:ext uri="{BB962C8B-B14F-4D97-AF65-F5344CB8AC3E}">
-        <p14:creationId xmlns:p14="http://schemas.microsoft.com/office/powerpoint/2010/main" val="3093482668"/>
-      </p:ext>
-    </p:extLst>
-  </p:cSld>
-  <p:clrMapOvr>
-    <a:masterClrMapping/>
-  </p:clrMapOvr>
-</p:sld>
-</file>
-
-<file path=ppt/slides/slide2.xml><?xml version="1.0" encoding="utf-8"?>
-<p:sld xmlns:a="http://schemas.openxmlformats.org/drawingml/2006/main" xmlns:r="http://schemas.openxmlformats.org/officeDocument/2006/relationships" xmlns:p="http://schemas.openxmlformats.org/presentationml/2006/main">
-  <p:cSld>
-    <p:spTree>
-      <p:nvGrpSpPr>
-        <p:cNvPr id="1" name=""/>
-        <p:cNvGrpSpPr/>
-        <p:nvPr/>
-      </p:nvGrpSpPr>
-      <p:grpSpPr>
-        <a:xfrm>
-          <a:off x="0" y="0"/>
-          <a:ext cx="0" cy="0"/>
-          <a:chOff x="0" y="0"/>
-          <a:chExt cx="0" cy="0"/>
-        </a:xfrm>
-      </p:grpSpPr>
-      <p:sp>
-        <p:nvSpPr>
-          <p:cNvPr id="4" name="標題 3">
-            <a:extLst>
-              <a:ext uri="{FF2B5EF4-FFF2-40B4-BE49-F238E27FC236}">
-                <a16:creationId xmlns:a16="http://schemas.microsoft.com/office/drawing/2014/main" id="{FB329CA3-C3A8-44D5-9EC2-3C1AE00C06FD}"/>
-              </a:ext>
-            </a:extLst>
-          </p:cNvPr>
-          <p:cNvSpPr>
-            <a:spLocks noGrp="1"/>
-          </p:cNvSpPr>
-          <p:nvPr>
-            <p:ph type="title"/>
-          </p:nvPr>
-        </p:nvSpPr>
-        <p:spPr>
-          <a:xfrm>
-            <a:off x="722313" y="952501"/>
-            <a:ext cx="7772400" cy="1338262"/>
-          </a:xfrm>
-        </p:spPr>
-        <p:txBody>
-          <a:bodyPr>
-            <a:normAutofit fontScale="90000"/>
-          </a:bodyPr>
-          <a:lstStyle/>
-          <a:p>
-            <a:r>
-              <a:rPr lang="en-US" altLang="zh-TW" dirty="0"/>
-              <a:t>Last Lesson </a:t>
-            </a:r>
-            <a:r>
-              <a:rPr lang="en-US" altLang="zh-HK" dirty="0"/>
-              <a:t>– all are scalar computation…</a:t>
-            </a:r>
-            <a:endParaRPr lang="zh-HK" altLang="en-US" dirty="0"/>
-          </a:p>
-        </p:txBody>
-      </p:sp>
-      <p:sp>
-        <p:nvSpPr>
-          <p:cNvPr id="5" name="文字版面配置區 4">
-            <a:extLst>
-              <a:ext uri="{FF2B5EF4-FFF2-40B4-BE49-F238E27FC236}">
-                <a16:creationId xmlns:a16="http://schemas.microsoft.com/office/drawing/2014/main" id="{AA340776-3AA6-4A14-8734-D95CA691F68D}"/>
-              </a:ext>
-            </a:extLst>
-          </p:cNvPr>
-          <p:cNvSpPr>
-            <a:spLocks noGrp="1"/>
-          </p:cNvSpPr>
-          <p:nvPr>
-            <p:ph type="body" idx="1"/>
-          </p:nvPr>
-        </p:nvSpPr>
-        <p:spPr/>
-        <p:txBody>
-          <a:bodyPr>
-            <a:noAutofit/>
-          </a:bodyPr>
-          <a:lstStyle/>
-          <a:p>
-            <a:r>
-              <a:rPr lang="en-US" altLang="zh-HK" sz="3200" dirty="0"/>
-              <a:t>Thanks to pandas </a:t>
-            </a:r>
-            <a:r>
-              <a:rPr lang="en-US" altLang="zh-HK" sz="3200" dirty="0">
-                <a:sym typeface="Wingdings" panose="05000000000000000000" pitchFamily="2" charset="2"/>
-              </a:rPr>
-              <a:t> Column-wise Computation starts…</a:t>
-            </a:r>
-          </a:p>
-          <a:p>
-            <a:r>
-              <a:rPr lang="en-US" altLang="zh-HK" sz="3200" dirty="0">
-                <a:sym typeface="Wingdings" panose="05000000000000000000" pitchFamily="2" charset="2"/>
-              </a:rPr>
-              <a:t>P.S.: Thanks to </a:t>
-            </a:r>
-            <a:r>
-              <a:rPr lang="en-US" altLang="zh-HK" sz="3200" dirty="0" err="1">
-                <a:sym typeface="Wingdings" panose="05000000000000000000" pitchFamily="2" charset="2"/>
-              </a:rPr>
-              <a:t>numpy</a:t>
-            </a:r>
-            <a:r>
-              <a:rPr lang="en-US" altLang="zh-HK" sz="3200" dirty="0">
-                <a:sym typeface="Wingdings" panose="05000000000000000000" pitchFamily="2" charset="2"/>
-              </a:rPr>
-              <a:t> later  n-dim matrix-wise computation…</a:t>
-            </a:r>
-            <a:endParaRPr lang="zh-HK" altLang="en-US" sz="3200" dirty="0"/>
-          </a:p>
-        </p:txBody>
-      </p:sp>
-    </p:spTree>
-    <p:extLst>
-      <p:ext uri="{BB962C8B-B14F-4D97-AF65-F5344CB8AC3E}">
-        <p14:creationId xmlns:p14="http://schemas.microsoft.com/office/powerpoint/2010/main" val="4286560741"/>
-      </p:ext>
-    </p:extLst>
-  </p:cSld>
-  <p:clrMapOvr>
-    <a:masterClrMapping/>
-  </p:clrMapOvr>
-</p:sld>
-</file>
-
-<file path=ppt/slides/slide20.xml><?xml version="1.0" encoding="utf-8"?>
-<p:sld xmlns:a="http://schemas.openxmlformats.org/drawingml/2006/main" xmlns:r="http://schemas.openxmlformats.org/officeDocument/2006/relationships" xmlns:p="http://schemas.openxmlformats.org/presentationml/2006/main">
-  <p:cSld>
-    <p:spTree>
-      <p:nvGrpSpPr>
-        <p:cNvPr id="1" name=""/>
-        <p:cNvGrpSpPr/>
-        <p:nvPr/>
-      </p:nvGrpSpPr>
-      <p:grpSpPr>
-        <a:xfrm>
-          <a:off x="0" y="0"/>
-          <a:ext cx="0" cy="0"/>
-          <a:chOff x="0" y="0"/>
-          <a:chExt cx="0" cy="0"/>
-        </a:xfrm>
-      </p:grpSpPr>
-      <p:sp>
-        <p:nvSpPr>
-          <p:cNvPr id="2" name="Title 1">
-            <a:extLst>
-              <a:ext uri="{FF2B5EF4-FFF2-40B4-BE49-F238E27FC236}">
-                <a16:creationId xmlns:a16="http://schemas.microsoft.com/office/drawing/2014/main" id="{461307FB-6E32-4B10-B7F9-92B47ADD39DE}"/>
-              </a:ext>
-            </a:extLst>
-          </p:cNvPr>
-          <p:cNvSpPr>
-            <a:spLocks noGrp="1"/>
-          </p:cNvSpPr>
-          <p:nvPr>
-            <p:ph type="title"/>
-          </p:nvPr>
-        </p:nvSpPr>
-        <p:spPr/>
-        <p:txBody>
-          <a:bodyPr/>
-          <a:lstStyle/>
-          <a:p>
-            <a:r>
-              <a:rPr lang="en-GB" dirty="0"/>
-              <a:t>Merge</a:t>
-            </a:r>
-          </a:p>
-        </p:txBody>
-      </p:sp>
-      <p:pic>
-        <p:nvPicPr>
-          <p:cNvPr id="8194" name="Picture 2" descr="Merges and joins are used to bring datasets together based on common values."/>
-          <p:cNvPicPr>
-            <a:picLocks noChangeAspect="1" noChangeArrowheads="1"/>
-          </p:cNvPicPr>
-          <p:nvPr/>
-        </p:nvPicPr>
-        <p:blipFill rotWithShape="1">
-          <a:blip r:embed="rId2">
-            <a:extLst>
-              <a:ext uri="{28A0092B-C50C-407E-A947-70E740481C1C}">
-                <a14:useLocalDpi xmlns:a14="http://schemas.microsoft.com/office/drawing/2010/main" val="0"/>
-              </a:ext>
-            </a:extLst>
-          </a:blip>
-          <a:srcRect r="31961"/>
-          <a:stretch/>
-        </p:blipFill>
-        <p:spPr bwMode="auto">
-          <a:xfrm>
-            <a:off x="4932040" y="188640"/>
-            <a:ext cx="3888432" cy="2857500"/>
-          </a:xfrm>
-          <a:prstGeom prst="rect">
-            <a:avLst/>
-          </a:prstGeom>
-          <a:noFill/>
-          <a:extLst>
-            <a:ext uri="{909E8E84-426E-40DD-AFC4-6F175D3DCCD1}">
-              <a14:hiddenFill xmlns:a14="http://schemas.microsoft.com/office/drawing/2010/main">
-                <a:solidFill>
-                  <a:srgbClr val="FFFFFF"/>
-                </a:solidFill>
-              </a14:hiddenFill>
-            </a:ext>
-          </a:extLst>
-        </p:spPr>
-      </p:pic>
-      <p:pic>
-        <p:nvPicPr>
-          <p:cNvPr id="1026" name="Picture 2" descr="You can merge data sets with different join variable names in each.">
-            <a:extLst>
-              <a:ext uri="{FF2B5EF4-FFF2-40B4-BE49-F238E27FC236}">
-                <a16:creationId xmlns:a16="http://schemas.microsoft.com/office/drawing/2014/main" id="{DF7187EF-8F51-4BD3-8557-8FF3A6AB50D5}"/>
-              </a:ext>
-            </a:extLst>
-          </p:cNvPr>
-          <p:cNvPicPr>
-            <a:picLocks noChangeAspect="1" noChangeArrowheads="1"/>
-          </p:cNvPicPr>
-          <p:nvPr/>
-        </p:nvPicPr>
-        <p:blipFill>
-          <a:blip r:embed="rId3">
-            <a:extLst>
-              <a:ext uri="{28A0092B-C50C-407E-A947-70E740481C1C}">
-                <a14:useLocalDpi xmlns:a14="http://schemas.microsoft.com/office/drawing/2010/main" val="0"/>
-              </a:ext>
-            </a:extLst>
-          </a:blip>
-          <a:srcRect/>
-          <a:stretch>
-            <a:fillRect/>
-          </a:stretch>
-        </p:blipFill>
-        <p:spPr bwMode="auto">
-          <a:xfrm>
-            <a:off x="251519" y="3132138"/>
-            <a:ext cx="8670393" cy="2601118"/>
-          </a:xfrm>
-          <a:prstGeom prst="rect">
-            <a:avLst/>
-          </a:prstGeom>
-          <a:noFill/>
-          <a:extLst>
-            <a:ext uri="{909E8E84-426E-40DD-AFC4-6F175D3DCCD1}">
-              <a14:hiddenFill xmlns:a14="http://schemas.microsoft.com/office/drawing/2010/main">
-                <a:solidFill>
-                  <a:srgbClr val="FFFFFF"/>
-                </a:solidFill>
-              </a14:hiddenFill>
-            </a:ext>
-          </a:extLst>
-        </p:spPr>
-      </p:pic>
-    </p:spTree>
-    <p:extLst>
-      <p:ext uri="{BB962C8B-B14F-4D97-AF65-F5344CB8AC3E}">
-        <p14:creationId xmlns:p14="http://schemas.microsoft.com/office/powerpoint/2010/main" val="1578028748"/>
-      </p:ext>
-    </p:extLst>
-  </p:cSld>
-  <p:clrMapOvr>
-    <a:masterClrMapping/>
-  </p:clrMapOvr>
-</p:sld>
-</file>
-
-<file path=ppt/slides/slide21.xml><?xml version="1.0" encoding="utf-8"?>
-<p:sld xmlns:a="http://schemas.openxmlformats.org/drawingml/2006/main" xmlns:r="http://schemas.openxmlformats.org/officeDocument/2006/relationships" xmlns:p="http://schemas.openxmlformats.org/presentationml/2006/main">
-  <p:cSld>
-    <p:spTree>
-      <p:nvGrpSpPr>
-        <p:cNvPr id="1" name=""/>
-        <p:cNvGrpSpPr/>
-        <p:nvPr/>
-      </p:nvGrpSpPr>
-      <p:grpSpPr>
-        <a:xfrm>
-          <a:off x="0" y="0"/>
-          <a:ext cx="0" cy="0"/>
-          <a:chOff x="0" y="0"/>
-          <a:chExt cx="0" cy="0"/>
-        </a:xfrm>
-      </p:grpSpPr>
-      <p:sp>
-        <p:nvSpPr>
-          <p:cNvPr id="2" name="Title 1">
-            <a:extLst>
-              <a:ext uri="{FF2B5EF4-FFF2-40B4-BE49-F238E27FC236}">
-                <a16:creationId xmlns:a16="http://schemas.microsoft.com/office/drawing/2014/main" id="{461307FB-6E32-4B10-B7F9-92B47ADD39DE}"/>
-              </a:ext>
-            </a:extLst>
-          </p:cNvPr>
-          <p:cNvSpPr>
-            <a:spLocks noGrp="1"/>
-          </p:cNvSpPr>
-          <p:nvPr>
-            <p:ph type="title"/>
-          </p:nvPr>
-        </p:nvSpPr>
-        <p:spPr/>
-        <p:txBody>
-          <a:bodyPr/>
-          <a:lstStyle/>
-          <a:p>
-            <a:r>
-              <a:rPr lang="en-GB" dirty="0"/>
-              <a:t>Aggregation (Group by)</a:t>
-            </a:r>
-          </a:p>
-        </p:txBody>
-      </p:sp>
-      <p:pic>
-        <p:nvPicPr>
-          <p:cNvPr id="2050" name="Picture 2" descr="https://shanelynnwebsite-mid9n9g1q9y8tt.netdna-ssl.com/wp-content/uploads/2016/03/pandas_aggregation.png">
-            <a:extLst>
-              <a:ext uri="{FF2B5EF4-FFF2-40B4-BE49-F238E27FC236}">
-                <a16:creationId xmlns:a16="http://schemas.microsoft.com/office/drawing/2014/main" id="{773B392D-67F6-430F-9854-D581FC4A08EF}"/>
-              </a:ext>
-            </a:extLst>
-          </p:cNvPr>
-          <p:cNvPicPr>
-            <a:picLocks noChangeAspect="1" noChangeArrowheads="1"/>
-          </p:cNvPicPr>
-          <p:nvPr/>
-        </p:nvPicPr>
-        <p:blipFill>
-          <a:blip r:embed="rId2">
-            <a:extLst>
-              <a:ext uri="{28A0092B-C50C-407E-A947-70E740481C1C}">
-                <a14:useLocalDpi xmlns:a14="http://schemas.microsoft.com/office/drawing/2010/main" val="0"/>
-              </a:ext>
-            </a:extLst>
-          </a:blip>
-          <a:srcRect/>
-          <a:stretch>
-            <a:fillRect/>
-          </a:stretch>
-        </p:blipFill>
-        <p:spPr bwMode="auto">
-          <a:xfrm>
-            <a:off x="434380" y="1700808"/>
-            <a:ext cx="8244408" cy="3296332"/>
-          </a:xfrm>
-          <a:prstGeom prst="rect">
-            <a:avLst/>
-          </a:prstGeom>
-          <a:noFill/>
-          <a:extLst>
-            <a:ext uri="{909E8E84-426E-40DD-AFC4-6F175D3DCCD1}">
-              <a14:hiddenFill xmlns:a14="http://schemas.microsoft.com/office/drawing/2010/main">
-                <a:solidFill>
-                  <a:srgbClr val="FFFFFF"/>
-                </a:solidFill>
-              </a14:hiddenFill>
-            </a:ext>
-          </a:extLst>
-        </p:spPr>
-      </p:pic>
-    </p:spTree>
-    <p:extLst>
-      <p:ext uri="{BB962C8B-B14F-4D97-AF65-F5344CB8AC3E}">
-        <p14:creationId xmlns:p14="http://schemas.microsoft.com/office/powerpoint/2010/main" val="2361886945"/>
-      </p:ext>
-    </p:extLst>
-  </p:cSld>
-  <p:clrMapOvr>
-    <a:masterClrMapping/>
-  </p:clrMapOvr>
-</p:sld>
-</file>
-
-<file path=ppt/slides/slide22.xml><?xml version="1.0" encoding="utf-8"?>
-<p:sld xmlns:a="http://schemas.openxmlformats.org/drawingml/2006/main" xmlns:r="http://schemas.openxmlformats.org/officeDocument/2006/relationships" xmlns:p="http://schemas.openxmlformats.org/presentationml/2006/main">
-  <p:cSld>
-    <p:spTree>
-      <p:nvGrpSpPr>
-        <p:cNvPr id="1" name=""/>
-        <p:cNvGrpSpPr/>
-        <p:nvPr/>
-      </p:nvGrpSpPr>
-      <p:grpSpPr>
-        <a:xfrm>
-          <a:off x="0" y="0"/>
-          <a:ext cx="0" cy="0"/>
-          <a:chOff x="0" y="0"/>
-          <a:chExt cx="0" cy="0"/>
-        </a:xfrm>
-      </p:grpSpPr>
-      <p:sp>
-        <p:nvSpPr>
-          <p:cNvPr id="2" name="Title 1">
-            <a:extLst>
-              <a:ext uri="{FF2B5EF4-FFF2-40B4-BE49-F238E27FC236}">
-                <a16:creationId xmlns:a16="http://schemas.microsoft.com/office/drawing/2014/main" id="{461307FB-6E32-4B10-B7F9-92B47ADD39DE}"/>
-              </a:ext>
-            </a:extLst>
-          </p:cNvPr>
-          <p:cNvSpPr>
-            <a:spLocks noGrp="1"/>
-          </p:cNvSpPr>
-          <p:nvPr>
-            <p:ph type="title"/>
-          </p:nvPr>
-        </p:nvSpPr>
-        <p:spPr/>
-        <p:txBody>
-          <a:bodyPr/>
-          <a:lstStyle/>
-          <a:p>
-            <a:r>
-              <a:rPr lang="en-US" altLang="zh-TW" dirty="0"/>
-              <a:t>Categorical Variable</a:t>
-            </a:r>
-            <a:endParaRPr lang="en-GB" dirty="0"/>
-          </a:p>
-        </p:txBody>
-      </p:sp>
-      <p:pic>
-        <p:nvPicPr>
-          <p:cNvPr id="3" name="圖片 2">
-            <a:extLst>
-              <a:ext uri="{FF2B5EF4-FFF2-40B4-BE49-F238E27FC236}">
-                <a16:creationId xmlns:a16="http://schemas.microsoft.com/office/drawing/2014/main" id="{D97FDE81-1F9B-43F3-A8EE-465B5222A9AB}"/>
-              </a:ext>
-            </a:extLst>
-          </p:cNvPr>
-          <p:cNvPicPr>
-            <a:picLocks noChangeAspect="1"/>
-          </p:cNvPicPr>
-          <p:nvPr/>
-        </p:nvPicPr>
-        <p:blipFill>
-          <a:blip r:embed="rId2"/>
-          <a:stretch>
-            <a:fillRect/>
-          </a:stretch>
-        </p:blipFill>
-        <p:spPr>
-          <a:xfrm>
-            <a:off x="885764" y="1772816"/>
-            <a:ext cx="5699170" cy="3960440"/>
-          </a:xfrm>
-          <a:prstGeom prst="rect">
-            <a:avLst/>
-          </a:prstGeom>
-        </p:spPr>
-      </p:pic>
-      <p:cxnSp>
-        <p:nvCxnSpPr>
-          <p:cNvPr id="5" name="直線單箭頭接點 4">
-            <a:extLst>
-              <a:ext uri="{FF2B5EF4-FFF2-40B4-BE49-F238E27FC236}">
-                <a16:creationId xmlns:a16="http://schemas.microsoft.com/office/drawing/2014/main" id="{63674E72-C917-484D-9775-6C54C307637A}"/>
-              </a:ext>
-            </a:extLst>
-          </p:cNvPr>
-          <p:cNvCxnSpPr>
-            <a:cxnSpLocks/>
-          </p:cNvCxnSpPr>
-          <p:nvPr/>
-        </p:nvCxnSpPr>
-        <p:spPr>
-          <a:xfrm flipH="1">
-            <a:off x="3923928" y="1916832"/>
-            <a:ext cx="1152128" cy="0"/>
-          </a:xfrm>
-          <a:prstGeom prst="straightConnector1">
-            <a:avLst/>
-          </a:prstGeom>
-          <a:ln>
-            <a:tailEnd type="triangle"/>
-          </a:ln>
-        </p:spPr>
-        <p:style>
-          <a:lnRef idx="1">
-            <a:schemeClr val="accent1"/>
-          </a:lnRef>
-          <a:fillRef idx="0">
-            <a:schemeClr val="accent1"/>
-          </a:fillRef>
-          <a:effectRef idx="0">
-            <a:schemeClr val="accent1"/>
-          </a:effectRef>
-          <a:fontRef idx="minor">
-            <a:schemeClr val="tx1"/>
-          </a:fontRef>
-        </p:style>
-      </p:cxnSp>
-      <p:sp>
-        <p:nvSpPr>
-          <p:cNvPr id="7" name="矩形 6">
-            <a:extLst>
-              <a:ext uri="{FF2B5EF4-FFF2-40B4-BE49-F238E27FC236}">
-                <a16:creationId xmlns:a16="http://schemas.microsoft.com/office/drawing/2014/main" id="{1AE66F71-52EC-4D0E-AE76-BF587DC2A1FD}"/>
-              </a:ext>
-            </a:extLst>
-          </p:cNvPr>
-          <p:cNvSpPr/>
-          <p:nvPr/>
-        </p:nvSpPr>
-        <p:spPr>
-          <a:xfrm>
-            <a:off x="5076056" y="1628800"/>
-            <a:ext cx="1800200" cy="504056"/>
-          </a:xfrm>
-          <a:prstGeom prst="rect">
-            <a:avLst/>
-          </a:prstGeom>
-        </p:spPr>
-        <p:style>
-          <a:lnRef idx="2">
-            <a:schemeClr val="accent1"/>
-          </a:lnRef>
-          <a:fillRef idx="1">
-            <a:schemeClr val="lt1"/>
-          </a:fillRef>
-          <a:effectRef idx="0">
-            <a:schemeClr val="accent1"/>
-          </a:effectRef>
-          <a:fontRef idx="minor">
-            <a:schemeClr val="dk1"/>
-          </a:fontRef>
-        </p:style>
-        <p:txBody>
-          <a:bodyPr rtlCol="0" anchor="ctr"/>
-          <a:lstStyle/>
-          <a:p>
-            <a:pPr algn="ctr"/>
-            <a:r>
-              <a:rPr lang="en-US" altLang="zh-TW" dirty="0"/>
-              <a:t>String Columns</a:t>
-            </a:r>
-            <a:endParaRPr lang="zh-TW" altLang="en-US" dirty="0"/>
-          </a:p>
-        </p:txBody>
-      </p:sp>
-      <p:sp>
-        <p:nvSpPr>
-          <p:cNvPr id="10" name="矩形 9">
-            <a:extLst>
-              <a:ext uri="{FF2B5EF4-FFF2-40B4-BE49-F238E27FC236}">
-                <a16:creationId xmlns:a16="http://schemas.microsoft.com/office/drawing/2014/main" id="{AD896872-807B-4ED7-88A6-2D817ED132AB}"/>
-              </a:ext>
-            </a:extLst>
-          </p:cNvPr>
-          <p:cNvSpPr/>
-          <p:nvPr/>
-        </p:nvSpPr>
-        <p:spPr>
-          <a:xfrm>
-            <a:off x="6084168" y="3501008"/>
-            <a:ext cx="2376264" cy="1008112"/>
-          </a:xfrm>
-          <a:prstGeom prst="rect">
-            <a:avLst/>
-          </a:prstGeom>
-        </p:spPr>
-        <p:style>
-          <a:lnRef idx="2">
-            <a:schemeClr val="accent1"/>
-          </a:lnRef>
-          <a:fillRef idx="1">
-            <a:schemeClr val="lt1"/>
-          </a:fillRef>
-          <a:effectRef idx="0">
-            <a:schemeClr val="accent1"/>
-          </a:effectRef>
-          <a:fontRef idx="minor">
-            <a:schemeClr val="dk1"/>
-          </a:fontRef>
-        </p:style>
-        <p:txBody>
-          <a:bodyPr rtlCol="0" anchor="ctr"/>
-          <a:lstStyle/>
-          <a:p>
-            <a:pPr algn="ctr"/>
-            <a:r>
-              <a:rPr lang="en-US" altLang="zh-TW" dirty="0"/>
-              <a:t>Categorical  Columns</a:t>
-            </a:r>
-          </a:p>
-          <a:p>
-            <a:pPr algn="ctr"/>
-            <a:r>
-              <a:rPr lang="en-US" altLang="zh-TW" dirty="0"/>
-              <a:t>= integer column + code mapping</a:t>
-            </a:r>
-            <a:endParaRPr lang="zh-TW" altLang="en-US" dirty="0"/>
-          </a:p>
-        </p:txBody>
-      </p:sp>
-      <p:cxnSp>
-        <p:nvCxnSpPr>
-          <p:cNvPr id="11" name="接點: 肘形 10">
-            <a:extLst>
-              <a:ext uri="{FF2B5EF4-FFF2-40B4-BE49-F238E27FC236}">
-                <a16:creationId xmlns:a16="http://schemas.microsoft.com/office/drawing/2014/main" id="{9546B8E5-22A7-4B30-9A4D-8E333E001450}"/>
-              </a:ext>
-            </a:extLst>
-          </p:cNvPr>
-          <p:cNvCxnSpPr>
-            <a:cxnSpLocks/>
-            <a:stCxn id="10" idx="1"/>
-          </p:cNvCxnSpPr>
-          <p:nvPr/>
-        </p:nvCxnSpPr>
-        <p:spPr>
-          <a:xfrm rot="10800000" flipV="1">
-            <a:off x="4932040" y="4005064"/>
-            <a:ext cx="1152128" cy="648072"/>
-          </a:xfrm>
-          <a:prstGeom prst="bentConnector3">
-            <a:avLst>
-              <a:gd name="adj1" fmla="val 97853"/>
-            </a:avLst>
-          </a:prstGeom>
-          <a:ln>
-            <a:tailEnd type="triangle"/>
-          </a:ln>
-        </p:spPr>
-        <p:style>
-          <a:lnRef idx="1">
-            <a:schemeClr val="accent1"/>
-          </a:lnRef>
-          <a:fillRef idx="0">
-            <a:schemeClr val="accent1"/>
-          </a:fillRef>
-          <a:effectRef idx="0">
-            <a:schemeClr val="accent1"/>
-          </a:effectRef>
-          <a:fontRef idx="minor">
-            <a:schemeClr val="tx1"/>
-          </a:fontRef>
-        </p:style>
-      </p:cxnSp>
-      <p:sp>
-        <p:nvSpPr>
-          <p:cNvPr id="18" name="矩形 17">
-            <a:extLst>
-              <a:ext uri="{FF2B5EF4-FFF2-40B4-BE49-F238E27FC236}">
-                <a16:creationId xmlns:a16="http://schemas.microsoft.com/office/drawing/2014/main" id="{A3651225-45E6-4BA0-841D-E14185F1700D}"/>
-              </a:ext>
-            </a:extLst>
-          </p:cNvPr>
-          <p:cNvSpPr/>
-          <p:nvPr/>
-        </p:nvSpPr>
-        <p:spPr>
-          <a:xfrm>
-            <a:off x="5614471" y="5049181"/>
-            <a:ext cx="2232249" cy="504056"/>
-          </a:xfrm>
-          <a:prstGeom prst="rect">
-            <a:avLst/>
-          </a:prstGeom>
-        </p:spPr>
-        <p:style>
-          <a:lnRef idx="2">
-            <a:schemeClr val="accent1"/>
-          </a:lnRef>
-          <a:fillRef idx="1">
-            <a:schemeClr val="lt1"/>
-          </a:fillRef>
-          <a:effectRef idx="0">
-            <a:schemeClr val="accent1"/>
-          </a:effectRef>
-          <a:fontRef idx="minor">
-            <a:schemeClr val="dk1"/>
-          </a:fontRef>
-        </p:style>
-        <p:txBody>
-          <a:bodyPr rtlCol="0" anchor="ctr"/>
-          <a:lstStyle/>
-          <a:p>
-            <a:pPr algn="ctr"/>
-            <a:r>
-              <a:rPr lang="en-US" altLang="zh-TW" dirty="0"/>
-              <a:t>[0, 0, 0, 0, 0, …] : levels = [‘Drama’, …]</a:t>
-            </a:r>
-            <a:endParaRPr lang="zh-TW" altLang="en-US" dirty="0"/>
-          </a:p>
-        </p:txBody>
-      </p:sp>
-    </p:spTree>
-    <p:extLst>
-      <p:ext uri="{BB962C8B-B14F-4D97-AF65-F5344CB8AC3E}">
-        <p14:creationId xmlns:p14="http://schemas.microsoft.com/office/powerpoint/2010/main" val="2361886945"/>
-      </p:ext>
-    </p:extLst>
-  </p:cSld>
-  <p:clrMapOvr>
-    <a:masterClrMapping/>
-  </p:clrMapOvr>
-</p:sld>
-</file>
-
-<file path=ppt/slides/slide23.xml><?xml version="1.0" encoding="utf-8"?>
-<p:sld xmlns:a="http://schemas.openxmlformats.org/drawingml/2006/main" xmlns:r="http://schemas.openxmlformats.org/officeDocument/2006/relationships" xmlns:p="http://schemas.openxmlformats.org/presentationml/2006/main">
-  <p:cSld>
-    <p:spTree>
-      <p:nvGrpSpPr>
-        <p:cNvPr id="1" name=""/>
-        <p:cNvGrpSpPr/>
-        <p:nvPr/>
-      </p:nvGrpSpPr>
-      <p:grpSpPr>
-        <a:xfrm>
-          <a:off x="0" y="0"/>
-          <a:ext cx="0" cy="0"/>
-          <a:chOff x="0" y="0"/>
-          <a:chExt cx="0" cy="0"/>
-        </a:xfrm>
-      </p:grpSpPr>
-      <p:sp>
-        <p:nvSpPr>
-          <p:cNvPr id="2" name="Title 1">
-            <a:extLst>
-              <a:ext uri="{FF2B5EF4-FFF2-40B4-BE49-F238E27FC236}">
-                <a16:creationId xmlns:a16="http://schemas.microsoft.com/office/drawing/2014/main" id="{461307FB-6E32-4B10-B7F9-92B47ADD39DE}"/>
-              </a:ext>
-            </a:extLst>
-          </p:cNvPr>
-          <p:cNvSpPr>
-            <a:spLocks noGrp="1"/>
-          </p:cNvSpPr>
-          <p:nvPr>
-            <p:ph type="title"/>
-          </p:nvPr>
-        </p:nvSpPr>
-        <p:spPr/>
-        <p:txBody>
-          <a:bodyPr/>
-          <a:lstStyle/>
-          <a:p>
-            <a:r>
-              <a:rPr lang="en-GB" dirty="0"/>
-              <a:t>Pivot Tables</a:t>
-            </a:r>
-          </a:p>
-        </p:txBody>
-      </p:sp>
-      <p:pic>
-        <p:nvPicPr>
-          <p:cNvPr id="1026" name="Picture 2"/>
-          <p:cNvPicPr>
-            <a:picLocks noChangeAspect="1" noChangeArrowheads="1"/>
-          </p:cNvPicPr>
-          <p:nvPr/>
-        </p:nvPicPr>
-        <p:blipFill>
-          <a:blip r:embed="rId2">
-            <a:extLst>
-              <a:ext uri="{28A0092B-C50C-407E-A947-70E740481C1C}">
-                <a14:useLocalDpi xmlns:a14="http://schemas.microsoft.com/office/drawing/2010/main" val="0"/>
-              </a:ext>
-            </a:extLst>
-          </a:blip>
-          <a:srcRect/>
-          <a:stretch>
-            <a:fillRect/>
-          </a:stretch>
-        </p:blipFill>
-        <p:spPr bwMode="auto">
-          <a:xfrm>
-            <a:off x="971550" y="1666875"/>
-            <a:ext cx="7200900" cy="3524250"/>
+            <a:off x="251520" y="1556792"/>
+            <a:ext cx="4505217" cy="3816424"/>
           </a:xfrm>
           <a:prstGeom prst="rect">
             <a:avLst/>
@@ -6699,6 +4933,1923 @@
           </a:extLst>
         </p:spPr>
       </p:pic>
+      <p:pic>
+        <p:nvPicPr>
+          <p:cNvPr id="6147" name="Picture 3"/>
+          <p:cNvPicPr>
+            <a:picLocks noChangeAspect="1" noChangeArrowheads="1"/>
+          </p:cNvPicPr>
+          <p:nvPr/>
+        </p:nvPicPr>
+        <p:blipFill>
+          <a:blip r:embed="rId5">
+            <a:extLst>
+              <a:ext uri="{28A0092B-C50C-407E-A947-70E740481C1C}">
+                <a14:useLocalDpi xmlns:a14="http://schemas.microsoft.com/office/drawing/2010/main" val="0"/>
+              </a:ext>
+            </a:extLst>
+          </a:blip>
+          <a:srcRect/>
+          <a:stretch>
+            <a:fillRect/>
+          </a:stretch>
+        </p:blipFill>
+        <p:spPr bwMode="auto">
+          <a:xfrm>
+            <a:off x="4921354" y="1575131"/>
+            <a:ext cx="4026408" cy="3798085"/>
+          </a:xfrm>
+          <a:prstGeom prst="rect">
+            <a:avLst/>
+          </a:prstGeom>
+          <a:noFill/>
+          <a:ln>
+            <a:noFill/>
+          </a:ln>
+          <a:effectLst/>
+          <a:extLst>
+            <a:ext uri="{909E8E84-426E-40DD-AFC4-6F175D3DCCD1}">
+              <a14:hiddenFill xmlns:a14="http://schemas.microsoft.com/office/drawing/2010/main">
+                <a:solidFill>
+                  <a:schemeClr val="accent1"/>
+                </a:solidFill>
+              </a14:hiddenFill>
+            </a:ext>
+            <a:ext uri="{91240B29-F687-4F45-9708-019B960494DF}">
+              <a14:hiddenLine xmlns:a14="http://schemas.microsoft.com/office/drawing/2010/main" w="9525">
+                <a:solidFill>
+                  <a:schemeClr val="tx1"/>
+                </a:solidFill>
+                <a:miter lim="800000"/>
+                <a:headEnd/>
+                <a:tailEnd/>
+              </a14:hiddenLine>
+            </a:ext>
+            <a:ext uri="{AF507438-7753-43E0-B8FC-AC1667EBCBE1}">
+              <a14:hiddenEffects xmlns:a14="http://schemas.microsoft.com/office/drawing/2010/main">
+                <a:effectLst>
+                  <a:outerShdw dist="35921" dir="2700000" algn="ctr" rotWithShape="0">
+                    <a:schemeClr val="bg2"/>
+                  </a:outerShdw>
+                </a:effectLst>
+              </a14:hiddenEffects>
+            </a:ext>
+          </a:extLst>
+        </p:spPr>
+      </p:pic>
+    </p:spTree>
+    <p:extLst>
+      <p:ext uri="{BB962C8B-B14F-4D97-AF65-F5344CB8AC3E}">
+        <p14:creationId xmlns:p14="http://schemas.microsoft.com/office/powerpoint/2010/main" val="2504522859"/>
+      </p:ext>
+    </p:extLst>
+  </p:cSld>
+  <p:clrMapOvr>
+    <a:masterClrMapping/>
+  </p:clrMapOvr>
+</p:sld>
+</file>
+
+<file path=ppt/slides/slide14.xml><?xml version="1.0" encoding="utf-8"?>
+<p:sld xmlns:a="http://schemas.openxmlformats.org/drawingml/2006/main" xmlns:r="http://schemas.openxmlformats.org/officeDocument/2006/relationships" xmlns:p="http://schemas.openxmlformats.org/presentationml/2006/main">
+  <p:cSld>
+    <p:spTree>
+      <p:nvGrpSpPr>
+        <p:cNvPr id="1" name=""/>
+        <p:cNvGrpSpPr/>
+        <p:nvPr/>
+      </p:nvGrpSpPr>
+      <p:grpSpPr>
+        <a:xfrm>
+          <a:off x="0" y="0"/>
+          <a:ext cx="0" cy="0"/>
+          <a:chOff x="0" y="0"/>
+          <a:chExt cx="0" cy="0"/>
+        </a:xfrm>
+      </p:grpSpPr>
+      <p:sp>
+        <p:nvSpPr>
+          <p:cNvPr id="2" name="Title 1">
+            <a:extLst>
+              <a:ext uri="{FF2B5EF4-FFF2-40B4-BE49-F238E27FC236}">
+                <a16:creationId xmlns:a16="http://schemas.microsoft.com/office/drawing/2014/main" id="{FF9F69CF-508E-4CED-AE2B-45257AC4EBA0}"/>
+              </a:ext>
+            </a:extLst>
+          </p:cNvPr>
+          <p:cNvSpPr>
+            <a:spLocks noGrp="1"/>
+          </p:cNvSpPr>
+          <p:nvPr>
+            <p:ph type="title"/>
+          </p:nvPr>
+        </p:nvSpPr>
+        <p:spPr/>
+        <p:txBody>
+          <a:bodyPr/>
+          <a:lstStyle/>
+          <a:p>
+            <a:r>
+              <a:rPr lang="en-GB" dirty="0"/>
+              <a:t>Hadoop Environment / Spark</a:t>
+            </a:r>
+          </a:p>
+        </p:txBody>
+      </p:sp>
+      <p:pic>
+        <p:nvPicPr>
+          <p:cNvPr id="7170" name="Picture 2" descr="hadoop cloudera VMçåçæå°çµæ"/>
+          <p:cNvPicPr>
+            <a:picLocks noChangeAspect="1" noChangeArrowheads="1"/>
+          </p:cNvPicPr>
+          <p:nvPr/>
+        </p:nvPicPr>
+        <p:blipFill>
+          <a:blip r:embed="rId2">
+            <a:extLst>
+              <a:ext uri="{28A0092B-C50C-407E-A947-70E740481C1C}">
+                <a14:useLocalDpi xmlns:a14="http://schemas.microsoft.com/office/drawing/2010/main" val="0"/>
+              </a:ext>
+            </a:extLst>
+          </a:blip>
+          <a:srcRect/>
+          <a:stretch>
+            <a:fillRect/>
+          </a:stretch>
+        </p:blipFill>
+        <p:spPr bwMode="auto">
+          <a:xfrm>
+            <a:off x="323528" y="1412776"/>
+            <a:ext cx="5544616" cy="4723194"/>
+          </a:xfrm>
+          <a:prstGeom prst="rect">
+            <a:avLst/>
+          </a:prstGeom>
+          <a:noFill/>
+          <a:extLst>
+            <a:ext uri="{909E8E84-426E-40DD-AFC4-6F175D3DCCD1}">
+              <a14:hiddenFill xmlns:a14="http://schemas.microsoft.com/office/drawing/2010/main">
+                <a:solidFill>
+                  <a:srgbClr val="FFFFFF"/>
+                </a:solidFill>
+              </a14:hiddenFill>
+            </a:ext>
+          </a:extLst>
+        </p:spPr>
+      </p:pic>
+      <p:sp>
+        <p:nvSpPr>
+          <p:cNvPr id="4" name="矩形 3"/>
+          <p:cNvSpPr/>
+          <p:nvPr/>
+        </p:nvSpPr>
+        <p:spPr>
+          <a:xfrm>
+            <a:off x="2339752" y="1412776"/>
+            <a:ext cx="3456384" cy="2808312"/>
+          </a:xfrm>
+          <a:prstGeom prst="rect">
+            <a:avLst/>
+          </a:prstGeom>
+          <a:noFill/>
+        </p:spPr>
+        <p:style>
+          <a:lnRef idx="2">
+            <a:schemeClr val="accent1"/>
+          </a:lnRef>
+          <a:fillRef idx="1">
+            <a:schemeClr val="lt1"/>
+          </a:fillRef>
+          <a:effectRef idx="0">
+            <a:schemeClr val="accent1"/>
+          </a:effectRef>
+          <a:fontRef idx="minor">
+            <a:schemeClr val="dk1"/>
+          </a:fontRef>
+        </p:style>
+        <p:txBody>
+          <a:bodyPr rtlCol="0" anchor="ctr"/>
+          <a:lstStyle/>
+          <a:p>
+            <a:pPr algn="ctr"/>
+            <a:endParaRPr lang="zh-TW" altLang="en-US"/>
+          </a:p>
+        </p:txBody>
+      </p:sp>
+      <p:pic>
+        <p:nvPicPr>
+          <p:cNvPr id="7172" name="Picture 4" descr="zookeeper architecture in hadoopçåçæå°çµæ"/>
+          <p:cNvPicPr>
+            <a:picLocks noChangeAspect="1" noChangeArrowheads="1"/>
+          </p:cNvPicPr>
+          <p:nvPr/>
+        </p:nvPicPr>
+        <p:blipFill>
+          <a:blip r:embed="rId3">
+            <a:extLst>
+              <a:ext uri="{28A0092B-C50C-407E-A947-70E740481C1C}">
+                <a14:useLocalDpi xmlns:a14="http://schemas.microsoft.com/office/drawing/2010/main" val="0"/>
+              </a:ext>
+            </a:extLst>
+          </a:blip>
+          <a:srcRect/>
+          <a:stretch>
+            <a:fillRect/>
+          </a:stretch>
+        </p:blipFill>
+        <p:spPr bwMode="auto">
+          <a:xfrm>
+            <a:off x="6012159" y="1412776"/>
+            <a:ext cx="2964393" cy="2016224"/>
+          </a:xfrm>
+          <a:prstGeom prst="rect">
+            <a:avLst/>
+          </a:prstGeom>
+          <a:noFill/>
+          <a:extLst>
+            <a:ext uri="{909E8E84-426E-40DD-AFC4-6F175D3DCCD1}">
+              <a14:hiddenFill xmlns:a14="http://schemas.microsoft.com/office/drawing/2010/main">
+                <a:solidFill>
+                  <a:srgbClr val="FFFFFF"/>
+                </a:solidFill>
+              </a14:hiddenFill>
+            </a:ext>
+          </a:extLst>
+        </p:spPr>
+      </p:pic>
+      <p:cxnSp>
+        <p:nvCxnSpPr>
+          <p:cNvPr id="6" name="直線接點 5"/>
+          <p:cNvCxnSpPr>
+            <a:stCxn id="4" idx="3"/>
+            <a:endCxn id="7172" idx="1"/>
+          </p:cNvCxnSpPr>
+          <p:nvPr/>
+        </p:nvCxnSpPr>
+        <p:spPr>
+          <a:xfrm flipV="1">
+            <a:off x="5796136" y="2420888"/>
+            <a:ext cx="216023" cy="396044"/>
+          </a:xfrm>
+          <a:prstGeom prst="line">
+            <a:avLst/>
+          </a:prstGeom>
+          <a:ln w="38100"/>
+        </p:spPr>
+        <p:style>
+          <a:lnRef idx="1">
+            <a:schemeClr val="accent1"/>
+          </a:lnRef>
+          <a:fillRef idx="0">
+            <a:schemeClr val="accent1"/>
+          </a:fillRef>
+          <a:effectRef idx="0">
+            <a:schemeClr val="accent1"/>
+          </a:effectRef>
+          <a:fontRef idx="minor">
+            <a:schemeClr val="tx1"/>
+          </a:fontRef>
+        </p:style>
+      </p:cxnSp>
+      <p:sp>
+        <p:nvSpPr>
+          <p:cNvPr id="7" name="AutoShape 6" descr="sparkçåçæå°çµæ"/>
+          <p:cNvSpPr>
+            <a:spLocks noChangeAspect="1" noChangeArrowheads="1"/>
+          </p:cNvSpPr>
+          <p:nvPr/>
+        </p:nvSpPr>
+        <p:spPr bwMode="auto">
+          <a:xfrm>
+            <a:off x="155575" y="-144463"/>
+            <a:ext cx="304800" cy="304801"/>
+          </a:xfrm>
+          <a:prstGeom prst="rect">
+            <a:avLst/>
+          </a:prstGeom>
+          <a:noFill/>
+          <a:extLst>
+            <a:ext uri="{909E8E84-426E-40DD-AFC4-6F175D3DCCD1}">
+              <a14:hiddenFill xmlns:a14="http://schemas.microsoft.com/office/drawing/2010/main">
+                <a:solidFill>
+                  <a:srgbClr val="FFFFFF"/>
+                </a:solidFill>
+              </a14:hiddenFill>
+            </a:ext>
+          </a:extLst>
+        </p:spPr>
+        <p:txBody>
+          <a:bodyPr vert="horz" wrap="square" lIns="91440" tIns="45720" rIns="91440" bIns="45720" numCol="1" anchor="t" anchorCtr="0" compatLnSpc="1">
+            <a:prstTxWarp prst="textNoShape">
+              <a:avLst/>
+            </a:prstTxWarp>
+          </a:bodyPr>
+          <a:lstStyle/>
+          <a:p>
+            <a:endParaRPr lang="zh-TW" altLang="en-US"/>
+          </a:p>
+        </p:txBody>
+      </p:sp>
+      <p:pic>
+        <p:nvPicPr>
+          <p:cNvPr id="7176" name="Picture 8" descr="sparkçåçæå°çµæ"/>
+          <p:cNvPicPr>
+            <a:picLocks noChangeAspect="1" noChangeArrowheads="1"/>
+          </p:cNvPicPr>
+          <p:nvPr/>
+        </p:nvPicPr>
+        <p:blipFill rotWithShape="1">
+          <a:blip r:embed="rId4" cstate="print">
+            <a:extLst>
+              <a:ext uri="{28A0092B-C50C-407E-A947-70E740481C1C}">
+                <a14:useLocalDpi xmlns:a14="http://schemas.microsoft.com/office/drawing/2010/main" val="0"/>
+              </a:ext>
+            </a:extLst>
+          </a:blip>
+          <a:srcRect l="19934" r="15652" b="12961"/>
+          <a:stretch/>
+        </p:blipFill>
+        <p:spPr bwMode="auto">
+          <a:xfrm>
+            <a:off x="6637866" y="4005065"/>
+            <a:ext cx="2133601" cy="1176536"/>
+          </a:xfrm>
+          <a:prstGeom prst="rect">
+            <a:avLst/>
+          </a:prstGeom>
+          <a:noFill/>
+          <a:extLst>
+            <a:ext uri="{909E8E84-426E-40DD-AFC4-6F175D3DCCD1}">
+              <a14:hiddenFill xmlns:a14="http://schemas.microsoft.com/office/drawing/2010/main">
+                <a:solidFill>
+                  <a:srgbClr val="FFFFFF"/>
+                </a:solidFill>
+              </a14:hiddenFill>
+            </a:ext>
+          </a:extLst>
+        </p:spPr>
+      </p:pic>
+      <p:cxnSp>
+        <p:nvCxnSpPr>
+          <p:cNvPr id="11" name="直線接點 10"/>
+          <p:cNvCxnSpPr>
+            <a:endCxn id="7176" idx="1"/>
+          </p:cNvCxnSpPr>
+          <p:nvPr/>
+        </p:nvCxnSpPr>
+        <p:spPr>
+          <a:xfrm>
+            <a:off x="5796135" y="3627022"/>
+            <a:ext cx="841731" cy="966311"/>
+          </a:xfrm>
+          <a:prstGeom prst="line">
+            <a:avLst/>
+          </a:prstGeom>
+          <a:ln w="38100"/>
+        </p:spPr>
+        <p:style>
+          <a:lnRef idx="1">
+            <a:schemeClr val="accent1"/>
+          </a:lnRef>
+          <a:fillRef idx="0">
+            <a:schemeClr val="accent1"/>
+          </a:fillRef>
+          <a:effectRef idx="0">
+            <a:schemeClr val="accent1"/>
+          </a:effectRef>
+          <a:fontRef idx="minor">
+            <a:schemeClr val="tx1"/>
+          </a:fontRef>
+        </p:style>
+      </p:cxnSp>
+    </p:spTree>
+    <p:extLst>
+      <p:ext uri="{BB962C8B-B14F-4D97-AF65-F5344CB8AC3E}">
+        <p14:creationId xmlns:p14="http://schemas.microsoft.com/office/powerpoint/2010/main" val="482282722"/>
+      </p:ext>
+    </p:extLst>
+  </p:cSld>
+  <p:clrMapOvr>
+    <a:masterClrMapping/>
+  </p:clrMapOvr>
+</p:sld>
+</file>
+
+<file path=ppt/slides/slide15.xml><?xml version="1.0" encoding="utf-8"?>
+<p:sld xmlns:a="http://schemas.openxmlformats.org/drawingml/2006/main" xmlns:r="http://schemas.openxmlformats.org/officeDocument/2006/relationships" xmlns:p="http://schemas.openxmlformats.org/presentationml/2006/main">
+  <p:cSld>
+    <p:spTree>
+      <p:nvGrpSpPr>
+        <p:cNvPr id="1" name=""/>
+        <p:cNvGrpSpPr/>
+        <p:nvPr/>
+      </p:nvGrpSpPr>
+      <p:grpSpPr>
+        <a:xfrm>
+          <a:off x="0" y="0"/>
+          <a:ext cx="0" cy="0"/>
+          <a:chOff x="0" y="0"/>
+          <a:chExt cx="0" cy="0"/>
+        </a:xfrm>
+      </p:grpSpPr>
+      <p:sp>
+        <p:nvSpPr>
+          <p:cNvPr id="5" name="副標題 4"/>
+          <p:cNvSpPr>
+            <a:spLocks noGrp="1"/>
+          </p:cNvSpPr>
+          <p:nvPr>
+            <p:ph type="subTitle" idx="1"/>
+          </p:nvPr>
+        </p:nvSpPr>
+        <p:spPr/>
+        <p:txBody>
+          <a:bodyPr/>
+          <a:lstStyle/>
+          <a:p>
+            <a:endParaRPr lang="zh-TW" altLang="en-US"/>
+          </a:p>
+        </p:txBody>
+      </p:sp>
+      <p:sp>
+        <p:nvSpPr>
+          <p:cNvPr id="4" name="標題 3"/>
+          <p:cNvSpPr>
+            <a:spLocks noGrp="1"/>
+          </p:cNvSpPr>
+          <p:nvPr>
+            <p:ph type="ctrTitle"/>
+          </p:nvPr>
+        </p:nvSpPr>
+        <p:spPr/>
+        <p:txBody>
+          <a:bodyPr/>
+          <a:lstStyle/>
+          <a:p>
+            <a:r>
+              <a:rPr lang="en-US" altLang="zh-TW" b="1" dirty="0"/>
+              <a:t>Start Python Coding !</a:t>
+            </a:r>
+            <a:endParaRPr lang="zh-TW" altLang="en-US" b="1" dirty="0"/>
+          </a:p>
+        </p:txBody>
+      </p:sp>
+    </p:spTree>
+    <p:extLst>
+      <p:ext uri="{BB962C8B-B14F-4D97-AF65-F5344CB8AC3E}">
+        <p14:creationId xmlns:p14="http://schemas.microsoft.com/office/powerpoint/2010/main" val="3164109170"/>
+      </p:ext>
+    </p:extLst>
+  </p:cSld>
+  <p:clrMapOvr>
+    <a:masterClrMapping/>
+  </p:clrMapOvr>
+</p:sld>
+</file>
+
+<file path=ppt/slides/slide16.xml><?xml version="1.0" encoding="utf-8"?>
+<p:sld xmlns:a="http://schemas.openxmlformats.org/drawingml/2006/main" xmlns:r="http://schemas.openxmlformats.org/officeDocument/2006/relationships" xmlns:p="http://schemas.openxmlformats.org/presentationml/2006/main">
+  <p:cSld>
+    <p:spTree>
+      <p:nvGrpSpPr>
+        <p:cNvPr id="1" name=""/>
+        <p:cNvGrpSpPr/>
+        <p:nvPr/>
+      </p:nvGrpSpPr>
+      <p:grpSpPr>
+        <a:xfrm>
+          <a:off x="0" y="0"/>
+          <a:ext cx="0" cy="0"/>
+          <a:chOff x="0" y="0"/>
+          <a:chExt cx="0" cy="0"/>
+        </a:xfrm>
+      </p:grpSpPr>
+      <p:sp>
+        <p:nvSpPr>
+          <p:cNvPr id="2" name="Title 1"/>
+          <p:cNvSpPr>
+            <a:spLocks noGrp="1"/>
+          </p:cNvSpPr>
+          <p:nvPr>
+            <p:ph type="title"/>
+          </p:nvPr>
+        </p:nvSpPr>
+        <p:spPr/>
+        <p:txBody>
+          <a:bodyPr/>
+          <a:lstStyle/>
+          <a:p>
+            <a:r>
+              <a:rPr lang="en-HK" dirty="0" err="1"/>
+              <a:t>Read_csv</a:t>
+            </a:r>
+            <a:r>
+              <a:rPr lang="en-HK" dirty="0"/>
+              <a:t> with </a:t>
+            </a:r>
+            <a:r>
+              <a:rPr lang="en-HK" dirty="0" err="1"/>
+              <a:t>chunksize</a:t>
+            </a:r>
+            <a:endParaRPr lang="en-US" dirty="0"/>
+          </a:p>
+        </p:txBody>
+      </p:sp>
+      <p:sp>
+        <p:nvSpPr>
+          <p:cNvPr id="3" name="Content Placeholder 2"/>
+          <p:cNvSpPr>
+            <a:spLocks noGrp="1"/>
+          </p:cNvSpPr>
+          <p:nvPr>
+            <p:ph sz="quarter" idx="1"/>
+          </p:nvPr>
+        </p:nvSpPr>
+        <p:spPr>
+          <a:xfrm>
+            <a:off x="914400" y="5229200"/>
+            <a:ext cx="7772400" cy="1090570"/>
+          </a:xfrm>
+        </p:spPr>
+        <p:txBody>
+          <a:bodyPr>
+            <a:normAutofit fontScale="92500" lnSpcReduction="20000"/>
+          </a:bodyPr>
+          <a:lstStyle/>
+          <a:p>
+            <a:r>
+              <a:rPr lang="en-HK" dirty="0" err="1"/>
+              <a:t>df_chunk</a:t>
+            </a:r>
+            <a:r>
+              <a:rPr lang="en-HK" dirty="0"/>
+              <a:t> = </a:t>
+            </a:r>
+            <a:r>
+              <a:rPr lang="en-HK" dirty="0" err="1"/>
+              <a:t>read_csv</a:t>
+            </a:r>
+            <a:r>
+              <a:rPr lang="en-HK" dirty="0"/>
+              <a:t>(filename, </a:t>
+            </a:r>
+            <a:r>
+              <a:rPr lang="en-HK" dirty="0" err="1"/>
+              <a:t>chunksize</a:t>
+            </a:r>
+            <a:r>
+              <a:rPr lang="en-HK" dirty="0"/>
+              <a:t> = 1024)</a:t>
+            </a:r>
+          </a:p>
+          <a:p>
+            <a:r>
+              <a:rPr lang="en-HK" dirty="0" err="1"/>
+              <a:t>Chunksize</a:t>
+            </a:r>
+            <a:r>
+              <a:rPr lang="en-HK" dirty="0"/>
+              <a:t> best choice = 2^N (1024, 2048, …) </a:t>
+            </a:r>
+            <a:br>
+              <a:rPr lang="en-HK" dirty="0"/>
+            </a:br>
+            <a:r>
+              <a:rPr lang="en-HK" dirty="0"/>
+              <a:t>depends to you PC RAM</a:t>
+            </a:r>
+            <a:endParaRPr lang="en-US" dirty="0"/>
+          </a:p>
+        </p:txBody>
+      </p:sp>
+      <p:pic>
+        <p:nvPicPr>
+          <p:cNvPr id="1026" name="Picture 2" descr="read chunkçåçæå°çµæ"/>
+          <p:cNvPicPr>
+            <a:picLocks noChangeAspect="1" noChangeArrowheads="1"/>
+          </p:cNvPicPr>
+          <p:nvPr/>
+        </p:nvPicPr>
+        <p:blipFill>
+          <a:blip r:embed="rId2">
+            <a:extLst>
+              <a:ext uri="{28A0092B-C50C-407E-A947-70E740481C1C}">
+                <a14:useLocalDpi xmlns:a14="http://schemas.microsoft.com/office/drawing/2010/main" val="0"/>
+              </a:ext>
+            </a:extLst>
+          </a:blip>
+          <a:srcRect/>
+          <a:stretch>
+            <a:fillRect/>
+          </a:stretch>
+        </p:blipFill>
+        <p:spPr bwMode="auto">
+          <a:xfrm>
+            <a:off x="2411760" y="1415356"/>
+            <a:ext cx="4752528" cy="3763696"/>
+          </a:xfrm>
+          <a:prstGeom prst="rect">
+            <a:avLst/>
+          </a:prstGeom>
+          <a:noFill/>
+          <a:extLst>
+            <a:ext uri="{909E8E84-426E-40DD-AFC4-6F175D3DCCD1}">
+              <a14:hiddenFill xmlns:a14="http://schemas.microsoft.com/office/drawing/2010/main">
+                <a:solidFill>
+                  <a:srgbClr val="FFFFFF"/>
+                </a:solidFill>
+              </a14:hiddenFill>
+            </a:ext>
+          </a:extLst>
+        </p:spPr>
+      </p:pic>
+    </p:spTree>
+    <p:extLst>
+      <p:ext uri="{BB962C8B-B14F-4D97-AF65-F5344CB8AC3E}">
+        <p14:creationId xmlns:p14="http://schemas.microsoft.com/office/powerpoint/2010/main" val="52154993"/>
+      </p:ext>
+    </p:extLst>
+  </p:cSld>
+  <p:clrMapOvr>
+    <a:masterClrMapping/>
+  </p:clrMapOvr>
+</p:sld>
+</file>
+
+<file path=ppt/slides/slide17.xml><?xml version="1.0" encoding="utf-8"?>
+<p:sld xmlns:a="http://schemas.openxmlformats.org/drawingml/2006/main" xmlns:r="http://schemas.openxmlformats.org/officeDocument/2006/relationships" xmlns:p="http://schemas.openxmlformats.org/presentationml/2006/main">
+  <p:cSld>
+    <p:spTree>
+      <p:nvGrpSpPr>
+        <p:cNvPr id="1" name=""/>
+        <p:cNvGrpSpPr/>
+        <p:nvPr/>
+      </p:nvGrpSpPr>
+      <p:grpSpPr>
+        <a:xfrm>
+          <a:off x="0" y="0"/>
+          <a:ext cx="0" cy="0"/>
+          <a:chOff x="0" y="0"/>
+          <a:chExt cx="0" cy="0"/>
+        </a:xfrm>
+      </p:grpSpPr>
+      <p:sp>
+        <p:nvSpPr>
+          <p:cNvPr id="2" name="Title 1">
+            <a:extLst>
+              <a:ext uri="{FF2B5EF4-FFF2-40B4-BE49-F238E27FC236}">
+                <a16:creationId xmlns:a16="http://schemas.microsoft.com/office/drawing/2014/main" id="{48FFDDE4-A085-4B7F-B612-560895542A69}"/>
+              </a:ext>
+            </a:extLst>
+          </p:cNvPr>
+          <p:cNvSpPr>
+            <a:spLocks noGrp="1"/>
+          </p:cNvSpPr>
+          <p:nvPr>
+            <p:ph type="title"/>
+          </p:nvPr>
+        </p:nvSpPr>
+        <p:spPr/>
+        <p:txBody>
+          <a:bodyPr/>
+          <a:lstStyle/>
+          <a:p>
+            <a:r>
+              <a:rPr lang="en-GB" dirty="0" err="1"/>
+              <a:t>DataFrame</a:t>
+            </a:r>
+            <a:r>
+              <a:rPr lang="en-GB" dirty="0"/>
+              <a:t> operations</a:t>
+            </a:r>
+          </a:p>
+        </p:txBody>
+      </p:sp>
+      <p:sp>
+        <p:nvSpPr>
+          <p:cNvPr id="3" name="Content Placeholder 2">
+            <a:extLst>
+              <a:ext uri="{FF2B5EF4-FFF2-40B4-BE49-F238E27FC236}">
+                <a16:creationId xmlns:a16="http://schemas.microsoft.com/office/drawing/2014/main" id="{8E0DEA11-6E8C-4743-A3B1-385C4F1FB244}"/>
+              </a:ext>
+            </a:extLst>
+          </p:cNvPr>
+          <p:cNvSpPr>
+            <a:spLocks noGrp="1"/>
+          </p:cNvSpPr>
+          <p:nvPr>
+            <p:ph sz="quarter" idx="1"/>
+          </p:nvPr>
+        </p:nvSpPr>
+        <p:spPr/>
+        <p:txBody>
+          <a:bodyPr>
+            <a:normAutofit lnSpcReduction="10000"/>
+          </a:bodyPr>
+          <a:lstStyle/>
+          <a:p>
+            <a:r>
+              <a:rPr lang="en-GB" dirty="0"/>
+              <a:t>Filter / Subset</a:t>
+            </a:r>
+            <a:br>
+              <a:rPr lang="en-GB" dirty="0"/>
+            </a:br>
+            <a:r>
+              <a:rPr lang="en-US" dirty="0" err="1"/>
+              <a:t>df</a:t>
+            </a:r>
+            <a:r>
+              <a:rPr lang="en-US" dirty="0"/>
+              <a:t>[ Boolean expressions ], e.g. </a:t>
+            </a:r>
+            <a:r>
+              <a:rPr lang="en-US" dirty="0" err="1"/>
+              <a:t>df</a:t>
+            </a:r>
+            <a:r>
+              <a:rPr lang="en-US" dirty="0"/>
+              <a:t>[ </a:t>
+            </a:r>
+            <a:r>
+              <a:rPr lang="en-US" dirty="0" err="1"/>
+              <a:t>df</a:t>
+            </a:r>
+            <a:r>
+              <a:rPr lang="en-US" dirty="0"/>
+              <a:t>[columns]&gt;0 ]</a:t>
+            </a:r>
+            <a:br>
+              <a:rPr lang="en-US" dirty="0"/>
+            </a:br>
+            <a:r>
+              <a:rPr lang="en-US" dirty="0" err="1"/>
+              <a:t>df.where</a:t>
+            </a:r>
+            <a:r>
+              <a:rPr lang="en-US" dirty="0"/>
+              <a:t>( Boolean expressions )</a:t>
+            </a:r>
+            <a:br>
+              <a:rPr lang="en-US" dirty="0"/>
+            </a:br>
+            <a:r>
+              <a:rPr lang="en-US" dirty="0" err="1"/>
+              <a:t>df.query</a:t>
+            </a:r>
+            <a:r>
+              <a:rPr lang="en-US" dirty="0"/>
+              <a:t>( Boolean expressions </a:t>
+            </a:r>
+            <a:r>
+              <a:rPr lang="en-US" dirty="0">
+                <a:sym typeface="Wingdings" panose="05000000000000000000" pitchFamily="2" charset="2"/>
+              </a:rPr>
+              <a:t> string</a:t>
+            </a:r>
+            <a:r>
+              <a:rPr lang="en-US" dirty="0"/>
+              <a:t> )</a:t>
+            </a:r>
+            <a:endParaRPr lang="en-GB" dirty="0"/>
+          </a:p>
+          <a:p>
+            <a:r>
+              <a:rPr lang="en-GB" dirty="0"/>
+              <a:t>Mutate / Transform</a:t>
+            </a:r>
+            <a:br>
+              <a:rPr lang="en-GB" dirty="0"/>
+            </a:br>
+            <a:r>
+              <a:rPr lang="en-GB" dirty="0" err="1"/>
+              <a:t>df</a:t>
+            </a:r>
+            <a:r>
+              <a:rPr lang="en-GB" dirty="0"/>
+              <a:t>[ </a:t>
+            </a:r>
+            <a:r>
+              <a:rPr lang="en-GB" dirty="0" err="1"/>
+              <a:t>new_colname</a:t>
+            </a:r>
+            <a:r>
+              <a:rPr lang="en-GB" dirty="0"/>
+              <a:t> ] = …</a:t>
+            </a:r>
+            <a:br>
+              <a:rPr lang="en-GB" dirty="0"/>
+            </a:br>
+            <a:r>
+              <a:rPr lang="en-GB" dirty="0" err="1"/>
+              <a:t>df.assign</a:t>
+            </a:r>
+            <a:r>
+              <a:rPr lang="en-GB" dirty="0"/>
+              <a:t>( </a:t>
+            </a:r>
+            <a:r>
+              <a:rPr lang="en-GB" dirty="0" err="1"/>
+              <a:t>new_name</a:t>
+            </a:r>
+            <a:r>
+              <a:rPr lang="en-GB" dirty="0"/>
+              <a:t> = f(</a:t>
+            </a:r>
+            <a:r>
+              <a:rPr lang="en-GB" dirty="0" err="1"/>
+              <a:t>df</a:t>
+            </a:r>
+            <a:r>
+              <a:rPr lang="en-GB" dirty="0"/>
+              <a:t>[‘col’], …) )</a:t>
+            </a:r>
+          </a:p>
+          <a:p>
+            <a:r>
+              <a:rPr lang="en-GB" dirty="0"/>
+              <a:t>Arrange / Sort</a:t>
+            </a:r>
+            <a:br>
+              <a:rPr lang="en-GB" dirty="0"/>
+            </a:br>
+            <a:r>
+              <a:rPr lang="en-GB" dirty="0" err="1"/>
+              <a:t>df.sort_values</a:t>
+            </a:r>
+            <a:r>
+              <a:rPr lang="en-GB" dirty="0"/>
+              <a:t>( columns )</a:t>
+            </a:r>
+          </a:p>
+          <a:p>
+            <a:r>
+              <a:rPr lang="en-GB" dirty="0"/>
+              <a:t>Rename</a:t>
+            </a:r>
+            <a:br>
+              <a:rPr lang="en-GB" dirty="0"/>
+            </a:br>
+            <a:r>
+              <a:rPr lang="en-GB" dirty="0" err="1"/>
+              <a:t>df.rename</a:t>
+            </a:r>
+            <a:r>
+              <a:rPr lang="en-GB" dirty="0"/>
+              <a:t>(columns = { </a:t>
+            </a:r>
+            <a:r>
+              <a:rPr lang="en-GB" dirty="0" err="1"/>
+              <a:t>column_bf</a:t>
+            </a:r>
+            <a:r>
+              <a:rPr lang="en-GB" dirty="0"/>
+              <a:t> : </a:t>
+            </a:r>
+            <a:r>
+              <a:rPr lang="en-GB" dirty="0" err="1"/>
+              <a:t>column_after</a:t>
+            </a:r>
+            <a:r>
+              <a:rPr lang="en-GB" dirty="0"/>
+              <a:t> } )</a:t>
+            </a:r>
+          </a:p>
+          <a:p>
+            <a:endParaRPr lang="en-GB" dirty="0"/>
+          </a:p>
+        </p:txBody>
+      </p:sp>
+    </p:spTree>
+    <p:extLst>
+      <p:ext uri="{BB962C8B-B14F-4D97-AF65-F5344CB8AC3E}">
+        <p14:creationId xmlns:p14="http://schemas.microsoft.com/office/powerpoint/2010/main" val="3052929727"/>
+      </p:ext>
+    </p:extLst>
+  </p:cSld>
+  <p:clrMapOvr>
+    <a:masterClrMapping/>
+  </p:clrMapOvr>
+</p:sld>
+</file>
+
+<file path=ppt/slides/slide18.xml><?xml version="1.0" encoding="utf-8"?>
+<p:sld xmlns:a="http://schemas.openxmlformats.org/drawingml/2006/main" xmlns:r="http://schemas.openxmlformats.org/officeDocument/2006/relationships" xmlns:p="http://schemas.openxmlformats.org/presentationml/2006/main">
+  <p:cSld>
+    <p:spTree>
+      <p:nvGrpSpPr>
+        <p:cNvPr id="1" name=""/>
+        <p:cNvGrpSpPr/>
+        <p:nvPr/>
+      </p:nvGrpSpPr>
+      <p:grpSpPr>
+        <a:xfrm>
+          <a:off x="0" y="0"/>
+          <a:ext cx="0" cy="0"/>
+          <a:chOff x="0" y="0"/>
+          <a:chExt cx="0" cy="0"/>
+        </a:xfrm>
+      </p:grpSpPr>
+      <p:sp>
+        <p:nvSpPr>
+          <p:cNvPr id="2" name="Title 1">
+            <a:extLst>
+              <a:ext uri="{FF2B5EF4-FFF2-40B4-BE49-F238E27FC236}">
+                <a16:creationId xmlns:a16="http://schemas.microsoft.com/office/drawing/2014/main" id="{83F49921-4DAB-46CE-ABD7-68B4B3E2C5CB}"/>
+              </a:ext>
+            </a:extLst>
+          </p:cNvPr>
+          <p:cNvSpPr>
+            <a:spLocks noGrp="1"/>
+          </p:cNvSpPr>
+          <p:nvPr>
+            <p:ph type="title"/>
+          </p:nvPr>
+        </p:nvSpPr>
+        <p:spPr>
+          <a:xfrm>
+            <a:off x="611560" y="188640"/>
+            <a:ext cx="7772400" cy="850106"/>
+          </a:xfrm>
+        </p:spPr>
+        <p:txBody>
+          <a:bodyPr>
+            <a:normAutofit/>
+          </a:bodyPr>
+          <a:lstStyle/>
+          <a:p>
+            <a:r>
+              <a:rPr lang="en-GB" dirty="0">
+                <a:hlinkClick r:id="rId2"/>
+              </a:rPr>
+              <a:t>Pandas / R comparison</a:t>
+            </a:r>
+            <a:endParaRPr lang="en-GB" dirty="0"/>
+          </a:p>
+        </p:txBody>
+      </p:sp>
+      <p:pic>
+        <p:nvPicPr>
+          <p:cNvPr id="4" name="Picture 3">
+            <a:extLst>
+              <a:ext uri="{FF2B5EF4-FFF2-40B4-BE49-F238E27FC236}">
+                <a16:creationId xmlns:a16="http://schemas.microsoft.com/office/drawing/2014/main" id="{6701AB56-EA74-4C98-9752-F0B092416737}"/>
+              </a:ext>
+            </a:extLst>
+          </p:cNvPr>
+          <p:cNvPicPr>
+            <a:picLocks noChangeAspect="1"/>
+          </p:cNvPicPr>
+          <p:nvPr/>
+        </p:nvPicPr>
+        <p:blipFill>
+          <a:blip r:embed="rId3"/>
+          <a:stretch>
+            <a:fillRect/>
+          </a:stretch>
+        </p:blipFill>
+        <p:spPr>
+          <a:xfrm>
+            <a:off x="251519" y="1124744"/>
+            <a:ext cx="8599563" cy="3816424"/>
+          </a:xfrm>
+          <a:prstGeom prst="rect">
+            <a:avLst/>
+          </a:prstGeom>
+        </p:spPr>
+      </p:pic>
+    </p:spTree>
+    <p:extLst>
+      <p:ext uri="{BB962C8B-B14F-4D97-AF65-F5344CB8AC3E}">
+        <p14:creationId xmlns:p14="http://schemas.microsoft.com/office/powerpoint/2010/main" val="1534536498"/>
+      </p:ext>
+    </p:extLst>
+  </p:cSld>
+  <p:clrMapOvr>
+    <a:masterClrMapping/>
+  </p:clrMapOvr>
+</p:sld>
+</file>
+
+<file path=ppt/slides/slide19.xml><?xml version="1.0" encoding="utf-8"?>
+<p:sld xmlns:a="http://schemas.openxmlformats.org/drawingml/2006/main" xmlns:r="http://schemas.openxmlformats.org/officeDocument/2006/relationships" xmlns:p="http://schemas.openxmlformats.org/presentationml/2006/main">
+  <p:cSld>
+    <p:spTree>
+      <p:nvGrpSpPr>
+        <p:cNvPr id="1" name=""/>
+        <p:cNvGrpSpPr/>
+        <p:nvPr/>
+      </p:nvGrpSpPr>
+      <p:grpSpPr>
+        <a:xfrm>
+          <a:off x="0" y="0"/>
+          <a:ext cx="0" cy="0"/>
+          <a:chOff x="0" y="0"/>
+          <a:chExt cx="0" cy="0"/>
+        </a:xfrm>
+      </p:grpSpPr>
+      <p:sp>
+        <p:nvSpPr>
+          <p:cNvPr id="2" name="Title 1">
+            <a:extLst>
+              <a:ext uri="{FF2B5EF4-FFF2-40B4-BE49-F238E27FC236}">
+                <a16:creationId xmlns:a16="http://schemas.microsoft.com/office/drawing/2014/main" id="{83F49921-4DAB-46CE-ABD7-68B4B3E2C5CB}"/>
+              </a:ext>
+            </a:extLst>
+          </p:cNvPr>
+          <p:cNvSpPr>
+            <a:spLocks noGrp="1"/>
+          </p:cNvSpPr>
+          <p:nvPr>
+            <p:ph type="title"/>
+          </p:nvPr>
+        </p:nvSpPr>
+        <p:spPr>
+          <a:xfrm>
+            <a:off x="611560" y="188640"/>
+            <a:ext cx="7772400" cy="850106"/>
+          </a:xfrm>
+        </p:spPr>
+        <p:txBody>
+          <a:bodyPr>
+            <a:normAutofit/>
+          </a:bodyPr>
+          <a:lstStyle/>
+          <a:p>
+            <a:r>
+              <a:rPr lang="en-GB" dirty="0">
+                <a:hlinkClick r:id="rId2"/>
+              </a:rPr>
+              <a:t>Pandas / R comparison</a:t>
+            </a:r>
+            <a:endParaRPr lang="en-GB" dirty="0"/>
+          </a:p>
+        </p:txBody>
+      </p:sp>
+      <p:pic>
+        <p:nvPicPr>
+          <p:cNvPr id="5" name="Picture 4">
+            <a:extLst>
+              <a:ext uri="{FF2B5EF4-FFF2-40B4-BE49-F238E27FC236}">
+                <a16:creationId xmlns:a16="http://schemas.microsoft.com/office/drawing/2014/main" id="{5662E130-0D17-41D2-B133-4D4989D33D81}"/>
+              </a:ext>
+            </a:extLst>
+          </p:cNvPr>
+          <p:cNvPicPr>
+            <a:picLocks noChangeAspect="1"/>
+          </p:cNvPicPr>
+          <p:nvPr/>
+        </p:nvPicPr>
+        <p:blipFill>
+          <a:blip r:embed="rId3"/>
+          <a:stretch>
+            <a:fillRect/>
+          </a:stretch>
+        </p:blipFill>
+        <p:spPr>
+          <a:xfrm>
+            <a:off x="297031" y="1268760"/>
+            <a:ext cx="7397951" cy="5429037"/>
+          </a:xfrm>
+          <a:prstGeom prst="rect">
+            <a:avLst/>
+          </a:prstGeom>
+        </p:spPr>
+      </p:pic>
+    </p:spTree>
+    <p:extLst>
+      <p:ext uri="{BB962C8B-B14F-4D97-AF65-F5344CB8AC3E}">
+        <p14:creationId xmlns:p14="http://schemas.microsoft.com/office/powerpoint/2010/main" val="1052647481"/>
+      </p:ext>
+    </p:extLst>
+  </p:cSld>
+  <p:clrMapOvr>
+    <a:masterClrMapping/>
+  </p:clrMapOvr>
+</p:sld>
+</file>
+
+<file path=ppt/slides/slide2.xml><?xml version="1.0" encoding="utf-8"?>
+<p:sld xmlns:a="http://schemas.openxmlformats.org/drawingml/2006/main" xmlns:r="http://schemas.openxmlformats.org/officeDocument/2006/relationships" xmlns:p="http://schemas.openxmlformats.org/presentationml/2006/main">
+  <p:cSld>
+    <p:spTree>
+      <p:nvGrpSpPr>
+        <p:cNvPr id="1" name=""/>
+        <p:cNvGrpSpPr/>
+        <p:nvPr/>
+      </p:nvGrpSpPr>
+      <p:grpSpPr>
+        <a:xfrm>
+          <a:off x="0" y="0"/>
+          <a:ext cx="0" cy="0"/>
+          <a:chOff x="0" y="0"/>
+          <a:chExt cx="0" cy="0"/>
+        </a:xfrm>
+      </p:grpSpPr>
+      <p:sp>
+        <p:nvSpPr>
+          <p:cNvPr id="4" name="標題 3">
+            <a:extLst>
+              <a:ext uri="{FF2B5EF4-FFF2-40B4-BE49-F238E27FC236}">
+                <a16:creationId xmlns:a16="http://schemas.microsoft.com/office/drawing/2014/main" id="{FB329CA3-C3A8-44D5-9EC2-3C1AE00C06FD}"/>
+              </a:ext>
+            </a:extLst>
+          </p:cNvPr>
+          <p:cNvSpPr>
+            <a:spLocks noGrp="1"/>
+          </p:cNvSpPr>
+          <p:nvPr>
+            <p:ph type="title"/>
+          </p:nvPr>
+        </p:nvSpPr>
+        <p:spPr>
+          <a:xfrm>
+            <a:off x="722313" y="952501"/>
+            <a:ext cx="7772400" cy="1338262"/>
+          </a:xfrm>
+        </p:spPr>
+        <p:txBody>
+          <a:bodyPr>
+            <a:normAutofit fontScale="90000"/>
+          </a:bodyPr>
+          <a:lstStyle/>
+          <a:p>
+            <a:r>
+              <a:rPr lang="en-US" altLang="zh-TW" dirty="0"/>
+              <a:t>Last Lesson </a:t>
+            </a:r>
+            <a:r>
+              <a:rPr lang="en-US" altLang="zh-HK" dirty="0"/>
+              <a:t>– all are scalar computation…</a:t>
+            </a:r>
+            <a:endParaRPr lang="zh-HK" altLang="en-US" dirty="0"/>
+          </a:p>
+        </p:txBody>
+      </p:sp>
+      <p:sp>
+        <p:nvSpPr>
+          <p:cNvPr id="5" name="文字版面配置區 4">
+            <a:extLst>
+              <a:ext uri="{FF2B5EF4-FFF2-40B4-BE49-F238E27FC236}">
+                <a16:creationId xmlns:a16="http://schemas.microsoft.com/office/drawing/2014/main" id="{AA340776-3AA6-4A14-8734-D95CA691F68D}"/>
+              </a:ext>
+            </a:extLst>
+          </p:cNvPr>
+          <p:cNvSpPr>
+            <a:spLocks noGrp="1"/>
+          </p:cNvSpPr>
+          <p:nvPr>
+            <p:ph type="body" idx="1"/>
+          </p:nvPr>
+        </p:nvSpPr>
+        <p:spPr/>
+        <p:txBody>
+          <a:bodyPr>
+            <a:noAutofit/>
+          </a:bodyPr>
+          <a:lstStyle/>
+          <a:p>
+            <a:r>
+              <a:rPr lang="en-US" altLang="zh-HK" sz="3200" dirty="0"/>
+              <a:t>Thanks to pandas </a:t>
+            </a:r>
+            <a:r>
+              <a:rPr lang="en-US" altLang="zh-HK" sz="3200" dirty="0">
+                <a:sym typeface="Wingdings" panose="05000000000000000000" pitchFamily="2" charset="2"/>
+              </a:rPr>
+              <a:t> Column-wise Computation starts…</a:t>
+            </a:r>
+          </a:p>
+          <a:p>
+            <a:r>
+              <a:rPr lang="en-US" altLang="zh-HK" sz="3200" dirty="0">
+                <a:sym typeface="Wingdings" panose="05000000000000000000" pitchFamily="2" charset="2"/>
+              </a:rPr>
+              <a:t>P.S.: Thanks to </a:t>
+            </a:r>
+            <a:r>
+              <a:rPr lang="en-US" altLang="zh-HK" sz="3200" dirty="0" err="1">
+                <a:sym typeface="Wingdings" panose="05000000000000000000" pitchFamily="2" charset="2"/>
+              </a:rPr>
+              <a:t>numpy</a:t>
+            </a:r>
+            <a:r>
+              <a:rPr lang="en-US" altLang="zh-HK" sz="3200" dirty="0">
+                <a:sym typeface="Wingdings" panose="05000000000000000000" pitchFamily="2" charset="2"/>
+              </a:rPr>
+              <a:t> later  n-dim matrix-wise computation…</a:t>
+            </a:r>
+            <a:endParaRPr lang="zh-HK" altLang="en-US" sz="3200" dirty="0"/>
+          </a:p>
+        </p:txBody>
+      </p:sp>
+    </p:spTree>
+    <p:extLst>
+      <p:ext uri="{BB962C8B-B14F-4D97-AF65-F5344CB8AC3E}">
+        <p14:creationId xmlns:p14="http://schemas.microsoft.com/office/powerpoint/2010/main" val="4286560741"/>
+      </p:ext>
+    </p:extLst>
+  </p:cSld>
+  <p:clrMapOvr>
+    <a:masterClrMapping/>
+  </p:clrMapOvr>
+</p:sld>
+</file>
+
+<file path=ppt/slides/slide20.xml><?xml version="1.0" encoding="utf-8"?>
+<p:sld xmlns:a="http://schemas.openxmlformats.org/drawingml/2006/main" xmlns:r="http://schemas.openxmlformats.org/officeDocument/2006/relationships" xmlns:p="http://schemas.openxmlformats.org/presentationml/2006/main">
+  <p:cSld>
+    <p:spTree>
+      <p:nvGrpSpPr>
+        <p:cNvPr id="1" name=""/>
+        <p:cNvGrpSpPr/>
+        <p:nvPr/>
+      </p:nvGrpSpPr>
+      <p:grpSpPr>
+        <a:xfrm>
+          <a:off x="0" y="0"/>
+          <a:ext cx="0" cy="0"/>
+          <a:chOff x="0" y="0"/>
+          <a:chExt cx="0" cy="0"/>
+        </a:xfrm>
+      </p:grpSpPr>
+      <p:sp>
+        <p:nvSpPr>
+          <p:cNvPr id="2" name="Title 1">
+            <a:extLst>
+              <a:ext uri="{FF2B5EF4-FFF2-40B4-BE49-F238E27FC236}">
+                <a16:creationId xmlns:a16="http://schemas.microsoft.com/office/drawing/2014/main" id="{E9DBAD9E-164D-4614-A601-15A6C8799B3A}"/>
+              </a:ext>
+            </a:extLst>
+          </p:cNvPr>
+          <p:cNvSpPr>
+            <a:spLocks noGrp="1"/>
+          </p:cNvSpPr>
+          <p:nvPr>
+            <p:ph type="title"/>
+          </p:nvPr>
+        </p:nvSpPr>
+        <p:spPr/>
+        <p:txBody>
+          <a:bodyPr/>
+          <a:lstStyle/>
+          <a:p>
+            <a:r>
+              <a:rPr lang="en-GB" dirty="0"/>
+              <a:t>Missing Values Handling</a:t>
+            </a:r>
+          </a:p>
+        </p:txBody>
+      </p:sp>
+      <p:sp>
+        <p:nvSpPr>
+          <p:cNvPr id="3" name="Content Placeholder 2">
+            <a:extLst>
+              <a:ext uri="{FF2B5EF4-FFF2-40B4-BE49-F238E27FC236}">
+                <a16:creationId xmlns:a16="http://schemas.microsoft.com/office/drawing/2014/main" id="{3438B990-C58A-4128-81F4-EBE0BA6386D6}"/>
+              </a:ext>
+            </a:extLst>
+          </p:cNvPr>
+          <p:cNvSpPr>
+            <a:spLocks noGrp="1"/>
+          </p:cNvSpPr>
+          <p:nvPr>
+            <p:ph sz="quarter" idx="1"/>
+          </p:nvPr>
+        </p:nvSpPr>
+        <p:spPr/>
+        <p:txBody>
+          <a:bodyPr/>
+          <a:lstStyle/>
+          <a:p>
+            <a:r>
+              <a:rPr lang="en-GB" dirty="0" err="1"/>
+              <a:t>df</a:t>
+            </a:r>
+            <a:r>
+              <a:rPr lang="en-GB" dirty="0"/>
+              <a:t>[columns].</a:t>
+            </a:r>
+            <a:r>
+              <a:rPr lang="en-GB" dirty="0" err="1"/>
+              <a:t>isna</a:t>
+            </a:r>
+            <a:r>
+              <a:rPr lang="en-GB" dirty="0"/>
+              <a:t>()</a:t>
+            </a:r>
+          </a:p>
+          <a:p>
+            <a:r>
+              <a:rPr lang="en-GB" dirty="0" err="1"/>
+              <a:t>df</a:t>
+            </a:r>
+            <a:r>
+              <a:rPr lang="en-GB" dirty="0"/>
+              <a:t>[columns].</a:t>
+            </a:r>
+            <a:r>
+              <a:rPr lang="en-GB" dirty="0" err="1"/>
+              <a:t>fillna</a:t>
+            </a:r>
+            <a:r>
+              <a:rPr lang="en-GB" dirty="0"/>
+              <a:t>()</a:t>
+            </a:r>
+          </a:p>
+          <a:p>
+            <a:r>
+              <a:rPr lang="en-GB" dirty="0" err="1"/>
+              <a:t>df</a:t>
+            </a:r>
+            <a:r>
+              <a:rPr lang="en-GB" dirty="0"/>
+              <a:t>[columns].</a:t>
+            </a:r>
+            <a:r>
+              <a:rPr lang="en-GB" dirty="0" err="1"/>
+              <a:t>dropna</a:t>
+            </a:r>
+            <a:r>
+              <a:rPr lang="en-GB" dirty="0"/>
+              <a:t>()</a:t>
+            </a:r>
+          </a:p>
+        </p:txBody>
+      </p:sp>
+    </p:spTree>
+    <p:extLst>
+      <p:ext uri="{BB962C8B-B14F-4D97-AF65-F5344CB8AC3E}">
+        <p14:creationId xmlns:p14="http://schemas.microsoft.com/office/powerpoint/2010/main" val="3093482668"/>
+      </p:ext>
+    </p:extLst>
+  </p:cSld>
+  <p:clrMapOvr>
+    <a:masterClrMapping/>
+  </p:clrMapOvr>
+</p:sld>
+</file>
+
+<file path=ppt/slides/slide21.xml><?xml version="1.0" encoding="utf-8"?>
+<p:sld xmlns:a="http://schemas.openxmlformats.org/drawingml/2006/main" xmlns:r="http://schemas.openxmlformats.org/officeDocument/2006/relationships" xmlns:p="http://schemas.openxmlformats.org/presentationml/2006/main">
+  <p:cSld>
+    <p:spTree>
+      <p:nvGrpSpPr>
+        <p:cNvPr id="1" name=""/>
+        <p:cNvGrpSpPr/>
+        <p:nvPr/>
+      </p:nvGrpSpPr>
+      <p:grpSpPr>
+        <a:xfrm>
+          <a:off x="0" y="0"/>
+          <a:ext cx="0" cy="0"/>
+          <a:chOff x="0" y="0"/>
+          <a:chExt cx="0" cy="0"/>
+        </a:xfrm>
+      </p:grpSpPr>
+      <p:sp>
+        <p:nvSpPr>
+          <p:cNvPr id="2" name="Title 1">
+            <a:extLst>
+              <a:ext uri="{FF2B5EF4-FFF2-40B4-BE49-F238E27FC236}">
+                <a16:creationId xmlns:a16="http://schemas.microsoft.com/office/drawing/2014/main" id="{461307FB-6E32-4B10-B7F9-92B47ADD39DE}"/>
+              </a:ext>
+            </a:extLst>
+          </p:cNvPr>
+          <p:cNvSpPr>
+            <a:spLocks noGrp="1"/>
+          </p:cNvSpPr>
+          <p:nvPr>
+            <p:ph type="title"/>
+          </p:nvPr>
+        </p:nvSpPr>
+        <p:spPr/>
+        <p:txBody>
+          <a:bodyPr/>
+          <a:lstStyle/>
+          <a:p>
+            <a:r>
+              <a:rPr lang="en-GB" dirty="0"/>
+              <a:t>Merge</a:t>
+            </a:r>
+          </a:p>
+        </p:txBody>
+      </p:sp>
+      <p:pic>
+        <p:nvPicPr>
+          <p:cNvPr id="8194" name="Picture 2" descr="Merges and joins are used to bring datasets together based on common values."/>
+          <p:cNvPicPr>
+            <a:picLocks noChangeAspect="1" noChangeArrowheads="1"/>
+          </p:cNvPicPr>
+          <p:nvPr/>
+        </p:nvPicPr>
+        <p:blipFill rotWithShape="1">
+          <a:blip r:embed="rId2">
+            <a:extLst>
+              <a:ext uri="{28A0092B-C50C-407E-A947-70E740481C1C}">
+                <a14:useLocalDpi xmlns:a14="http://schemas.microsoft.com/office/drawing/2010/main" val="0"/>
+              </a:ext>
+            </a:extLst>
+          </a:blip>
+          <a:srcRect r="31961"/>
+          <a:stretch/>
+        </p:blipFill>
+        <p:spPr bwMode="auto">
+          <a:xfrm>
+            <a:off x="4932040" y="188640"/>
+            <a:ext cx="3888432" cy="2857500"/>
+          </a:xfrm>
+          <a:prstGeom prst="rect">
+            <a:avLst/>
+          </a:prstGeom>
+          <a:noFill/>
+          <a:extLst>
+            <a:ext uri="{909E8E84-426E-40DD-AFC4-6F175D3DCCD1}">
+              <a14:hiddenFill xmlns:a14="http://schemas.microsoft.com/office/drawing/2010/main">
+                <a:solidFill>
+                  <a:srgbClr val="FFFFFF"/>
+                </a:solidFill>
+              </a14:hiddenFill>
+            </a:ext>
+          </a:extLst>
+        </p:spPr>
+      </p:pic>
+      <p:pic>
+        <p:nvPicPr>
+          <p:cNvPr id="1026" name="Picture 2" descr="You can merge data sets with different join variable names in each.">
+            <a:extLst>
+              <a:ext uri="{FF2B5EF4-FFF2-40B4-BE49-F238E27FC236}">
+                <a16:creationId xmlns:a16="http://schemas.microsoft.com/office/drawing/2014/main" id="{DF7187EF-8F51-4BD3-8557-8FF3A6AB50D5}"/>
+              </a:ext>
+            </a:extLst>
+          </p:cNvPr>
+          <p:cNvPicPr>
+            <a:picLocks noChangeAspect="1" noChangeArrowheads="1"/>
+          </p:cNvPicPr>
+          <p:nvPr/>
+        </p:nvPicPr>
+        <p:blipFill>
+          <a:blip r:embed="rId3">
+            <a:extLst>
+              <a:ext uri="{28A0092B-C50C-407E-A947-70E740481C1C}">
+                <a14:useLocalDpi xmlns:a14="http://schemas.microsoft.com/office/drawing/2010/main" val="0"/>
+              </a:ext>
+            </a:extLst>
+          </a:blip>
+          <a:srcRect/>
+          <a:stretch>
+            <a:fillRect/>
+          </a:stretch>
+        </p:blipFill>
+        <p:spPr bwMode="auto">
+          <a:xfrm>
+            <a:off x="251519" y="3132138"/>
+            <a:ext cx="8670393" cy="2601118"/>
+          </a:xfrm>
+          <a:prstGeom prst="rect">
+            <a:avLst/>
+          </a:prstGeom>
+          <a:noFill/>
+          <a:extLst>
+            <a:ext uri="{909E8E84-426E-40DD-AFC4-6F175D3DCCD1}">
+              <a14:hiddenFill xmlns:a14="http://schemas.microsoft.com/office/drawing/2010/main">
+                <a:solidFill>
+                  <a:srgbClr val="FFFFFF"/>
+                </a:solidFill>
+              </a14:hiddenFill>
+            </a:ext>
+          </a:extLst>
+        </p:spPr>
+      </p:pic>
+    </p:spTree>
+    <p:extLst>
+      <p:ext uri="{BB962C8B-B14F-4D97-AF65-F5344CB8AC3E}">
+        <p14:creationId xmlns:p14="http://schemas.microsoft.com/office/powerpoint/2010/main" val="1578028748"/>
+      </p:ext>
+    </p:extLst>
+  </p:cSld>
+  <p:clrMapOvr>
+    <a:masterClrMapping/>
+  </p:clrMapOvr>
+</p:sld>
+</file>
+
+<file path=ppt/slides/slide22.xml><?xml version="1.0" encoding="utf-8"?>
+<p:sld xmlns:a="http://schemas.openxmlformats.org/drawingml/2006/main" xmlns:r="http://schemas.openxmlformats.org/officeDocument/2006/relationships" xmlns:p="http://schemas.openxmlformats.org/presentationml/2006/main">
+  <p:cSld>
+    <p:spTree>
+      <p:nvGrpSpPr>
+        <p:cNvPr id="1" name=""/>
+        <p:cNvGrpSpPr/>
+        <p:nvPr/>
+      </p:nvGrpSpPr>
+      <p:grpSpPr>
+        <a:xfrm>
+          <a:off x="0" y="0"/>
+          <a:ext cx="0" cy="0"/>
+          <a:chOff x="0" y="0"/>
+          <a:chExt cx="0" cy="0"/>
+        </a:xfrm>
+      </p:grpSpPr>
+      <p:sp>
+        <p:nvSpPr>
+          <p:cNvPr id="2" name="Title 1">
+            <a:extLst>
+              <a:ext uri="{FF2B5EF4-FFF2-40B4-BE49-F238E27FC236}">
+                <a16:creationId xmlns:a16="http://schemas.microsoft.com/office/drawing/2014/main" id="{461307FB-6E32-4B10-B7F9-92B47ADD39DE}"/>
+              </a:ext>
+            </a:extLst>
+          </p:cNvPr>
+          <p:cNvSpPr>
+            <a:spLocks noGrp="1"/>
+          </p:cNvSpPr>
+          <p:nvPr>
+            <p:ph type="title"/>
+          </p:nvPr>
+        </p:nvSpPr>
+        <p:spPr/>
+        <p:txBody>
+          <a:bodyPr/>
+          <a:lstStyle/>
+          <a:p>
+            <a:r>
+              <a:rPr lang="en-GB" dirty="0"/>
+              <a:t>Aggregation (Group by)</a:t>
+            </a:r>
+          </a:p>
+        </p:txBody>
+      </p:sp>
+      <p:pic>
+        <p:nvPicPr>
+          <p:cNvPr id="2050" name="Picture 2" descr="https://shanelynnwebsite-mid9n9g1q9y8tt.netdna-ssl.com/wp-content/uploads/2016/03/pandas_aggregation.png">
+            <a:extLst>
+              <a:ext uri="{FF2B5EF4-FFF2-40B4-BE49-F238E27FC236}">
+                <a16:creationId xmlns:a16="http://schemas.microsoft.com/office/drawing/2014/main" id="{773B392D-67F6-430F-9854-D581FC4A08EF}"/>
+              </a:ext>
+            </a:extLst>
+          </p:cNvPr>
+          <p:cNvPicPr>
+            <a:picLocks noChangeAspect="1" noChangeArrowheads="1"/>
+          </p:cNvPicPr>
+          <p:nvPr/>
+        </p:nvPicPr>
+        <p:blipFill>
+          <a:blip r:embed="rId2">
+            <a:extLst>
+              <a:ext uri="{28A0092B-C50C-407E-A947-70E740481C1C}">
+                <a14:useLocalDpi xmlns:a14="http://schemas.microsoft.com/office/drawing/2010/main" val="0"/>
+              </a:ext>
+            </a:extLst>
+          </a:blip>
+          <a:srcRect/>
+          <a:stretch>
+            <a:fillRect/>
+          </a:stretch>
+        </p:blipFill>
+        <p:spPr bwMode="auto">
+          <a:xfrm>
+            <a:off x="434380" y="1700808"/>
+            <a:ext cx="8244408" cy="3296332"/>
+          </a:xfrm>
+          <a:prstGeom prst="rect">
+            <a:avLst/>
+          </a:prstGeom>
+          <a:noFill/>
+          <a:extLst>
+            <a:ext uri="{909E8E84-426E-40DD-AFC4-6F175D3DCCD1}">
+              <a14:hiddenFill xmlns:a14="http://schemas.microsoft.com/office/drawing/2010/main">
+                <a:solidFill>
+                  <a:srgbClr val="FFFFFF"/>
+                </a:solidFill>
+              </a14:hiddenFill>
+            </a:ext>
+          </a:extLst>
+        </p:spPr>
+      </p:pic>
+    </p:spTree>
+    <p:extLst>
+      <p:ext uri="{BB962C8B-B14F-4D97-AF65-F5344CB8AC3E}">
+        <p14:creationId xmlns:p14="http://schemas.microsoft.com/office/powerpoint/2010/main" val="2361886945"/>
+      </p:ext>
+    </p:extLst>
+  </p:cSld>
+  <p:clrMapOvr>
+    <a:masterClrMapping/>
+  </p:clrMapOvr>
+</p:sld>
+</file>
+
+<file path=ppt/slides/slide23.xml><?xml version="1.0" encoding="utf-8"?>
+<p:sld xmlns:a="http://schemas.openxmlformats.org/drawingml/2006/main" xmlns:r="http://schemas.openxmlformats.org/officeDocument/2006/relationships" xmlns:p="http://schemas.openxmlformats.org/presentationml/2006/main">
+  <p:cSld>
+    <p:spTree>
+      <p:nvGrpSpPr>
+        <p:cNvPr id="1" name=""/>
+        <p:cNvGrpSpPr/>
+        <p:nvPr/>
+      </p:nvGrpSpPr>
+      <p:grpSpPr>
+        <a:xfrm>
+          <a:off x="0" y="0"/>
+          <a:ext cx="0" cy="0"/>
+          <a:chOff x="0" y="0"/>
+          <a:chExt cx="0" cy="0"/>
+        </a:xfrm>
+      </p:grpSpPr>
+      <p:sp>
+        <p:nvSpPr>
+          <p:cNvPr id="2" name="Title 1">
+            <a:extLst>
+              <a:ext uri="{FF2B5EF4-FFF2-40B4-BE49-F238E27FC236}">
+                <a16:creationId xmlns:a16="http://schemas.microsoft.com/office/drawing/2014/main" id="{461307FB-6E32-4B10-B7F9-92B47ADD39DE}"/>
+              </a:ext>
+            </a:extLst>
+          </p:cNvPr>
+          <p:cNvSpPr>
+            <a:spLocks noGrp="1"/>
+          </p:cNvSpPr>
+          <p:nvPr>
+            <p:ph type="title"/>
+          </p:nvPr>
+        </p:nvSpPr>
+        <p:spPr/>
+        <p:txBody>
+          <a:bodyPr/>
+          <a:lstStyle/>
+          <a:p>
+            <a:r>
+              <a:rPr lang="en-US" altLang="zh-TW" dirty="0"/>
+              <a:t>Categorical Variable</a:t>
+            </a:r>
+            <a:endParaRPr lang="en-GB" dirty="0"/>
+          </a:p>
+        </p:txBody>
+      </p:sp>
+      <p:pic>
+        <p:nvPicPr>
+          <p:cNvPr id="3" name="圖片 2">
+            <a:extLst>
+              <a:ext uri="{FF2B5EF4-FFF2-40B4-BE49-F238E27FC236}">
+                <a16:creationId xmlns:a16="http://schemas.microsoft.com/office/drawing/2014/main" id="{D97FDE81-1F9B-43F3-A8EE-465B5222A9AB}"/>
+              </a:ext>
+            </a:extLst>
+          </p:cNvPr>
+          <p:cNvPicPr>
+            <a:picLocks noChangeAspect="1"/>
+          </p:cNvPicPr>
+          <p:nvPr/>
+        </p:nvPicPr>
+        <p:blipFill>
+          <a:blip r:embed="rId2"/>
+          <a:stretch>
+            <a:fillRect/>
+          </a:stretch>
+        </p:blipFill>
+        <p:spPr>
+          <a:xfrm>
+            <a:off x="885764" y="1772816"/>
+            <a:ext cx="5699170" cy="3960440"/>
+          </a:xfrm>
+          <a:prstGeom prst="rect">
+            <a:avLst/>
+          </a:prstGeom>
+        </p:spPr>
+      </p:pic>
+      <p:cxnSp>
+        <p:nvCxnSpPr>
+          <p:cNvPr id="5" name="直線單箭頭接點 4">
+            <a:extLst>
+              <a:ext uri="{FF2B5EF4-FFF2-40B4-BE49-F238E27FC236}">
+                <a16:creationId xmlns:a16="http://schemas.microsoft.com/office/drawing/2014/main" id="{63674E72-C917-484D-9775-6C54C307637A}"/>
+              </a:ext>
+            </a:extLst>
+          </p:cNvPr>
+          <p:cNvCxnSpPr>
+            <a:cxnSpLocks/>
+          </p:cNvCxnSpPr>
+          <p:nvPr/>
+        </p:nvCxnSpPr>
+        <p:spPr>
+          <a:xfrm flipH="1">
+            <a:off x="3923928" y="1916832"/>
+            <a:ext cx="1152128" cy="0"/>
+          </a:xfrm>
+          <a:prstGeom prst="straightConnector1">
+            <a:avLst/>
+          </a:prstGeom>
+          <a:ln>
+            <a:tailEnd type="triangle"/>
+          </a:ln>
+        </p:spPr>
+        <p:style>
+          <a:lnRef idx="1">
+            <a:schemeClr val="accent1"/>
+          </a:lnRef>
+          <a:fillRef idx="0">
+            <a:schemeClr val="accent1"/>
+          </a:fillRef>
+          <a:effectRef idx="0">
+            <a:schemeClr val="accent1"/>
+          </a:effectRef>
+          <a:fontRef idx="minor">
+            <a:schemeClr val="tx1"/>
+          </a:fontRef>
+        </p:style>
+      </p:cxnSp>
+      <p:sp>
+        <p:nvSpPr>
+          <p:cNvPr id="7" name="矩形 6">
+            <a:extLst>
+              <a:ext uri="{FF2B5EF4-FFF2-40B4-BE49-F238E27FC236}">
+                <a16:creationId xmlns:a16="http://schemas.microsoft.com/office/drawing/2014/main" id="{1AE66F71-52EC-4D0E-AE76-BF587DC2A1FD}"/>
+              </a:ext>
+            </a:extLst>
+          </p:cNvPr>
+          <p:cNvSpPr/>
+          <p:nvPr/>
+        </p:nvSpPr>
+        <p:spPr>
+          <a:xfrm>
+            <a:off x="5076056" y="1628800"/>
+            <a:ext cx="1800200" cy="504056"/>
+          </a:xfrm>
+          <a:prstGeom prst="rect">
+            <a:avLst/>
+          </a:prstGeom>
+        </p:spPr>
+        <p:style>
+          <a:lnRef idx="2">
+            <a:schemeClr val="accent1"/>
+          </a:lnRef>
+          <a:fillRef idx="1">
+            <a:schemeClr val="lt1"/>
+          </a:fillRef>
+          <a:effectRef idx="0">
+            <a:schemeClr val="accent1"/>
+          </a:effectRef>
+          <a:fontRef idx="minor">
+            <a:schemeClr val="dk1"/>
+          </a:fontRef>
+        </p:style>
+        <p:txBody>
+          <a:bodyPr rtlCol="0" anchor="ctr"/>
+          <a:lstStyle/>
+          <a:p>
+            <a:pPr algn="ctr"/>
+            <a:r>
+              <a:rPr lang="en-US" altLang="zh-TW" dirty="0"/>
+              <a:t>String Columns</a:t>
+            </a:r>
+            <a:endParaRPr lang="zh-TW" altLang="en-US" dirty="0"/>
+          </a:p>
+        </p:txBody>
+      </p:sp>
+      <p:sp>
+        <p:nvSpPr>
+          <p:cNvPr id="10" name="矩形 9">
+            <a:extLst>
+              <a:ext uri="{FF2B5EF4-FFF2-40B4-BE49-F238E27FC236}">
+                <a16:creationId xmlns:a16="http://schemas.microsoft.com/office/drawing/2014/main" id="{AD896872-807B-4ED7-88A6-2D817ED132AB}"/>
+              </a:ext>
+            </a:extLst>
+          </p:cNvPr>
+          <p:cNvSpPr/>
+          <p:nvPr/>
+        </p:nvSpPr>
+        <p:spPr>
+          <a:xfrm>
+            <a:off x="6084168" y="3501008"/>
+            <a:ext cx="2376264" cy="1008112"/>
+          </a:xfrm>
+          <a:prstGeom prst="rect">
+            <a:avLst/>
+          </a:prstGeom>
+        </p:spPr>
+        <p:style>
+          <a:lnRef idx="2">
+            <a:schemeClr val="accent1"/>
+          </a:lnRef>
+          <a:fillRef idx="1">
+            <a:schemeClr val="lt1"/>
+          </a:fillRef>
+          <a:effectRef idx="0">
+            <a:schemeClr val="accent1"/>
+          </a:effectRef>
+          <a:fontRef idx="minor">
+            <a:schemeClr val="dk1"/>
+          </a:fontRef>
+        </p:style>
+        <p:txBody>
+          <a:bodyPr rtlCol="0" anchor="ctr"/>
+          <a:lstStyle/>
+          <a:p>
+            <a:pPr algn="ctr"/>
+            <a:r>
+              <a:rPr lang="en-US" altLang="zh-TW" dirty="0"/>
+              <a:t>Categorical  Columns</a:t>
+            </a:r>
+          </a:p>
+          <a:p>
+            <a:pPr algn="ctr"/>
+            <a:r>
+              <a:rPr lang="en-US" altLang="zh-TW" dirty="0"/>
+              <a:t>= integer column + code mapping</a:t>
+            </a:r>
+            <a:endParaRPr lang="zh-TW" altLang="en-US" dirty="0"/>
+          </a:p>
+        </p:txBody>
+      </p:sp>
+      <p:cxnSp>
+        <p:nvCxnSpPr>
+          <p:cNvPr id="11" name="接點: 肘形 10">
+            <a:extLst>
+              <a:ext uri="{FF2B5EF4-FFF2-40B4-BE49-F238E27FC236}">
+                <a16:creationId xmlns:a16="http://schemas.microsoft.com/office/drawing/2014/main" id="{9546B8E5-22A7-4B30-9A4D-8E333E001450}"/>
+              </a:ext>
+            </a:extLst>
+          </p:cNvPr>
+          <p:cNvCxnSpPr>
+            <a:cxnSpLocks/>
+            <a:stCxn id="10" idx="1"/>
+          </p:cNvCxnSpPr>
+          <p:nvPr/>
+        </p:nvCxnSpPr>
+        <p:spPr>
+          <a:xfrm rot="10800000" flipV="1">
+            <a:off x="4932040" y="4005064"/>
+            <a:ext cx="1152128" cy="648072"/>
+          </a:xfrm>
+          <a:prstGeom prst="bentConnector3">
+            <a:avLst>
+              <a:gd name="adj1" fmla="val 97853"/>
+            </a:avLst>
+          </a:prstGeom>
+          <a:ln>
+            <a:tailEnd type="triangle"/>
+          </a:ln>
+        </p:spPr>
+        <p:style>
+          <a:lnRef idx="1">
+            <a:schemeClr val="accent1"/>
+          </a:lnRef>
+          <a:fillRef idx="0">
+            <a:schemeClr val="accent1"/>
+          </a:fillRef>
+          <a:effectRef idx="0">
+            <a:schemeClr val="accent1"/>
+          </a:effectRef>
+          <a:fontRef idx="minor">
+            <a:schemeClr val="tx1"/>
+          </a:fontRef>
+        </p:style>
+      </p:cxnSp>
+      <p:sp>
+        <p:nvSpPr>
+          <p:cNvPr id="18" name="矩形 17">
+            <a:extLst>
+              <a:ext uri="{FF2B5EF4-FFF2-40B4-BE49-F238E27FC236}">
+                <a16:creationId xmlns:a16="http://schemas.microsoft.com/office/drawing/2014/main" id="{A3651225-45E6-4BA0-841D-E14185F1700D}"/>
+              </a:ext>
+            </a:extLst>
+          </p:cNvPr>
+          <p:cNvSpPr/>
+          <p:nvPr/>
+        </p:nvSpPr>
+        <p:spPr>
+          <a:xfrm>
+            <a:off x="5614471" y="5049181"/>
+            <a:ext cx="2232249" cy="504056"/>
+          </a:xfrm>
+          <a:prstGeom prst="rect">
+            <a:avLst/>
+          </a:prstGeom>
+        </p:spPr>
+        <p:style>
+          <a:lnRef idx="2">
+            <a:schemeClr val="accent1"/>
+          </a:lnRef>
+          <a:fillRef idx="1">
+            <a:schemeClr val="lt1"/>
+          </a:fillRef>
+          <a:effectRef idx="0">
+            <a:schemeClr val="accent1"/>
+          </a:effectRef>
+          <a:fontRef idx="minor">
+            <a:schemeClr val="dk1"/>
+          </a:fontRef>
+        </p:style>
+        <p:txBody>
+          <a:bodyPr rtlCol="0" anchor="ctr"/>
+          <a:lstStyle/>
+          <a:p>
+            <a:pPr algn="ctr"/>
+            <a:r>
+              <a:rPr lang="en-US" altLang="zh-TW" dirty="0"/>
+              <a:t>[0, 0, 0, 0, 0, …] : levels = [‘Drama’, …]</a:t>
+            </a:r>
+            <a:endParaRPr lang="zh-TW" altLang="en-US" dirty="0"/>
+          </a:p>
+        </p:txBody>
+      </p:sp>
     </p:spTree>
     <p:extLst>
       <p:ext uri="{BB962C8B-B14F-4D97-AF65-F5344CB8AC3E}">
@@ -6731,10 +6882,10 @@
       </p:grpSpPr>
       <p:sp>
         <p:nvSpPr>
-          <p:cNvPr id="2" name="標題 1">
+          <p:cNvPr id="2" name="Title 1">
             <a:extLst>
               <a:ext uri="{FF2B5EF4-FFF2-40B4-BE49-F238E27FC236}">
-                <a16:creationId xmlns:a16="http://schemas.microsoft.com/office/drawing/2014/main" id="{D217FF61-DAEF-45D9-A7FD-6DF94F2A6D54}"/>
+                <a16:creationId xmlns:a16="http://schemas.microsoft.com/office/drawing/2014/main" id="{461307FB-6E32-4B10-B7F9-92B47ADD39DE}"/>
               </a:ext>
             </a:extLst>
           </p:cNvPr>
@@ -6751,107 +6902,22 @@
           <a:lstStyle/>
           <a:p>
             <a:r>
-              <a:rPr lang="en-US" altLang="zh-TW" dirty="0"/>
-              <a:t>NumPy introduction</a:t>
-            </a:r>
-            <a:endParaRPr lang="zh-TW" altLang="en-US" dirty="0"/>
-          </a:p>
-        </p:txBody>
-      </p:sp>
-      <p:sp>
-        <p:nvSpPr>
-          <p:cNvPr id="3" name="內容版面配置區 2">
-            <a:extLst>
-              <a:ext uri="{FF2B5EF4-FFF2-40B4-BE49-F238E27FC236}">
-                <a16:creationId xmlns:a16="http://schemas.microsoft.com/office/drawing/2014/main" id="{4E6651BD-1E26-42C6-B344-77E903D28000}"/>
-              </a:ext>
-            </a:extLst>
-          </p:cNvPr>
-          <p:cNvSpPr>
-            <a:spLocks noGrp="1"/>
-          </p:cNvSpPr>
-          <p:nvPr>
-            <p:ph sz="quarter" idx="1"/>
-          </p:nvPr>
-        </p:nvSpPr>
-        <p:spPr/>
-        <p:txBody>
-          <a:bodyPr>
-            <a:normAutofit/>
-          </a:bodyPr>
-          <a:lstStyle/>
-          <a:p>
-            <a:r>
-              <a:rPr lang="en-US" altLang="zh-TW" sz="2400" dirty="0"/>
-              <a:t>support for large, multi-dimensional arrays and matrices, along with mathematical functions to operate on them</a:t>
-            </a:r>
-          </a:p>
-          <a:p>
-            <a:r>
-              <a:rPr lang="en-US" altLang="zh-TW" sz="2400" dirty="0"/>
-              <a:t>Older Array Packages</a:t>
-            </a:r>
-          </a:p>
-          <a:p>
-            <a:pPr lvl="1"/>
-            <a:r>
-              <a:rPr lang="en-US" altLang="zh-TW" sz="2200" dirty="0"/>
-              <a:t>In 1995, package called “Numeric” released.</a:t>
-            </a:r>
-          </a:p>
-          <a:p>
-            <a:pPr lvl="1"/>
-            <a:r>
-              <a:rPr lang="en-US" altLang="zh-TW" sz="2200" dirty="0" err="1"/>
-              <a:t>Somewhile</a:t>
-            </a:r>
-            <a:r>
-              <a:rPr lang="en-US" altLang="zh-TW" sz="2200" dirty="0"/>
-              <a:t>, another package called “</a:t>
-            </a:r>
-            <a:r>
-              <a:rPr lang="en-US" altLang="zh-TW" sz="2200" dirty="0" err="1"/>
-              <a:t>numarray</a:t>
-            </a:r>
-            <a:r>
-              <a:rPr lang="en-US" altLang="zh-TW" sz="2200" dirty="0"/>
-              <a:t>” released.</a:t>
-            </a:r>
-          </a:p>
-          <a:p>
-            <a:pPr lvl="1"/>
-            <a:r>
-              <a:rPr lang="en-US" altLang="zh-TW" sz="2200" dirty="0"/>
-              <a:t>In 2006, “Numeric” and “</a:t>
-            </a:r>
-            <a:r>
-              <a:rPr lang="en-US" altLang="zh-TW" sz="2200" dirty="0" err="1"/>
-              <a:t>numarray</a:t>
-            </a:r>
-            <a:r>
-              <a:rPr lang="en-US" altLang="zh-TW" sz="2200" dirty="0"/>
-              <a:t>” are integrated to the new package “NumPy”, by Travis Oliphant (After that he founded Anaconda)</a:t>
-            </a:r>
-            <a:endParaRPr lang="zh-TW" altLang="en-US" sz="2200" dirty="0"/>
+              <a:rPr lang="en-GB" dirty="0"/>
+              <a:t>Pivot Tables</a:t>
+            </a:r>
           </a:p>
         </p:txBody>
       </p:sp>
       <p:pic>
         <p:nvPicPr>
-          <p:cNvPr id="1026" name="Picture 2" descr="numpyçåçæå°çµæ">
-            <a:extLst>
-              <a:ext uri="{FF2B5EF4-FFF2-40B4-BE49-F238E27FC236}">
-                <a16:creationId xmlns:a16="http://schemas.microsoft.com/office/drawing/2014/main" id="{B9327815-3D61-47F4-BB28-93ABD166EBF7}"/>
-              </a:ext>
-            </a:extLst>
-          </p:cNvPr>
+          <p:cNvPr id="1026" name="Picture 2"/>
           <p:cNvPicPr>
             <a:picLocks noChangeAspect="1" noChangeArrowheads="1"/>
           </p:cNvPicPr>
           <p:nvPr/>
         </p:nvPicPr>
         <p:blipFill>
-          <a:blip r:embed="rId2" cstate="print">
+          <a:blip r:embed="rId2">
             <a:extLst>
               <a:ext uri="{28A0092B-C50C-407E-A947-70E740481C1C}">
                 <a14:useLocalDpi xmlns:a14="http://schemas.microsoft.com/office/drawing/2010/main" val="0"/>
@@ -6865,20 +6931,43 @@
         </p:blipFill>
         <p:spPr bwMode="auto">
           <a:xfrm>
-            <a:off x="1331640" y="4703613"/>
-            <a:ext cx="4716016" cy="1866756"/>
+            <a:off x="971550" y="1666875"/>
+            <a:ext cx="7200900" cy="3524250"/>
           </a:xfrm>
           <a:prstGeom prst="rect">
             <a:avLst/>
           </a:prstGeom>
           <a:noFill/>
+          <a:ln>
+            <a:noFill/>
+          </a:ln>
+          <a:effectLst/>
           <a:extLst>
             <a:ext uri="{909E8E84-426E-40DD-AFC4-6F175D3DCCD1}">
               <a14:hiddenFill xmlns:a14="http://schemas.microsoft.com/office/drawing/2010/main">
                 <a:solidFill>
-                  <a:srgbClr val="FFFFFF"/>
+                  <a:schemeClr val="accent1"/>
                 </a:solidFill>
               </a14:hiddenFill>
+            </a:ext>
+            <a:ext uri="{91240B29-F687-4F45-9708-019B960494DF}">
+              <a14:hiddenLine xmlns:a14="http://schemas.microsoft.com/office/drawing/2010/main" w="9525">
+                <a:solidFill>
+                  <a:schemeClr val="tx1"/>
+                </a:solidFill>
+                <a:miter lim="800000"/>
+                <a:headEnd/>
+                <a:tailEnd/>
+              </a14:hiddenLine>
+            </a:ext>
+            <a:ext uri="{AF507438-7753-43E0-B8FC-AC1667EBCBE1}">
+              <a14:hiddenEffects xmlns:a14="http://schemas.microsoft.com/office/drawing/2010/main">
+                <a:effectLst>
+                  <a:outerShdw dist="35921" dir="2700000" algn="ctr" rotWithShape="0">
+                    <a:schemeClr val="bg2"/>
+                  </a:outerShdw>
+                </a:effectLst>
+              </a14:hiddenEffects>
             </a:ext>
           </a:extLst>
         </p:spPr>
@@ -6886,7 +6975,7 @@
     </p:spTree>
     <p:extLst>
       <p:ext uri="{BB962C8B-B14F-4D97-AF65-F5344CB8AC3E}">
-        <p14:creationId xmlns:p14="http://schemas.microsoft.com/office/powerpoint/2010/main" val="3716238527"/>
+        <p14:creationId xmlns:p14="http://schemas.microsoft.com/office/powerpoint/2010/main" val="2361886945"/>
       </p:ext>
     </p:extLst>
   </p:cSld>
@@ -6918,7 +7007,7 @@
           <p:cNvPr id="2" name="標題 1">
             <a:extLst>
               <a:ext uri="{FF2B5EF4-FFF2-40B4-BE49-F238E27FC236}">
-                <a16:creationId xmlns:a16="http://schemas.microsoft.com/office/drawing/2014/main" id="{440828B2-EA1B-4C4A-AFE0-DEC398193EB8}"/>
+                <a16:creationId xmlns:a16="http://schemas.microsoft.com/office/drawing/2014/main" id="{D217FF61-DAEF-45D9-A7FD-6DF94F2A6D54}"/>
               </a:ext>
             </a:extLst>
           </p:cNvPr>
@@ -6936,46 +7025,141 @@
           <a:p>
             <a:r>
               <a:rPr lang="en-US" altLang="zh-TW" dirty="0"/>
-              <a:t>Creating Arrays</a:t>
+              <a:t>NumPy introduction</a:t>
             </a:r>
             <a:endParaRPr lang="zh-TW" altLang="en-US" dirty="0"/>
+          </a:p>
+        </p:txBody>
+      </p:sp>
+      <p:sp>
+        <p:nvSpPr>
+          <p:cNvPr id="3" name="內容版面配置區 2">
+            <a:extLst>
+              <a:ext uri="{FF2B5EF4-FFF2-40B4-BE49-F238E27FC236}">
+                <a16:creationId xmlns:a16="http://schemas.microsoft.com/office/drawing/2014/main" id="{4E6651BD-1E26-42C6-B344-77E903D28000}"/>
+              </a:ext>
+            </a:extLst>
+          </p:cNvPr>
+          <p:cNvSpPr>
+            <a:spLocks noGrp="1"/>
+          </p:cNvSpPr>
+          <p:nvPr>
+            <p:ph sz="quarter" idx="1"/>
+          </p:nvPr>
+        </p:nvSpPr>
+        <p:spPr/>
+        <p:txBody>
+          <a:bodyPr>
+            <a:normAutofit/>
+          </a:bodyPr>
+          <a:lstStyle/>
+          <a:p>
+            <a:r>
+              <a:rPr lang="en-US" altLang="zh-TW" sz="2400" dirty="0"/>
+              <a:t>support for large, multi-dimensional arrays and matrices, along with mathematical functions to operate on them</a:t>
+            </a:r>
+          </a:p>
+          <a:p>
+            <a:r>
+              <a:rPr lang="en-US" altLang="zh-TW" sz="2400" dirty="0"/>
+              <a:t>Older Array Packages</a:t>
+            </a:r>
+          </a:p>
+          <a:p>
+            <a:pPr lvl="1"/>
+            <a:r>
+              <a:rPr lang="en-US" altLang="zh-TW" sz="2200" dirty="0"/>
+              <a:t>In 1995, package called “Numeric” released.</a:t>
+            </a:r>
+          </a:p>
+          <a:p>
+            <a:pPr lvl="1"/>
+            <a:r>
+              <a:rPr lang="en-US" altLang="zh-TW" sz="2200" dirty="0" err="1"/>
+              <a:t>Somewhile</a:t>
+            </a:r>
+            <a:r>
+              <a:rPr lang="en-US" altLang="zh-TW" sz="2200" dirty="0"/>
+              <a:t>, another package called “</a:t>
+            </a:r>
+            <a:r>
+              <a:rPr lang="en-US" altLang="zh-TW" sz="2200" dirty="0" err="1"/>
+              <a:t>numarray</a:t>
+            </a:r>
+            <a:r>
+              <a:rPr lang="en-US" altLang="zh-TW" sz="2200" dirty="0"/>
+              <a:t>” released.</a:t>
+            </a:r>
+          </a:p>
+          <a:p>
+            <a:pPr lvl="1"/>
+            <a:r>
+              <a:rPr lang="en-US" altLang="zh-TW" sz="2200" dirty="0"/>
+              <a:t>In 2006, “Numeric” and “</a:t>
+            </a:r>
+            <a:r>
+              <a:rPr lang="en-US" altLang="zh-TW" sz="2200" dirty="0" err="1"/>
+              <a:t>numarray</a:t>
+            </a:r>
+            <a:r>
+              <a:rPr lang="en-US" altLang="zh-TW" sz="2200" dirty="0"/>
+              <a:t>” are integrated to the new package “NumPy”, by Travis Oliphant (After that he founded Anaconda)</a:t>
+            </a:r>
+            <a:endParaRPr lang="zh-TW" altLang="en-US" sz="2200" dirty="0"/>
           </a:p>
         </p:txBody>
       </p:sp>
       <p:pic>
         <p:nvPicPr>
-          <p:cNvPr id="4" name="圖片 3">
+          <p:cNvPr id="1026" name="Picture 2" descr="numpyçåçæå°çµæ">
             <a:extLst>
               <a:ext uri="{FF2B5EF4-FFF2-40B4-BE49-F238E27FC236}">
-                <a16:creationId xmlns:a16="http://schemas.microsoft.com/office/drawing/2014/main" id="{6736E17D-CDAA-4DC0-AEFD-0AB25BC99D96}"/>
+                <a16:creationId xmlns:a16="http://schemas.microsoft.com/office/drawing/2014/main" id="{B9327815-3D61-47F4-BB28-93ABD166EBF7}"/>
               </a:ext>
             </a:extLst>
           </p:cNvPr>
           <p:cNvPicPr>
-            <a:picLocks noChangeAspect="1"/>
+            <a:picLocks noChangeAspect="1" noChangeArrowheads="1"/>
           </p:cNvPicPr>
           <p:nvPr/>
         </p:nvPicPr>
         <p:blipFill>
-          <a:blip r:embed="rId2"/>
+          <a:blip r:embed="rId2" cstate="print">
+            <a:extLst>
+              <a:ext uri="{28A0092B-C50C-407E-A947-70E740481C1C}">
+                <a14:useLocalDpi xmlns:a14="http://schemas.microsoft.com/office/drawing/2010/main" val="0"/>
+              </a:ext>
+            </a:extLst>
+          </a:blip>
+          <a:srcRect/>
           <a:stretch>
             <a:fillRect/>
           </a:stretch>
         </p:blipFill>
-        <p:spPr>
-          <a:xfrm>
-            <a:off x="914400" y="1417637"/>
-            <a:ext cx="6753944" cy="3974735"/>
+        <p:spPr bwMode="auto">
+          <a:xfrm>
+            <a:off x="1331640" y="4703613"/>
+            <a:ext cx="4716016" cy="1866756"/>
           </a:xfrm>
           <a:prstGeom prst="rect">
             <a:avLst/>
           </a:prstGeom>
+          <a:noFill/>
+          <a:extLst>
+            <a:ext uri="{909E8E84-426E-40DD-AFC4-6F175D3DCCD1}">
+              <a14:hiddenFill xmlns:a14="http://schemas.microsoft.com/office/drawing/2010/main">
+                <a:solidFill>
+                  <a:srgbClr val="FFFFFF"/>
+                </a:solidFill>
+              </a14:hiddenFill>
+            </a:ext>
+          </a:extLst>
         </p:spPr>
       </p:pic>
     </p:spTree>
     <p:extLst>
       <p:ext uri="{BB962C8B-B14F-4D97-AF65-F5344CB8AC3E}">
-        <p14:creationId xmlns:p14="http://schemas.microsoft.com/office/powerpoint/2010/main" val="385232996"/>
+        <p14:creationId xmlns:p14="http://schemas.microsoft.com/office/powerpoint/2010/main" val="3716238527"/>
       </p:ext>
     </p:extLst>
   </p:cSld>
@@ -7007,7 +7191,7 @@
           <p:cNvPr id="2" name="標題 1">
             <a:extLst>
               <a:ext uri="{FF2B5EF4-FFF2-40B4-BE49-F238E27FC236}">
-                <a16:creationId xmlns:a16="http://schemas.microsoft.com/office/drawing/2014/main" id="{6C03A3F5-704C-4EE4-B6DD-FA4008C95E09}"/>
+                <a16:creationId xmlns:a16="http://schemas.microsoft.com/office/drawing/2014/main" id="{440828B2-EA1B-4C4A-AFE0-DEC398193EB8}"/>
               </a:ext>
             </a:extLst>
           </p:cNvPr>
@@ -7025,7 +7209,7 @@
           <a:p>
             <a:r>
               <a:rPr lang="en-US" altLang="zh-TW" dirty="0"/>
-              <a:t>Array Computation / Manipulation</a:t>
+              <a:t>Creating Arrays</a:t>
             </a:r>
             <a:endParaRPr lang="zh-TW" altLang="en-US" dirty="0"/>
           </a:p>
@@ -7036,7 +7220,7 @@
           <p:cNvPr id="4" name="圖片 3">
             <a:extLst>
               <a:ext uri="{FF2B5EF4-FFF2-40B4-BE49-F238E27FC236}">
-                <a16:creationId xmlns:a16="http://schemas.microsoft.com/office/drawing/2014/main" id="{46EF6DD4-67D0-4724-AB4E-A53AB02FBF61}"/>
+                <a16:creationId xmlns:a16="http://schemas.microsoft.com/office/drawing/2014/main" id="{6736E17D-CDAA-4DC0-AEFD-0AB25BC99D96}"/>
               </a:ext>
             </a:extLst>
           </p:cNvPr>
@@ -7053,68 +7237,8 @@
         </p:blipFill>
         <p:spPr>
           <a:xfrm>
-            <a:off x="587118" y="1572018"/>
-            <a:ext cx="4243407" cy="3384376"/>
-          </a:xfrm>
-          <a:prstGeom prst="rect">
-            <a:avLst/>
-          </a:prstGeom>
-        </p:spPr>
-      </p:pic>
-      <p:pic>
-        <p:nvPicPr>
-          <p:cNvPr id="5" name="圖片 4">
-            <a:extLst>
-              <a:ext uri="{FF2B5EF4-FFF2-40B4-BE49-F238E27FC236}">
-                <a16:creationId xmlns:a16="http://schemas.microsoft.com/office/drawing/2014/main" id="{9631103E-2244-44A3-B272-94678F3689D8}"/>
-              </a:ext>
-            </a:extLst>
-          </p:cNvPr>
-          <p:cNvPicPr>
-            <a:picLocks noChangeAspect="1"/>
-          </p:cNvPicPr>
-          <p:nvPr/>
-        </p:nvPicPr>
-        <p:blipFill>
-          <a:blip r:embed="rId3"/>
-          <a:stretch>
-            <a:fillRect/>
-          </a:stretch>
-        </p:blipFill>
-        <p:spPr>
-          <a:xfrm>
-            <a:off x="587118" y="4981963"/>
-            <a:ext cx="4137691" cy="1399365"/>
-          </a:xfrm>
-          <a:prstGeom prst="rect">
-            <a:avLst/>
-          </a:prstGeom>
-        </p:spPr>
-      </p:pic>
-      <p:pic>
-        <p:nvPicPr>
-          <p:cNvPr id="6" name="圖片 5">
-            <a:extLst>
-              <a:ext uri="{FF2B5EF4-FFF2-40B4-BE49-F238E27FC236}">
-                <a16:creationId xmlns:a16="http://schemas.microsoft.com/office/drawing/2014/main" id="{4FA0524D-1994-49F6-9742-10B631A7E9FA}"/>
-              </a:ext>
-            </a:extLst>
-          </p:cNvPr>
-          <p:cNvPicPr>
-            <a:picLocks noChangeAspect="1"/>
-          </p:cNvPicPr>
-          <p:nvPr/>
-        </p:nvPicPr>
-        <p:blipFill>
-          <a:blip r:embed="rId4"/>
-          <a:stretch>
-            <a:fillRect/>
-          </a:stretch>
-        </p:blipFill>
-        <p:spPr>
-          <a:xfrm>
-            <a:off x="4877687" y="1585912"/>
-            <a:ext cx="4257675" cy="3686175"/>
+            <a:off x="914400" y="1417637"/>
+            <a:ext cx="6753944" cy="3974735"/>
           </a:xfrm>
           <a:prstGeom prst="rect">
             <a:avLst/>
@@ -7124,7 +7248,7 @@
     </p:spTree>
     <p:extLst>
       <p:ext uri="{BB962C8B-B14F-4D97-AF65-F5344CB8AC3E}">
-        <p14:creationId xmlns:p14="http://schemas.microsoft.com/office/powerpoint/2010/main" val="938701170"/>
+        <p14:creationId xmlns:p14="http://schemas.microsoft.com/office/powerpoint/2010/main" val="385232996"/>
       </p:ext>
     </p:extLst>
   </p:cSld>
@@ -7156,7 +7280,7 @@
           <p:cNvPr id="2" name="標題 1">
             <a:extLst>
               <a:ext uri="{FF2B5EF4-FFF2-40B4-BE49-F238E27FC236}">
-                <a16:creationId xmlns:a16="http://schemas.microsoft.com/office/drawing/2014/main" id="{91522B3C-6287-46C7-88DD-AACB0B559CDF}"/>
+                <a16:creationId xmlns:a16="http://schemas.microsoft.com/office/drawing/2014/main" id="{6C03A3F5-704C-4EE4-B6DD-FA4008C95E09}"/>
               </a:ext>
             </a:extLst>
           </p:cNvPr>
@@ -7174,47 +7298,106 @@
           <a:p>
             <a:r>
               <a:rPr lang="en-US" altLang="zh-TW" dirty="0"/>
-              <a:t>Cheat Sheets</a:t>
+              <a:t>Array Computation / Manipulation</a:t>
             </a:r>
             <a:endParaRPr lang="zh-TW" altLang="en-US" dirty="0"/>
           </a:p>
         </p:txBody>
       </p:sp>
-      <p:sp>
-        <p:nvSpPr>
-          <p:cNvPr id="3" name="內容版面配置區 2">
+      <p:pic>
+        <p:nvPicPr>
+          <p:cNvPr id="4" name="圖片 3">
             <a:extLst>
               <a:ext uri="{FF2B5EF4-FFF2-40B4-BE49-F238E27FC236}">
-                <a16:creationId xmlns:a16="http://schemas.microsoft.com/office/drawing/2014/main" id="{398DFCFA-1232-41C2-9767-AA800C66C4D9}"/>
+                <a16:creationId xmlns:a16="http://schemas.microsoft.com/office/drawing/2014/main" id="{46EF6DD4-67D0-4724-AB4E-A53AB02FBF61}"/>
               </a:ext>
             </a:extLst>
           </p:cNvPr>
-          <p:cNvSpPr>
-            <a:spLocks noGrp="1"/>
-          </p:cNvSpPr>
-          <p:nvPr>
-            <p:ph sz="quarter" idx="1"/>
-          </p:nvPr>
-        </p:nvSpPr>
-        <p:spPr/>
-        <p:txBody>
-          <a:bodyPr/>
-          <a:lstStyle/>
-          <a:p>
-            <a:r>
-              <a:rPr lang="en-US" altLang="zh-TW" dirty="0">
-                <a:hlinkClick r:id="rId2"/>
-              </a:rPr>
-              <a:t>https://sinxloud.com/python-cheat-sheet-beginner-advanced/</a:t>
-            </a:r>
-            <a:endParaRPr lang="zh-TW" altLang="en-US" dirty="0"/>
-          </a:p>
-        </p:txBody>
-      </p:sp>
+          <p:cNvPicPr>
+            <a:picLocks noChangeAspect="1"/>
+          </p:cNvPicPr>
+          <p:nvPr/>
+        </p:nvPicPr>
+        <p:blipFill>
+          <a:blip r:embed="rId2"/>
+          <a:stretch>
+            <a:fillRect/>
+          </a:stretch>
+        </p:blipFill>
+        <p:spPr>
+          <a:xfrm>
+            <a:off x="587118" y="1572018"/>
+            <a:ext cx="4243407" cy="3384376"/>
+          </a:xfrm>
+          <a:prstGeom prst="rect">
+            <a:avLst/>
+          </a:prstGeom>
+        </p:spPr>
+      </p:pic>
+      <p:pic>
+        <p:nvPicPr>
+          <p:cNvPr id="5" name="圖片 4">
+            <a:extLst>
+              <a:ext uri="{FF2B5EF4-FFF2-40B4-BE49-F238E27FC236}">
+                <a16:creationId xmlns:a16="http://schemas.microsoft.com/office/drawing/2014/main" id="{9631103E-2244-44A3-B272-94678F3689D8}"/>
+              </a:ext>
+            </a:extLst>
+          </p:cNvPr>
+          <p:cNvPicPr>
+            <a:picLocks noChangeAspect="1"/>
+          </p:cNvPicPr>
+          <p:nvPr/>
+        </p:nvPicPr>
+        <p:blipFill>
+          <a:blip r:embed="rId3"/>
+          <a:stretch>
+            <a:fillRect/>
+          </a:stretch>
+        </p:blipFill>
+        <p:spPr>
+          <a:xfrm>
+            <a:off x="587118" y="4981963"/>
+            <a:ext cx="4137691" cy="1399365"/>
+          </a:xfrm>
+          <a:prstGeom prst="rect">
+            <a:avLst/>
+          </a:prstGeom>
+        </p:spPr>
+      </p:pic>
+      <p:pic>
+        <p:nvPicPr>
+          <p:cNvPr id="6" name="圖片 5">
+            <a:extLst>
+              <a:ext uri="{FF2B5EF4-FFF2-40B4-BE49-F238E27FC236}">
+                <a16:creationId xmlns:a16="http://schemas.microsoft.com/office/drawing/2014/main" id="{4FA0524D-1994-49F6-9742-10B631A7E9FA}"/>
+              </a:ext>
+            </a:extLst>
+          </p:cNvPr>
+          <p:cNvPicPr>
+            <a:picLocks noChangeAspect="1"/>
+          </p:cNvPicPr>
+          <p:nvPr/>
+        </p:nvPicPr>
+        <p:blipFill>
+          <a:blip r:embed="rId4"/>
+          <a:stretch>
+            <a:fillRect/>
+          </a:stretch>
+        </p:blipFill>
+        <p:spPr>
+          <a:xfrm>
+            <a:off x="4877687" y="1585912"/>
+            <a:ext cx="4257675" cy="3686175"/>
+          </a:xfrm>
+          <a:prstGeom prst="rect">
+            <a:avLst/>
+          </a:prstGeom>
+        </p:spPr>
+      </p:pic>
     </p:spTree>
     <p:extLst>
       <p:ext uri="{BB962C8B-B14F-4D97-AF65-F5344CB8AC3E}">
-        <p14:creationId xmlns:p14="http://schemas.microsoft.com/office/powerpoint/2010/main" val="387469540"/>
+        <p14:creationId xmlns:p14="http://schemas.microsoft.com/office/powerpoint/2010/main" val="938701170"/>
       </p:ext>
     </p:extLst>
   </p:cSld>
@@ -7243,6 +7426,96 @@
       </p:grpSpPr>
       <p:sp>
         <p:nvSpPr>
+          <p:cNvPr id="2" name="標題 1">
+            <a:extLst>
+              <a:ext uri="{FF2B5EF4-FFF2-40B4-BE49-F238E27FC236}">
+                <a16:creationId xmlns:a16="http://schemas.microsoft.com/office/drawing/2014/main" id="{91522B3C-6287-46C7-88DD-AACB0B559CDF}"/>
+              </a:ext>
+            </a:extLst>
+          </p:cNvPr>
+          <p:cNvSpPr>
+            <a:spLocks noGrp="1"/>
+          </p:cNvSpPr>
+          <p:nvPr>
+            <p:ph type="title"/>
+          </p:nvPr>
+        </p:nvSpPr>
+        <p:spPr/>
+        <p:txBody>
+          <a:bodyPr/>
+          <a:lstStyle/>
+          <a:p>
+            <a:r>
+              <a:rPr lang="en-US" altLang="zh-TW" dirty="0"/>
+              <a:t>Cheat Sheets</a:t>
+            </a:r>
+            <a:endParaRPr lang="zh-TW" altLang="en-US" dirty="0"/>
+          </a:p>
+        </p:txBody>
+      </p:sp>
+      <p:sp>
+        <p:nvSpPr>
+          <p:cNvPr id="3" name="內容版面配置區 2">
+            <a:extLst>
+              <a:ext uri="{FF2B5EF4-FFF2-40B4-BE49-F238E27FC236}">
+                <a16:creationId xmlns:a16="http://schemas.microsoft.com/office/drawing/2014/main" id="{398DFCFA-1232-41C2-9767-AA800C66C4D9}"/>
+              </a:ext>
+            </a:extLst>
+          </p:cNvPr>
+          <p:cNvSpPr>
+            <a:spLocks noGrp="1"/>
+          </p:cNvSpPr>
+          <p:nvPr>
+            <p:ph sz="quarter" idx="1"/>
+          </p:nvPr>
+        </p:nvSpPr>
+        <p:spPr/>
+        <p:txBody>
+          <a:bodyPr/>
+          <a:lstStyle/>
+          <a:p>
+            <a:r>
+              <a:rPr lang="en-US" altLang="zh-TW" dirty="0">
+                <a:hlinkClick r:id="rId2"/>
+              </a:rPr>
+              <a:t>https://sinxloud.com/python-cheat-sheet-beginner-advanced/</a:t>
+            </a:r>
+            <a:endParaRPr lang="zh-TW" altLang="en-US" dirty="0"/>
+          </a:p>
+        </p:txBody>
+      </p:sp>
+    </p:spTree>
+    <p:extLst>
+      <p:ext uri="{BB962C8B-B14F-4D97-AF65-F5344CB8AC3E}">
+        <p14:creationId xmlns:p14="http://schemas.microsoft.com/office/powerpoint/2010/main" val="387469540"/>
+      </p:ext>
+    </p:extLst>
+  </p:cSld>
+  <p:clrMapOvr>
+    <a:masterClrMapping/>
+  </p:clrMapOvr>
+</p:sld>
+</file>
+
+<file path=ppt/slides/slide29.xml><?xml version="1.0" encoding="utf-8"?>
+<p:sld xmlns:a="http://schemas.openxmlformats.org/drawingml/2006/main" xmlns:r="http://schemas.openxmlformats.org/officeDocument/2006/relationships" xmlns:p="http://schemas.openxmlformats.org/presentationml/2006/main">
+  <p:cSld>
+    <p:spTree>
+      <p:nvGrpSpPr>
+        <p:cNvPr id="1" name=""/>
+        <p:cNvGrpSpPr/>
+        <p:nvPr/>
+      </p:nvGrpSpPr>
+      <p:grpSpPr>
+        <a:xfrm>
+          <a:off x="0" y="0"/>
+          <a:ext cx="0" cy="0"/>
+          <a:chOff x="0" y="0"/>
+          <a:chExt cx="0" cy="0"/>
+        </a:xfrm>
+      </p:grpSpPr>
+      <p:sp>
+        <p:nvSpPr>
           <p:cNvPr id="2" name="Title 1"/>
           <p:cNvSpPr>
             <a:spLocks noGrp="1"/>
@@ -7416,7 +7689,1428 @@
 </p:sld>
 </file>
 
-<file path=ppt/slides/slide29.xml><?xml version="1.0" encoding="utf-8"?>
+<file path=ppt/slides/slide3.xml><?xml version="1.0" encoding="utf-8"?>
+<p:sld xmlns:a="http://schemas.openxmlformats.org/drawingml/2006/main" xmlns:r="http://schemas.openxmlformats.org/officeDocument/2006/relationships" xmlns:p="http://schemas.openxmlformats.org/presentationml/2006/main">
+  <p:cSld>
+    <p:spTree>
+      <p:nvGrpSpPr>
+        <p:cNvPr id="1" name=""/>
+        <p:cNvGrpSpPr/>
+        <p:nvPr/>
+      </p:nvGrpSpPr>
+      <p:grpSpPr>
+        <a:xfrm>
+          <a:off x="0" y="0"/>
+          <a:ext cx="0" cy="0"/>
+          <a:chOff x="0" y="0"/>
+          <a:chExt cx="0" cy="0"/>
+        </a:xfrm>
+      </p:grpSpPr>
+      <p:sp>
+        <p:nvSpPr>
+          <p:cNvPr id="8" name="標題 7">
+            <a:extLst>
+              <a:ext uri="{FF2B5EF4-FFF2-40B4-BE49-F238E27FC236}">
+                <a16:creationId xmlns:a16="http://schemas.microsoft.com/office/drawing/2014/main" id="{750FDCCD-59F2-4DA7-AC8F-230BA8DE61DB}"/>
+              </a:ext>
+            </a:extLst>
+          </p:cNvPr>
+          <p:cNvSpPr>
+            <a:spLocks noGrp="1"/>
+          </p:cNvSpPr>
+          <p:nvPr>
+            <p:ph type="title"/>
+          </p:nvPr>
+        </p:nvSpPr>
+        <p:spPr/>
+        <p:txBody>
+          <a:bodyPr/>
+          <a:lstStyle/>
+          <a:p>
+            <a:r>
+              <a:rPr lang="en-US" altLang="zh-TW" dirty="0"/>
+              <a:t>From data to model</a:t>
+            </a:r>
+            <a:endParaRPr lang="zh-TW" altLang="en-US" dirty="0"/>
+          </a:p>
+        </p:txBody>
+      </p:sp>
+      <p:pic>
+        <p:nvPicPr>
+          <p:cNvPr id="1026" name="Picture 2" descr="database iconçåçæå°çµæ">
+            <a:extLst>
+              <a:ext uri="{FF2B5EF4-FFF2-40B4-BE49-F238E27FC236}">
+                <a16:creationId xmlns:a16="http://schemas.microsoft.com/office/drawing/2014/main" id="{6DB6AFF4-556A-4EF9-9D37-D40AABFF121D}"/>
+              </a:ext>
+            </a:extLst>
+          </p:cNvPr>
+          <p:cNvPicPr>
+            <a:picLocks noChangeAspect="1" noChangeArrowheads="1"/>
+          </p:cNvPicPr>
+          <p:nvPr/>
+        </p:nvPicPr>
+        <p:blipFill>
+          <a:blip r:embed="rId2" cstate="print">
+            <a:extLst>
+              <a:ext uri="{28A0092B-C50C-407E-A947-70E740481C1C}">
+                <a14:useLocalDpi xmlns:a14="http://schemas.microsoft.com/office/drawing/2010/main" val="0"/>
+              </a:ext>
+            </a:extLst>
+          </a:blip>
+          <a:srcRect/>
+          <a:stretch>
+            <a:fillRect/>
+          </a:stretch>
+        </p:blipFill>
+        <p:spPr bwMode="auto">
+          <a:xfrm>
+            <a:off x="611560" y="2204864"/>
+            <a:ext cx="794947" cy="794947"/>
+          </a:xfrm>
+          <a:prstGeom prst="rect">
+            <a:avLst/>
+          </a:prstGeom>
+          <a:noFill/>
+          <a:extLst>
+            <a:ext uri="{909E8E84-426E-40DD-AFC4-6F175D3DCCD1}">
+              <a14:hiddenFill xmlns:a14="http://schemas.microsoft.com/office/drawing/2010/main">
+                <a:solidFill>
+                  <a:srgbClr val="FFFFFF"/>
+                </a:solidFill>
+              </a14:hiddenFill>
+            </a:ext>
+          </a:extLst>
+        </p:spPr>
+      </p:pic>
+      <p:sp>
+        <p:nvSpPr>
+          <p:cNvPr id="10" name="文字方塊 9">
+            <a:extLst>
+              <a:ext uri="{FF2B5EF4-FFF2-40B4-BE49-F238E27FC236}">
+                <a16:creationId xmlns:a16="http://schemas.microsoft.com/office/drawing/2014/main" id="{5AD9053F-B2E4-449C-B6A7-8F9E69577614}"/>
+              </a:ext>
+            </a:extLst>
+          </p:cNvPr>
+          <p:cNvSpPr txBox="1"/>
+          <p:nvPr/>
+        </p:nvSpPr>
+        <p:spPr>
+          <a:xfrm>
+            <a:off x="539552" y="2996239"/>
+            <a:ext cx="1152128" cy="369332"/>
+          </a:xfrm>
+          <a:prstGeom prst="rect">
+            <a:avLst/>
+          </a:prstGeom>
+          <a:noFill/>
+        </p:spPr>
+        <p:txBody>
+          <a:bodyPr wrap="square" rtlCol="0">
+            <a:spAutoFit/>
+          </a:bodyPr>
+          <a:lstStyle/>
+          <a:p>
+            <a:r>
+              <a:rPr lang="en-US" altLang="zh-TW" dirty="0"/>
+              <a:t>Database</a:t>
+            </a:r>
+            <a:endParaRPr lang="zh-TW" altLang="en-US" dirty="0"/>
+          </a:p>
+        </p:txBody>
+      </p:sp>
+      <p:pic>
+        <p:nvPicPr>
+          <p:cNvPr id="18" name="圖片 17">
+            <a:extLst>
+              <a:ext uri="{FF2B5EF4-FFF2-40B4-BE49-F238E27FC236}">
+                <a16:creationId xmlns:a16="http://schemas.microsoft.com/office/drawing/2014/main" id="{A5E15BB3-230F-4818-A7DC-E9F06F5FAD41}"/>
+              </a:ext>
+            </a:extLst>
+          </p:cNvPr>
+          <p:cNvPicPr>
+            <a:picLocks noChangeAspect="1"/>
+          </p:cNvPicPr>
+          <p:nvPr/>
+        </p:nvPicPr>
+        <p:blipFill>
+          <a:blip r:embed="rId3"/>
+          <a:stretch>
+            <a:fillRect/>
+          </a:stretch>
+        </p:blipFill>
+        <p:spPr>
+          <a:xfrm>
+            <a:off x="2555776" y="2257018"/>
+            <a:ext cx="936105" cy="690637"/>
+          </a:xfrm>
+          <a:prstGeom prst="rect">
+            <a:avLst/>
+          </a:prstGeom>
+        </p:spPr>
+      </p:pic>
+      <p:sp>
+        <p:nvSpPr>
+          <p:cNvPr id="20" name="文字方塊 19">
+            <a:extLst>
+              <a:ext uri="{FF2B5EF4-FFF2-40B4-BE49-F238E27FC236}">
+                <a16:creationId xmlns:a16="http://schemas.microsoft.com/office/drawing/2014/main" id="{26D92F18-DD56-43CF-9D28-BC7A6D7D912C}"/>
+              </a:ext>
+            </a:extLst>
+          </p:cNvPr>
+          <p:cNvSpPr txBox="1"/>
+          <p:nvPr/>
+        </p:nvSpPr>
+        <p:spPr>
+          <a:xfrm>
+            <a:off x="2540960" y="2981238"/>
+            <a:ext cx="1382968" cy="538609"/>
+          </a:xfrm>
+          <a:prstGeom prst="rect">
+            <a:avLst/>
+          </a:prstGeom>
+          <a:noFill/>
+        </p:spPr>
+        <p:txBody>
+          <a:bodyPr wrap="square" rtlCol="0">
+            <a:spAutoFit/>
+          </a:bodyPr>
+          <a:lstStyle/>
+          <a:p>
+            <a:r>
+              <a:rPr lang="en-US" altLang="zh-TW" dirty="0"/>
+              <a:t>Data Table</a:t>
+            </a:r>
+            <a:br>
+              <a:rPr lang="en-US" altLang="zh-TW" dirty="0"/>
+            </a:br>
+            <a:r>
+              <a:rPr lang="en-US" altLang="zh-TW" sz="1100" dirty="0"/>
+              <a:t>(numeric + category)</a:t>
+            </a:r>
+            <a:endParaRPr lang="zh-TW" altLang="en-US" dirty="0"/>
+          </a:p>
+        </p:txBody>
+      </p:sp>
+      <p:cxnSp>
+        <p:nvCxnSpPr>
+          <p:cNvPr id="21" name="直線單箭頭接點 20">
+            <a:extLst>
+              <a:ext uri="{FF2B5EF4-FFF2-40B4-BE49-F238E27FC236}">
+                <a16:creationId xmlns:a16="http://schemas.microsoft.com/office/drawing/2014/main" id="{7C3EBFF7-70EC-4226-9942-42622F76FC6A}"/>
+              </a:ext>
+            </a:extLst>
+          </p:cNvPr>
+          <p:cNvCxnSpPr>
+            <a:stCxn id="1026" idx="3"/>
+            <a:endCxn id="18" idx="1"/>
+          </p:cNvCxnSpPr>
+          <p:nvPr/>
+        </p:nvCxnSpPr>
+        <p:spPr>
+          <a:xfrm flipV="1">
+            <a:off x="1406507" y="2602337"/>
+            <a:ext cx="1149269" cy="1"/>
+          </a:xfrm>
+          <a:prstGeom prst="straightConnector1">
+            <a:avLst/>
+          </a:prstGeom>
+          <a:ln>
+            <a:tailEnd type="triangle"/>
+          </a:ln>
+        </p:spPr>
+        <p:style>
+          <a:lnRef idx="1">
+            <a:schemeClr val="accent1"/>
+          </a:lnRef>
+          <a:fillRef idx="0">
+            <a:schemeClr val="accent1"/>
+          </a:fillRef>
+          <a:effectRef idx="0">
+            <a:schemeClr val="accent1"/>
+          </a:effectRef>
+          <a:fontRef idx="minor">
+            <a:schemeClr val="tx1"/>
+          </a:fontRef>
+        </p:style>
+      </p:cxnSp>
+      <p:pic>
+        <p:nvPicPr>
+          <p:cNvPr id="1036" name="Picture 12" descr="pandas iconçåçæå°çµæ">
+            <a:extLst>
+              <a:ext uri="{FF2B5EF4-FFF2-40B4-BE49-F238E27FC236}">
+                <a16:creationId xmlns:a16="http://schemas.microsoft.com/office/drawing/2014/main" id="{D5B8DB62-EA9B-45E6-B10D-0B31B3242333}"/>
+              </a:ext>
+            </a:extLst>
+          </p:cNvPr>
+          <p:cNvPicPr>
+            <a:picLocks noChangeAspect="1" noChangeArrowheads="1"/>
+          </p:cNvPicPr>
+          <p:nvPr/>
+        </p:nvPicPr>
+        <p:blipFill>
+          <a:blip r:embed="rId4" cstate="print">
+            <a:extLst>
+              <a:ext uri="{28A0092B-C50C-407E-A947-70E740481C1C}">
+                <a14:useLocalDpi xmlns:a14="http://schemas.microsoft.com/office/drawing/2010/main" val="0"/>
+              </a:ext>
+            </a:extLst>
+          </a:blip>
+          <a:srcRect/>
+          <a:stretch>
+            <a:fillRect/>
+          </a:stretch>
+        </p:blipFill>
+        <p:spPr bwMode="auto">
+          <a:xfrm>
+            <a:off x="1406507" y="2347380"/>
+            <a:ext cx="1077255" cy="224428"/>
+          </a:xfrm>
+          <a:prstGeom prst="rect">
+            <a:avLst/>
+          </a:prstGeom>
+          <a:noFill/>
+          <a:extLst>
+            <a:ext uri="{909E8E84-426E-40DD-AFC4-6F175D3DCCD1}">
+              <a14:hiddenFill xmlns:a14="http://schemas.microsoft.com/office/drawing/2010/main">
+                <a:solidFill>
+                  <a:srgbClr val="FFFFFF"/>
+                </a:solidFill>
+              </a14:hiddenFill>
+            </a:ext>
+          </a:extLst>
+        </p:spPr>
+      </p:pic>
+      <p:pic>
+        <p:nvPicPr>
+          <p:cNvPr id="23" name="圖片 22">
+            <a:extLst>
+              <a:ext uri="{FF2B5EF4-FFF2-40B4-BE49-F238E27FC236}">
+                <a16:creationId xmlns:a16="http://schemas.microsoft.com/office/drawing/2014/main" id="{417CFEE6-17A5-4146-8F85-FA668A1ADD20}"/>
+              </a:ext>
+            </a:extLst>
+          </p:cNvPr>
+          <p:cNvPicPr>
+            <a:picLocks noChangeAspect="1"/>
+          </p:cNvPicPr>
+          <p:nvPr/>
+        </p:nvPicPr>
+        <p:blipFill>
+          <a:blip r:embed="rId5"/>
+          <a:stretch>
+            <a:fillRect/>
+          </a:stretch>
+        </p:blipFill>
+        <p:spPr>
+          <a:xfrm>
+            <a:off x="1457947" y="2652814"/>
+            <a:ext cx="322839" cy="373955"/>
+          </a:xfrm>
+          <a:prstGeom prst="rect">
+            <a:avLst/>
+          </a:prstGeom>
+        </p:spPr>
+      </p:pic>
+      <p:sp>
+        <p:nvSpPr>
+          <p:cNvPr id="24" name="矩形 23">
+            <a:extLst>
+              <a:ext uri="{FF2B5EF4-FFF2-40B4-BE49-F238E27FC236}">
+                <a16:creationId xmlns:a16="http://schemas.microsoft.com/office/drawing/2014/main" id="{8652B396-C796-481D-B207-054943E81B4C}"/>
+              </a:ext>
+            </a:extLst>
+          </p:cNvPr>
+          <p:cNvSpPr/>
+          <p:nvPr/>
+        </p:nvSpPr>
+        <p:spPr>
+          <a:xfrm>
+            <a:off x="1780786" y="2593588"/>
+            <a:ext cx="790601" cy="369332"/>
+          </a:xfrm>
+          <a:prstGeom prst="rect">
+            <a:avLst/>
+          </a:prstGeom>
+        </p:spPr>
+        <p:txBody>
+          <a:bodyPr wrap="none">
+            <a:spAutoFit/>
+          </a:bodyPr>
+          <a:lstStyle/>
+          <a:p>
+            <a:r>
+              <a:rPr lang="en-US" altLang="zh-TW" sz="900" dirty="0"/>
+              <a:t>R </a:t>
+            </a:r>
+            <a:r>
+              <a:rPr lang="en-US" altLang="zh-TW" sz="900" dirty="0" err="1"/>
+              <a:t>data.frame</a:t>
+            </a:r>
+            <a:endParaRPr lang="en-US" altLang="zh-TW" sz="900" dirty="0"/>
+          </a:p>
+          <a:p>
+            <a:r>
+              <a:rPr lang="en-US" altLang="zh-TW" sz="900" dirty="0" err="1"/>
+              <a:t>data.table</a:t>
+            </a:r>
+            <a:endParaRPr lang="zh-TW" altLang="en-US" sz="900" dirty="0"/>
+          </a:p>
+        </p:txBody>
+      </p:sp>
+      <p:pic>
+        <p:nvPicPr>
+          <p:cNvPr id="1040" name="Picture 16" descr="R lm glm iconçåçæå°çµæ">
+            <a:extLst>
+              <a:ext uri="{FF2B5EF4-FFF2-40B4-BE49-F238E27FC236}">
+                <a16:creationId xmlns:a16="http://schemas.microsoft.com/office/drawing/2014/main" id="{843460A6-B7C3-449C-A8E0-DA82106204AA}"/>
+              </a:ext>
+            </a:extLst>
+          </p:cNvPr>
+          <p:cNvPicPr>
+            <a:picLocks noChangeAspect="1" noChangeArrowheads="1"/>
+          </p:cNvPicPr>
+          <p:nvPr/>
+        </p:nvPicPr>
+        <p:blipFill>
+          <a:blip r:embed="rId6" cstate="print">
+            <a:extLst>
+              <a:ext uri="{28A0092B-C50C-407E-A947-70E740481C1C}">
+                <a14:useLocalDpi xmlns:a14="http://schemas.microsoft.com/office/drawing/2010/main" val="0"/>
+              </a:ext>
+            </a:extLst>
+          </a:blip>
+          <a:srcRect/>
+          <a:stretch>
+            <a:fillRect/>
+          </a:stretch>
+        </p:blipFill>
+        <p:spPr bwMode="auto">
+          <a:xfrm>
+            <a:off x="5220074" y="2085798"/>
+            <a:ext cx="1285314" cy="1015579"/>
+          </a:xfrm>
+          <a:prstGeom prst="rect">
+            <a:avLst/>
+          </a:prstGeom>
+          <a:noFill/>
+          <a:extLst>
+            <a:ext uri="{909E8E84-426E-40DD-AFC4-6F175D3DCCD1}">
+              <a14:hiddenFill xmlns:a14="http://schemas.microsoft.com/office/drawing/2010/main">
+                <a:solidFill>
+                  <a:srgbClr val="FFFFFF"/>
+                </a:solidFill>
+              </a14:hiddenFill>
+            </a:ext>
+          </a:extLst>
+        </p:spPr>
+      </p:pic>
+      <p:cxnSp>
+        <p:nvCxnSpPr>
+          <p:cNvPr id="28" name="直線單箭頭接點 27">
+            <a:extLst>
+              <a:ext uri="{FF2B5EF4-FFF2-40B4-BE49-F238E27FC236}">
+                <a16:creationId xmlns:a16="http://schemas.microsoft.com/office/drawing/2014/main" id="{3E63AF4A-740A-4736-B828-027E09A54F3F}"/>
+              </a:ext>
+            </a:extLst>
+          </p:cNvPr>
+          <p:cNvCxnSpPr>
+            <a:cxnSpLocks/>
+            <a:stCxn id="18" idx="3"/>
+            <a:endCxn id="1040" idx="1"/>
+          </p:cNvCxnSpPr>
+          <p:nvPr/>
+        </p:nvCxnSpPr>
+        <p:spPr>
+          <a:xfrm flipV="1">
+            <a:off x="3491881" y="2593588"/>
+            <a:ext cx="1728193" cy="8749"/>
+          </a:xfrm>
+          <a:prstGeom prst="straightConnector1">
+            <a:avLst/>
+          </a:prstGeom>
+          <a:ln>
+            <a:tailEnd type="triangle"/>
+          </a:ln>
+        </p:spPr>
+        <p:style>
+          <a:lnRef idx="1">
+            <a:schemeClr val="accent1"/>
+          </a:lnRef>
+          <a:fillRef idx="0">
+            <a:schemeClr val="accent1"/>
+          </a:fillRef>
+          <a:effectRef idx="0">
+            <a:schemeClr val="accent1"/>
+          </a:effectRef>
+          <a:fontRef idx="minor">
+            <a:schemeClr val="tx1"/>
+          </a:fontRef>
+        </p:style>
+      </p:cxnSp>
+      <p:sp>
+        <p:nvSpPr>
+          <p:cNvPr id="32" name="矩形 31">
+            <a:extLst>
+              <a:ext uri="{FF2B5EF4-FFF2-40B4-BE49-F238E27FC236}">
+                <a16:creationId xmlns:a16="http://schemas.microsoft.com/office/drawing/2014/main" id="{52756123-3C8F-4F4A-AB8F-DA62E81AA8D5}"/>
+              </a:ext>
+            </a:extLst>
+          </p:cNvPr>
+          <p:cNvSpPr/>
+          <p:nvPr/>
+        </p:nvSpPr>
+        <p:spPr>
+          <a:xfrm>
+            <a:off x="4210645" y="2142666"/>
+            <a:ext cx="923651" cy="430887"/>
+          </a:xfrm>
+          <a:prstGeom prst="rect">
+            <a:avLst/>
+          </a:prstGeom>
+        </p:spPr>
+        <p:txBody>
+          <a:bodyPr wrap="none">
+            <a:spAutoFit/>
+          </a:bodyPr>
+          <a:lstStyle/>
+          <a:p>
+            <a:r>
+              <a:rPr lang="en-US" altLang="zh-TW" sz="1100" dirty="0" err="1"/>
+              <a:t>lm</a:t>
+            </a:r>
+            <a:r>
+              <a:rPr lang="en-US" altLang="zh-TW" sz="1100" dirty="0"/>
+              <a:t> / </a:t>
+            </a:r>
+            <a:r>
+              <a:rPr lang="en-US" altLang="zh-TW" sz="1100" dirty="0" err="1"/>
+              <a:t>glm</a:t>
+            </a:r>
+            <a:r>
+              <a:rPr lang="en-US" altLang="zh-TW" sz="1100" dirty="0"/>
+              <a:t> / </a:t>
+            </a:r>
+          </a:p>
+          <a:p>
+            <a:r>
+              <a:rPr lang="en-US" altLang="zh-TW" sz="1100" dirty="0" err="1"/>
+              <a:t>ts</a:t>
+            </a:r>
+            <a:r>
+              <a:rPr lang="en-US" altLang="zh-TW" sz="1100" dirty="0"/>
+              <a:t> / CART / …</a:t>
+            </a:r>
+            <a:endParaRPr lang="zh-TW" altLang="en-US" sz="1100" dirty="0"/>
+          </a:p>
+        </p:txBody>
+      </p:sp>
+      <p:sp>
+        <p:nvSpPr>
+          <p:cNvPr id="33" name="矩形 32">
+            <a:extLst>
+              <a:ext uri="{FF2B5EF4-FFF2-40B4-BE49-F238E27FC236}">
+                <a16:creationId xmlns:a16="http://schemas.microsoft.com/office/drawing/2014/main" id="{3B33CC91-2878-47A9-AFCE-504913C13B6D}"/>
+              </a:ext>
+            </a:extLst>
+          </p:cNvPr>
+          <p:cNvSpPr/>
+          <p:nvPr/>
+        </p:nvSpPr>
+        <p:spPr>
+          <a:xfrm>
+            <a:off x="2494676" y="1980019"/>
+            <a:ext cx="1307987" cy="276999"/>
+          </a:xfrm>
+          <a:prstGeom prst="rect">
+            <a:avLst/>
+          </a:prstGeom>
+        </p:spPr>
+        <p:txBody>
+          <a:bodyPr wrap="none">
+            <a:spAutoFit/>
+          </a:bodyPr>
+          <a:lstStyle/>
+          <a:p>
+            <a:r>
+              <a:rPr lang="en-US" altLang="zh-TW" sz="1200" dirty="0"/>
+              <a:t>Type = </a:t>
+            </a:r>
+            <a:r>
+              <a:rPr lang="en-US" altLang="zh-TW" sz="1200" dirty="0" err="1"/>
+              <a:t>data.frame</a:t>
+            </a:r>
+            <a:endParaRPr lang="zh-TW" altLang="en-US" sz="1200" dirty="0"/>
+          </a:p>
+        </p:txBody>
+      </p:sp>
+      <p:pic>
+        <p:nvPicPr>
+          <p:cNvPr id="1042" name="Picture 18" descr="array iconçåçæå°çµæ">
+            <a:extLst>
+              <a:ext uri="{FF2B5EF4-FFF2-40B4-BE49-F238E27FC236}">
+                <a16:creationId xmlns:a16="http://schemas.microsoft.com/office/drawing/2014/main" id="{35428726-78CC-4C58-ACAC-45DD75AAF44F}"/>
+              </a:ext>
+            </a:extLst>
+          </p:cNvPr>
+          <p:cNvPicPr>
+            <a:picLocks noChangeAspect="1" noChangeArrowheads="1"/>
+          </p:cNvPicPr>
+          <p:nvPr/>
+        </p:nvPicPr>
+        <p:blipFill>
+          <a:blip r:embed="rId7" cstate="print">
+            <a:extLst>
+              <a:ext uri="{28A0092B-C50C-407E-A947-70E740481C1C}">
+                <a14:useLocalDpi xmlns:a14="http://schemas.microsoft.com/office/drawing/2010/main" val="0"/>
+              </a:ext>
+            </a:extLst>
+          </a:blip>
+          <a:srcRect/>
+          <a:stretch>
+            <a:fillRect/>
+          </a:stretch>
+        </p:blipFill>
+        <p:spPr bwMode="auto">
+          <a:xfrm>
+            <a:off x="5220074" y="3901079"/>
+            <a:ext cx="752496" cy="752496"/>
+          </a:xfrm>
+          <a:prstGeom prst="rect">
+            <a:avLst/>
+          </a:prstGeom>
+          <a:noFill/>
+          <a:extLst>
+            <a:ext uri="{909E8E84-426E-40DD-AFC4-6F175D3DCCD1}">
+              <a14:hiddenFill xmlns:a14="http://schemas.microsoft.com/office/drawing/2010/main">
+                <a:solidFill>
+                  <a:srgbClr val="FFFFFF"/>
+                </a:solidFill>
+              </a14:hiddenFill>
+            </a:ext>
+          </a:extLst>
+        </p:spPr>
+      </p:pic>
+      <p:sp>
+        <p:nvSpPr>
+          <p:cNvPr id="35" name="文字方塊 34">
+            <a:extLst>
+              <a:ext uri="{FF2B5EF4-FFF2-40B4-BE49-F238E27FC236}">
+                <a16:creationId xmlns:a16="http://schemas.microsoft.com/office/drawing/2014/main" id="{CFB0B17C-3290-4522-AFBB-9EF8E053D82F}"/>
+              </a:ext>
+            </a:extLst>
+          </p:cNvPr>
+          <p:cNvSpPr txBox="1"/>
+          <p:nvPr/>
+        </p:nvSpPr>
+        <p:spPr>
+          <a:xfrm>
+            <a:off x="5122420" y="4656467"/>
+            <a:ext cx="1609820" cy="538609"/>
+          </a:xfrm>
+          <a:prstGeom prst="rect">
+            <a:avLst/>
+          </a:prstGeom>
+          <a:noFill/>
+        </p:spPr>
+        <p:txBody>
+          <a:bodyPr wrap="square" rtlCol="0">
+            <a:spAutoFit/>
+          </a:bodyPr>
+          <a:lstStyle/>
+          <a:p>
+            <a:r>
+              <a:rPr lang="en-US" altLang="zh-TW" dirty="0"/>
+              <a:t>Array / Matrix</a:t>
+            </a:r>
+          </a:p>
+          <a:p>
+            <a:r>
+              <a:rPr lang="en-US" altLang="zh-TW" sz="1100" dirty="0">
+                <a:solidFill>
+                  <a:prstClr val="black"/>
+                </a:solidFill>
+              </a:rPr>
+              <a:t>(numeric only!!!)</a:t>
+            </a:r>
+            <a:endParaRPr lang="zh-TW" altLang="en-US" dirty="0"/>
+          </a:p>
+        </p:txBody>
+      </p:sp>
+      <p:sp>
+        <p:nvSpPr>
+          <p:cNvPr id="36" name="矩形 35">
+            <a:extLst>
+              <a:ext uri="{FF2B5EF4-FFF2-40B4-BE49-F238E27FC236}">
+                <a16:creationId xmlns:a16="http://schemas.microsoft.com/office/drawing/2014/main" id="{4EFE1CE2-17D6-4E83-A71C-87AAD176E17B}"/>
+              </a:ext>
+            </a:extLst>
+          </p:cNvPr>
+          <p:cNvSpPr/>
+          <p:nvPr/>
+        </p:nvSpPr>
+        <p:spPr>
+          <a:xfrm>
+            <a:off x="5184220" y="3621188"/>
+            <a:ext cx="1141466" cy="276999"/>
+          </a:xfrm>
+          <a:prstGeom prst="rect">
+            <a:avLst/>
+          </a:prstGeom>
+        </p:spPr>
+        <p:txBody>
+          <a:bodyPr wrap="none">
+            <a:spAutoFit/>
+          </a:bodyPr>
+          <a:lstStyle/>
+          <a:p>
+            <a:r>
+              <a:rPr lang="en-US" altLang="zh-TW" sz="1200" dirty="0"/>
+              <a:t>Type = </a:t>
+            </a:r>
+            <a:r>
+              <a:rPr lang="en-US" altLang="zh-TW" sz="1200" dirty="0" err="1"/>
+              <a:t>np.array</a:t>
+            </a:r>
+            <a:endParaRPr lang="zh-TW" altLang="en-US" sz="1200" dirty="0"/>
+          </a:p>
+        </p:txBody>
+      </p:sp>
+      <p:cxnSp>
+        <p:nvCxnSpPr>
+          <p:cNvPr id="29" name="接點: 肘形 28">
+            <a:extLst>
+              <a:ext uri="{FF2B5EF4-FFF2-40B4-BE49-F238E27FC236}">
+                <a16:creationId xmlns:a16="http://schemas.microsoft.com/office/drawing/2014/main" id="{76C9AF6F-9C35-43A8-A8FA-9B77F2D2600B}"/>
+              </a:ext>
+            </a:extLst>
+          </p:cNvPr>
+          <p:cNvCxnSpPr>
+            <a:stCxn id="18" idx="3"/>
+            <a:endCxn id="1042" idx="1"/>
+          </p:cNvCxnSpPr>
+          <p:nvPr/>
+        </p:nvCxnSpPr>
+        <p:spPr>
+          <a:xfrm>
+            <a:off x="3491881" y="2602337"/>
+            <a:ext cx="1728193" cy="1674990"/>
+          </a:xfrm>
+          <a:prstGeom prst="bentConnector3">
+            <a:avLst/>
+          </a:prstGeom>
+          <a:ln>
+            <a:tailEnd type="triangle"/>
+          </a:ln>
+        </p:spPr>
+        <p:style>
+          <a:lnRef idx="1">
+            <a:schemeClr val="accent1"/>
+          </a:lnRef>
+          <a:fillRef idx="0">
+            <a:schemeClr val="accent1"/>
+          </a:fillRef>
+          <a:effectRef idx="0">
+            <a:schemeClr val="accent1"/>
+          </a:effectRef>
+          <a:fontRef idx="minor">
+            <a:schemeClr val="tx1"/>
+          </a:fontRef>
+        </p:style>
+      </p:cxnSp>
+      <p:sp>
+        <p:nvSpPr>
+          <p:cNvPr id="30" name="矩形 29">
+            <a:extLst>
+              <a:ext uri="{FF2B5EF4-FFF2-40B4-BE49-F238E27FC236}">
+                <a16:creationId xmlns:a16="http://schemas.microsoft.com/office/drawing/2014/main" id="{7B2BDF6E-E9BE-4F2E-A9BB-2B6E9B846235}"/>
+              </a:ext>
+            </a:extLst>
+          </p:cNvPr>
+          <p:cNvSpPr/>
+          <p:nvPr/>
+        </p:nvSpPr>
+        <p:spPr>
+          <a:xfrm>
+            <a:off x="3201376" y="3749302"/>
+            <a:ext cx="1202573" cy="430887"/>
+          </a:xfrm>
+          <a:prstGeom prst="rect">
+            <a:avLst/>
+          </a:prstGeom>
+        </p:spPr>
+        <p:txBody>
+          <a:bodyPr wrap="none">
+            <a:spAutoFit/>
+          </a:bodyPr>
+          <a:lstStyle/>
+          <a:p>
+            <a:r>
+              <a:rPr lang="en-US" altLang="zh-TW" sz="1100" dirty="0" err="1"/>
+              <a:t>get_dummies</a:t>
+            </a:r>
+            <a:r>
+              <a:rPr lang="en-US" altLang="zh-TW" sz="1100" dirty="0"/>
+              <a:t> /</a:t>
+            </a:r>
+          </a:p>
+          <a:p>
+            <a:r>
+              <a:rPr lang="en-US" altLang="zh-TW" sz="1100" dirty="0"/>
+              <a:t>One hot encoding</a:t>
+            </a:r>
+            <a:endParaRPr lang="zh-TW" altLang="en-US" sz="1100" dirty="0"/>
+          </a:p>
+        </p:txBody>
+      </p:sp>
+      <p:pic>
+        <p:nvPicPr>
+          <p:cNvPr id="1044" name="Picture 20" descr="sklearn iconçåçæå°çµæ">
+            <a:extLst>
+              <a:ext uri="{FF2B5EF4-FFF2-40B4-BE49-F238E27FC236}">
+                <a16:creationId xmlns:a16="http://schemas.microsoft.com/office/drawing/2014/main" id="{0F5F3B88-D8AD-4E0A-9AB1-09B9523C7035}"/>
+              </a:ext>
+            </a:extLst>
+          </p:cNvPr>
+          <p:cNvPicPr>
+            <a:picLocks noChangeAspect="1" noChangeArrowheads="1"/>
+          </p:cNvPicPr>
+          <p:nvPr/>
+        </p:nvPicPr>
+        <p:blipFill>
+          <a:blip r:embed="rId8" cstate="print">
+            <a:extLst>
+              <a:ext uri="{28A0092B-C50C-407E-A947-70E740481C1C}">
+                <a14:useLocalDpi xmlns:a14="http://schemas.microsoft.com/office/drawing/2010/main" val="0"/>
+              </a:ext>
+            </a:extLst>
+          </a:blip>
+          <a:srcRect/>
+          <a:stretch>
+            <a:fillRect/>
+          </a:stretch>
+        </p:blipFill>
+        <p:spPr bwMode="auto">
+          <a:xfrm>
+            <a:off x="3896157" y="4138555"/>
+            <a:ext cx="430887" cy="430887"/>
+          </a:xfrm>
+          <a:prstGeom prst="rect">
+            <a:avLst/>
+          </a:prstGeom>
+          <a:noFill/>
+          <a:extLst>
+            <a:ext uri="{909E8E84-426E-40DD-AFC4-6F175D3DCCD1}">
+              <a14:hiddenFill xmlns:a14="http://schemas.microsoft.com/office/drawing/2010/main">
+                <a:solidFill>
+                  <a:srgbClr val="FFFFFF"/>
+                </a:solidFill>
+              </a14:hiddenFill>
+            </a:ext>
+          </a:extLst>
+        </p:spPr>
+      </p:pic>
+      <p:pic>
+        <p:nvPicPr>
+          <p:cNvPr id="1046" name="Picture 22" descr="numpy iconçåçæå°çµæ">
+            <a:extLst>
+              <a:ext uri="{FF2B5EF4-FFF2-40B4-BE49-F238E27FC236}">
+                <a16:creationId xmlns:a16="http://schemas.microsoft.com/office/drawing/2014/main" id="{49A3084B-A3EC-4C5A-9C56-3F9A419DDFA1}"/>
+              </a:ext>
+            </a:extLst>
+          </p:cNvPr>
+          <p:cNvPicPr>
+            <a:picLocks noChangeAspect="1" noChangeArrowheads="1"/>
+          </p:cNvPicPr>
+          <p:nvPr/>
+        </p:nvPicPr>
+        <p:blipFill>
+          <a:blip r:embed="rId9" cstate="print">
+            <a:extLst>
+              <a:ext uri="{28A0092B-C50C-407E-A947-70E740481C1C}">
+                <a14:useLocalDpi xmlns:a14="http://schemas.microsoft.com/office/drawing/2010/main" val="0"/>
+              </a:ext>
+            </a:extLst>
+          </a:blip>
+          <a:srcRect/>
+          <a:stretch>
+            <a:fillRect/>
+          </a:stretch>
+        </p:blipFill>
+        <p:spPr bwMode="auto">
+          <a:xfrm>
+            <a:off x="3505715" y="4178621"/>
+            <a:ext cx="275506" cy="294550"/>
+          </a:xfrm>
+          <a:prstGeom prst="rect">
+            <a:avLst/>
+          </a:prstGeom>
+          <a:noFill/>
+          <a:extLst>
+            <a:ext uri="{909E8E84-426E-40DD-AFC4-6F175D3DCCD1}">
+              <a14:hiddenFill xmlns:a14="http://schemas.microsoft.com/office/drawing/2010/main">
+                <a:solidFill>
+                  <a:srgbClr val="FFFFFF"/>
+                </a:solidFill>
+              </a14:hiddenFill>
+            </a:ext>
+          </a:extLst>
+        </p:spPr>
+      </p:pic>
+      <p:pic>
+        <p:nvPicPr>
+          <p:cNvPr id="1048" name="Picture 24" descr="R iconçåçæå°çµæ">
+            <a:extLst>
+              <a:ext uri="{FF2B5EF4-FFF2-40B4-BE49-F238E27FC236}">
+                <a16:creationId xmlns:a16="http://schemas.microsoft.com/office/drawing/2014/main" id="{4BE14218-E80F-4C21-88D5-6DAFD479D7A0}"/>
+              </a:ext>
+            </a:extLst>
+          </p:cNvPr>
+          <p:cNvPicPr>
+            <a:picLocks noChangeAspect="1" noChangeArrowheads="1"/>
+          </p:cNvPicPr>
+          <p:nvPr/>
+        </p:nvPicPr>
+        <p:blipFill>
+          <a:blip r:embed="rId10" cstate="print">
+            <a:extLst>
+              <a:ext uri="{28A0092B-C50C-407E-A947-70E740481C1C}">
+                <a14:useLocalDpi xmlns:a14="http://schemas.microsoft.com/office/drawing/2010/main" val="0"/>
+              </a:ext>
+            </a:extLst>
+          </a:blip>
+          <a:srcRect/>
+          <a:stretch>
+            <a:fillRect/>
+          </a:stretch>
+        </p:blipFill>
+        <p:spPr bwMode="auto">
+          <a:xfrm>
+            <a:off x="3729487" y="2171045"/>
+            <a:ext cx="495722" cy="384116"/>
+          </a:xfrm>
+          <a:prstGeom prst="rect">
+            <a:avLst/>
+          </a:prstGeom>
+          <a:noFill/>
+          <a:extLst>
+            <a:ext uri="{909E8E84-426E-40DD-AFC4-6F175D3DCCD1}">
+              <a14:hiddenFill xmlns:a14="http://schemas.microsoft.com/office/drawing/2010/main">
+                <a:solidFill>
+                  <a:srgbClr val="FFFFFF"/>
+                </a:solidFill>
+              </a14:hiddenFill>
+            </a:ext>
+          </a:extLst>
+        </p:spPr>
+      </p:pic>
+      <p:pic>
+        <p:nvPicPr>
+          <p:cNvPr id="1050" name="Picture 26" descr="one hotçåçæå°çµæ">
+            <a:extLst>
+              <a:ext uri="{FF2B5EF4-FFF2-40B4-BE49-F238E27FC236}">
+                <a16:creationId xmlns:a16="http://schemas.microsoft.com/office/drawing/2014/main" id="{38AEC298-F143-4FFE-A15C-735A3C9345F5}"/>
+              </a:ext>
+            </a:extLst>
+          </p:cNvPr>
+          <p:cNvPicPr>
+            <a:picLocks noChangeAspect="1" noChangeArrowheads="1"/>
+          </p:cNvPicPr>
+          <p:nvPr/>
+        </p:nvPicPr>
+        <p:blipFill>
+          <a:blip r:embed="rId11" cstate="print">
+            <a:extLst>
+              <a:ext uri="{28A0092B-C50C-407E-A947-70E740481C1C}">
+                <a14:useLocalDpi xmlns:a14="http://schemas.microsoft.com/office/drawing/2010/main" val="0"/>
+              </a:ext>
+            </a:extLst>
+          </a:blip>
+          <a:srcRect/>
+          <a:stretch>
+            <a:fillRect/>
+          </a:stretch>
+        </p:blipFill>
+        <p:spPr bwMode="auto">
+          <a:xfrm>
+            <a:off x="1757871" y="4807942"/>
+            <a:ext cx="2647982" cy="1038424"/>
+          </a:xfrm>
+          <a:prstGeom prst="rect">
+            <a:avLst/>
+          </a:prstGeom>
+          <a:noFill/>
+          <a:extLst>
+            <a:ext uri="{909E8E84-426E-40DD-AFC4-6F175D3DCCD1}">
+              <a14:hiddenFill xmlns:a14="http://schemas.microsoft.com/office/drawing/2010/main">
+                <a:solidFill>
+                  <a:srgbClr val="FFFFFF"/>
+                </a:solidFill>
+              </a14:hiddenFill>
+            </a:ext>
+          </a:extLst>
+        </p:spPr>
+      </p:pic>
+      <p:sp>
+        <p:nvSpPr>
+          <p:cNvPr id="34" name="矩形 33">
+            <a:extLst>
+              <a:ext uri="{FF2B5EF4-FFF2-40B4-BE49-F238E27FC236}">
+                <a16:creationId xmlns:a16="http://schemas.microsoft.com/office/drawing/2014/main" id="{5700E203-5AE1-438C-8EB8-478E33AD1BD9}"/>
+              </a:ext>
+            </a:extLst>
+          </p:cNvPr>
+          <p:cNvSpPr/>
+          <p:nvPr/>
+        </p:nvSpPr>
+        <p:spPr>
+          <a:xfrm>
+            <a:off x="1757871" y="4540564"/>
+            <a:ext cx="1202573" cy="261610"/>
+          </a:xfrm>
+          <a:prstGeom prst="rect">
+            <a:avLst/>
+          </a:prstGeom>
+        </p:spPr>
+        <p:txBody>
+          <a:bodyPr wrap="none">
+            <a:spAutoFit/>
+          </a:bodyPr>
+          <a:lstStyle/>
+          <a:p>
+            <a:r>
+              <a:rPr lang="en-US" altLang="zh-TW" sz="1050" dirty="0"/>
+              <a:t>One hot encoding</a:t>
+            </a:r>
+            <a:endParaRPr lang="zh-TW" altLang="en-US" sz="1050" dirty="0"/>
+          </a:p>
+        </p:txBody>
+      </p:sp>
+      <p:pic>
+        <p:nvPicPr>
+          <p:cNvPr id="1052" name="Picture 28" descr="python iconçåçæå°çµæ">
+            <a:extLst>
+              <a:ext uri="{FF2B5EF4-FFF2-40B4-BE49-F238E27FC236}">
+                <a16:creationId xmlns:a16="http://schemas.microsoft.com/office/drawing/2014/main" id="{3D587D26-B171-464D-9F55-FB082AB6EE8F}"/>
+              </a:ext>
+            </a:extLst>
+          </p:cNvPr>
+          <p:cNvPicPr>
+            <a:picLocks noChangeAspect="1" noChangeArrowheads="1"/>
+          </p:cNvPicPr>
+          <p:nvPr/>
+        </p:nvPicPr>
+        <p:blipFill>
+          <a:blip r:embed="rId12" cstate="print">
+            <a:extLst>
+              <a:ext uri="{28A0092B-C50C-407E-A947-70E740481C1C}">
+                <a14:useLocalDpi xmlns:a14="http://schemas.microsoft.com/office/drawing/2010/main" val="0"/>
+              </a:ext>
+            </a:extLst>
+          </a:blip>
+          <a:srcRect/>
+          <a:stretch>
+            <a:fillRect/>
+          </a:stretch>
+        </p:blipFill>
+        <p:spPr bwMode="auto">
+          <a:xfrm>
+            <a:off x="4370409" y="3713925"/>
+            <a:ext cx="538609" cy="538609"/>
+          </a:xfrm>
+          <a:prstGeom prst="rect">
+            <a:avLst/>
+          </a:prstGeom>
+          <a:noFill/>
+          <a:extLst>
+            <a:ext uri="{909E8E84-426E-40DD-AFC4-6F175D3DCCD1}">
+              <a14:hiddenFill xmlns:a14="http://schemas.microsoft.com/office/drawing/2010/main">
+                <a:solidFill>
+                  <a:srgbClr val="FFFFFF"/>
+                </a:solidFill>
+              </a14:hiddenFill>
+            </a:ext>
+          </a:extLst>
+        </p:spPr>
+      </p:pic>
+      <p:grpSp>
+        <p:nvGrpSpPr>
+          <p:cNvPr id="37" name="群組 36">
+            <a:extLst>
+              <a:ext uri="{FF2B5EF4-FFF2-40B4-BE49-F238E27FC236}">
+                <a16:creationId xmlns:a16="http://schemas.microsoft.com/office/drawing/2014/main" id="{DFEB438E-D35D-41C6-9182-B12E148B2579}"/>
+              </a:ext>
+            </a:extLst>
+          </p:cNvPr>
+          <p:cNvGrpSpPr/>
+          <p:nvPr/>
+        </p:nvGrpSpPr>
+        <p:grpSpPr>
+          <a:xfrm>
+            <a:off x="7214280" y="3749302"/>
+            <a:ext cx="1567617" cy="957729"/>
+            <a:chOff x="7214280" y="3749302"/>
+            <a:chExt cx="1567617" cy="957729"/>
+          </a:xfrm>
+        </p:grpSpPr>
+        <p:pic>
+          <p:nvPicPr>
+            <p:cNvPr id="1054" name="Picture 30" descr="tensorflow iconçåçæå°çµæ">
+              <a:extLst>
+                <a:ext uri="{FF2B5EF4-FFF2-40B4-BE49-F238E27FC236}">
+                  <a16:creationId xmlns:a16="http://schemas.microsoft.com/office/drawing/2014/main" id="{2A456763-06DE-410C-A9BC-C9AF03650680}"/>
+                </a:ext>
+              </a:extLst>
+            </p:cNvPr>
+            <p:cNvPicPr>
+              <a:picLocks noChangeAspect="1" noChangeArrowheads="1"/>
+            </p:cNvPicPr>
+            <p:nvPr/>
+          </p:nvPicPr>
+          <p:blipFill>
+            <a:blip r:embed="rId13" cstate="print">
+              <a:extLst>
+                <a:ext uri="{28A0092B-C50C-407E-A947-70E740481C1C}">
+                  <a14:useLocalDpi xmlns:a14="http://schemas.microsoft.com/office/drawing/2010/main" val="0"/>
+                </a:ext>
+              </a:extLst>
+            </a:blip>
+            <a:srcRect/>
+            <a:stretch>
+              <a:fillRect/>
+            </a:stretch>
+          </p:blipFill>
+          <p:spPr bwMode="auto">
+            <a:xfrm>
+              <a:off x="8113122" y="3749302"/>
+              <a:ext cx="668775" cy="557205"/>
+            </a:xfrm>
+            <a:prstGeom prst="rect">
+              <a:avLst/>
+            </a:prstGeom>
+            <a:noFill/>
+            <a:extLst>
+              <a:ext uri="{909E8E84-426E-40DD-AFC4-6F175D3DCCD1}">
+                <a14:hiddenFill xmlns:a14="http://schemas.microsoft.com/office/drawing/2010/main">
+                  <a:solidFill>
+                    <a:srgbClr val="FFFFFF"/>
+                  </a:solidFill>
+                </a14:hiddenFill>
+              </a:ext>
+            </a:extLst>
+          </p:spPr>
+        </p:pic>
+        <p:pic>
+          <p:nvPicPr>
+            <p:cNvPr id="1056" name="Picture 32" descr="keras iconçåçæå°çµæ">
+              <a:extLst>
+                <a:ext uri="{FF2B5EF4-FFF2-40B4-BE49-F238E27FC236}">
+                  <a16:creationId xmlns:a16="http://schemas.microsoft.com/office/drawing/2014/main" id="{B83B2E6E-2E9F-4D7C-8889-12D0A480ECC2}"/>
+                </a:ext>
+              </a:extLst>
+            </p:cNvPr>
+            <p:cNvPicPr>
+              <a:picLocks noChangeAspect="1" noChangeArrowheads="1"/>
+            </p:cNvPicPr>
+            <p:nvPr/>
+          </p:nvPicPr>
+          <p:blipFill>
+            <a:blip r:embed="rId14" cstate="print">
+              <a:extLst>
+                <a:ext uri="{28A0092B-C50C-407E-A947-70E740481C1C}">
+                  <a14:useLocalDpi xmlns:a14="http://schemas.microsoft.com/office/drawing/2010/main" val="0"/>
+                </a:ext>
+              </a:extLst>
+            </a:blip>
+            <a:srcRect/>
+            <a:stretch>
+              <a:fillRect/>
+            </a:stretch>
+          </p:blipFill>
+          <p:spPr bwMode="auto">
+            <a:xfrm>
+              <a:off x="7832779" y="4431852"/>
+              <a:ext cx="949118" cy="275179"/>
+            </a:xfrm>
+            <a:prstGeom prst="rect">
+              <a:avLst/>
+            </a:prstGeom>
+            <a:noFill/>
+            <a:extLst>
+              <a:ext uri="{909E8E84-426E-40DD-AFC4-6F175D3DCCD1}">
+                <a14:hiddenFill xmlns:a14="http://schemas.microsoft.com/office/drawing/2010/main">
+                  <a:solidFill>
+                    <a:srgbClr val="FFFFFF"/>
+                  </a:solidFill>
+                </a14:hiddenFill>
+              </a:ext>
+            </a:extLst>
+          </p:spPr>
+        </p:pic>
+        <p:pic>
+          <p:nvPicPr>
+            <p:cNvPr id="1058" name="Picture 34" descr="xgboost iconçåçæå°çµæ">
+              <a:extLst>
+                <a:ext uri="{FF2B5EF4-FFF2-40B4-BE49-F238E27FC236}">
+                  <a16:creationId xmlns:a16="http://schemas.microsoft.com/office/drawing/2014/main" id="{8A31F1DD-C6B6-48C8-B2DB-661DDDCA870A}"/>
+                </a:ext>
+              </a:extLst>
+            </p:cNvPr>
+            <p:cNvPicPr>
+              <a:picLocks noChangeAspect="1" noChangeArrowheads="1"/>
+            </p:cNvPicPr>
+            <p:nvPr/>
+          </p:nvPicPr>
+          <p:blipFill>
+            <a:blip r:embed="rId15" cstate="print">
+              <a:extLst>
+                <a:ext uri="{28A0092B-C50C-407E-A947-70E740481C1C}">
+                  <a14:useLocalDpi xmlns:a14="http://schemas.microsoft.com/office/drawing/2010/main" val="0"/>
+                </a:ext>
+              </a:extLst>
+            </a:blip>
+            <a:srcRect/>
+            <a:stretch>
+              <a:fillRect/>
+            </a:stretch>
+          </p:blipFill>
+          <p:spPr bwMode="auto">
+            <a:xfrm>
+              <a:off x="7214280" y="3960994"/>
+              <a:ext cx="883958" cy="296937"/>
+            </a:xfrm>
+            <a:prstGeom prst="rect">
+              <a:avLst/>
+            </a:prstGeom>
+            <a:noFill/>
+            <a:extLst>
+              <a:ext uri="{909E8E84-426E-40DD-AFC4-6F175D3DCCD1}">
+                <a14:hiddenFill xmlns:a14="http://schemas.microsoft.com/office/drawing/2010/main">
+                  <a:solidFill>
+                    <a:srgbClr val="FFFFFF"/>
+                  </a:solidFill>
+                </a14:hiddenFill>
+              </a:ext>
+            </a:extLst>
+          </p:spPr>
+        </p:pic>
+      </p:grpSp>
+      <p:cxnSp>
+        <p:nvCxnSpPr>
+          <p:cNvPr id="50" name="直線單箭頭接點 49">
+            <a:extLst>
+              <a:ext uri="{FF2B5EF4-FFF2-40B4-BE49-F238E27FC236}">
+                <a16:creationId xmlns:a16="http://schemas.microsoft.com/office/drawing/2014/main" id="{2CD75AE4-69DD-4AE3-80EA-07CB4B0737BB}"/>
+              </a:ext>
+            </a:extLst>
+          </p:cNvPr>
+          <p:cNvCxnSpPr>
+            <a:cxnSpLocks/>
+            <a:stCxn id="1042" idx="3"/>
+          </p:cNvCxnSpPr>
+          <p:nvPr/>
+        </p:nvCxnSpPr>
+        <p:spPr>
+          <a:xfrm flipV="1">
+            <a:off x="5972570" y="4274435"/>
+            <a:ext cx="1191718" cy="2892"/>
+          </a:xfrm>
+          <a:prstGeom prst="straightConnector1">
+            <a:avLst/>
+          </a:prstGeom>
+          <a:ln>
+            <a:tailEnd type="triangle"/>
+          </a:ln>
+        </p:spPr>
+        <p:style>
+          <a:lnRef idx="1">
+            <a:schemeClr val="accent1"/>
+          </a:lnRef>
+          <a:fillRef idx="0">
+            <a:schemeClr val="accent1"/>
+          </a:fillRef>
+          <a:effectRef idx="0">
+            <a:schemeClr val="accent1"/>
+          </a:effectRef>
+          <a:fontRef idx="minor">
+            <a:schemeClr val="tx1"/>
+          </a:fontRef>
+        </p:style>
+      </p:cxnSp>
+      <p:pic>
+        <p:nvPicPr>
+          <p:cNvPr id="1060" name="Picture 36" descr="regression iconçåçæå°çµæ">
+            <a:extLst>
+              <a:ext uri="{FF2B5EF4-FFF2-40B4-BE49-F238E27FC236}">
+                <a16:creationId xmlns:a16="http://schemas.microsoft.com/office/drawing/2014/main" id="{86F3CDA8-6E59-4C9B-855F-9E7A25532A1A}"/>
+              </a:ext>
+            </a:extLst>
+          </p:cNvPr>
+          <p:cNvPicPr>
+            <a:picLocks noChangeAspect="1" noChangeArrowheads="1"/>
+          </p:cNvPicPr>
+          <p:nvPr/>
+        </p:nvPicPr>
+        <p:blipFill rotWithShape="1">
+          <a:blip r:embed="rId16" cstate="print">
+            <a:extLst>
+              <a:ext uri="{28A0092B-C50C-407E-A947-70E740481C1C}">
+                <a14:useLocalDpi xmlns:a14="http://schemas.microsoft.com/office/drawing/2010/main" val="0"/>
+              </a:ext>
+            </a:extLst>
+          </a:blip>
+          <a:srcRect l="9244" t="7383" r="17299" b="31952"/>
+          <a:stretch/>
+        </p:blipFill>
+        <p:spPr bwMode="auto">
+          <a:xfrm>
+            <a:off x="5249241" y="1796778"/>
+            <a:ext cx="435892" cy="408086"/>
+          </a:xfrm>
+          <a:prstGeom prst="rect">
+            <a:avLst/>
+          </a:prstGeom>
+          <a:noFill/>
+          <a:extLst>
+            <a:ext uri="{909E8E84-426E-40DD-AFC4-6F175D3DCCD1}">
+              <a14:hiddenFill xmlns:a14="http://schemas.microsoft.com/office/drawing/2010/main">
+                <a:solidFill>
+                  <a:srgbClr val="FFFFFF"/>
+                </a:solidFill>
+              </a14:hiddenFill>
+            </a:ext>
+          </a:extLst>
+        </p:spPr>
+      </p:pic>
+      <p:pic>
+        <p:nvPicPr>
+          <p:cNvPr id="1062" name="Picture 38" descr="machine learning iconçåçæå°çµæ">
+            <a:extLst>
+              <a:ext uri="{FF2B5EF4-FFF2-40B4-BE49-F238E27FC236}">
+                <a16:creationId xmlns:a16="http://schemas.microsoft.com/office/drawing/2014/main" id="{1503345C-629C-4AC0-8299-A10C56B8FDB7}"/>
+              </a:ext>
+            </a:extLst>
+          </p:cNvPr>
+          <p:cNvPicPr>
+            <a:picLocks noChangeAspect="1" noChangeArrowheads="1"/>
+          </p:cNvPicPr>
+          <p:nvPr/>
+        </p:nvPicPr>
+        <p:blipFill>
+          <a:blip r:embed="rId17" cstate="print">
+            <a:extLst>
+              <a:ext uri="{28A0092B-C50C-407E-A947-70E740481C1C}">
+                <a14:useLocalDpi xmlns:a14="http://schemas.microsoft.com/office/drawing/2010/main" val="0"/>
+              </a:ext>
+            </a:extLst>
+          </a:blip>
+          <a:srcRect/>
+          <a:stretch>
+            <a:fillRect/>
+          </a:stretch>
+        </p:blipFill>
+        <p:spPr bwMode="auto">
+          <a:xfrm>
+            <a:off x="7164288" y="3412400"/>
+            <a:ext cx="369326" cy="296938"/>
+          </a:xfrm>
+          <a:prstGeom prst="rect">
+            <a:avLst/>
+          </a:prstGeom>
+          <a:noFill/>
+          <a:extLst>
+            <a:ext uri="{909E8E84-426E-40DD-AFC4-6F175D3DCCD1}">
+              <a14:hiddenFill xmlns:a14="http://schemas.microsoft.com/office/drawing/2010/main">
+                <a:solidFill>
+                  <a:srgbClr val="FFFFFF"/>
+                </a:solidFill>
+              </a14:hiddenFill>
+            </a:ext>
+          </a:extLst>
+        </p:spPr>
+      </p:pic>
+      <p:sp>
+        <p:nvSpPr>
+          <p:cNvPr id="56" name="矩形 55">
+            <a:extLst>
+              <a:ext uri="{FF2B5EF4-FFF2-40B4-BE49-F238E27FC236}">
+                <a16:creationId xmlns:a16="http://schemas.microsoft.com/office/drawing/2014/main" id="{45A03A08-275C-4E0A-9B06-9304C1E998E3}"/>
+              </a:ext>
+            </a:extLst>
+          </p:cNvPr>
+          <p:cNvSpPr/>
+          <p:nvPr/>
+        </p:nvSpPr>
+        <p:spPr>
+          <a:xfrm>
+            <a:off x="7545334" y="3436916"/>
+            <a:ext cx="881973" cy="276999"/>
+          </a:xfrm>
+          <a:prstGeom prst="rect">
+            <a:avLst/>
+          </a:prstGeom>
+        </p:spPr>
+        <p:txBody>
+          <a:bodyPr wrap="none">
+            <a:spAutoFit/>
+          </a:bodyPr>
+          <a:lstStyle/>
+          <a:p>
+            <a:r>
+              <a:rPr lang="en-US" altLang="zh-TW" sz="1200" dirty="0"/>
+              <a:t>ML Models</a:t>
+            </a:r>
+            <a:endParaRPr lang="zh-TW" altLang="en-US" sz="1200" dirty="0"/>
+          </a:p>
+        </p:txBody>
+      </p:sp>
+      <p:sp>
+        <p:nvSpPr>
+          <p:cNvPr id="57" name="矩形 56">
+            <a:extLst>
+              <a:ext uri="{FF2B5EF4-FFF2-40B4-BE49-F238E27FC236}">
+                <a16:creationId xmlns:a16="http://schemas.microsoft.com/office/drawing/2014/main" id="{528C29FD-363C-43B6-9C13-5EBDB4600E0C}"/>
+              </a:ext>
+            </a:extLst>
+          </p:cNvPr>
+          <p:cNvSpPr/>
+          <p:nvPr/>
+        </p:nvSpPr>
+        <p:spPr>
+          <a:xfrm>
+            <a:off x="5687994" y="1865667"/>
+            <a:ext cx="968470" cy="276999"/>
+          </a:xfrm>
+          <a:prstGeom prst="rect">
+            <a:avLst/>
+          </a:prstGeom>
+        </p:spPr>
+        <p:txBody>
+          <a:bodyPr wrap="none">
+            <a:spAutoFit/>
+          </a:bodyPr>
+          <a:lstStyle/>
+          <a:p>
+            <a:r>
+              <a:rPr lang="en-US" altLang="zh-TW" sz="1200" dirty="0"/>
+              <a:t>Stat. Models</a:t>
+            </a:r>
+            <a:endParaRPr lang="zh-TW" altLang="en-US" sz="1200" dirty="0"/>
+          </a:p>
+        </p:txBody>
+      </p:sp>
+    </p:spTree>
+    <p:extLst>
+      <p:ext uri="{BB962C8B-B14F-4D97-AF65-F5344CB8AC3E}">
+        <p14:creationId xmlns:p14="http://schemas.microsoft.com/office/powerpoint/2010/main" val="336772411"/>
+      </p:ext>
+    </p:extLst>
+  </p:cSld>
+  <p:clrMapOvr>
+    <a:masterClrMapping/>
+  </p:clrMapOvr>
+</p:sld>
+</file>
+
+<file path=ppt/slides/slide30.xml><?xml version="1.0" encoding="utf-8"?>
 <p:sld xmlns:a="http://schemas.openxmlformats.org/drawingml/2006/main" xmlns:r="http://schemas.openxmlformats.org/officeDocument/2006/relationships" xmlns:p="http://schemas.openxmlformats.org/presentationml/2006/main">
   <p:cSld>
     <p:spTree>
@@ -7783,386 +9477,6 @@
 </p:sld>
 </file>
 
-<file path=ppt/slides/slide3.xml><?xml version="1.0" encoding="utf-8"?>
-<p:sld xmlns:a="http://schemas.openxmlformats.org/drawingml/2006/main" xmlns:r="http://schemas.openxmlformats.org/officeDocument/2006/relationships" xmlns:p="http://schemas.openxmlformats.org/presentationml/2006/main">
-  <p:cSld>
-    <p:spTree>
-      <p:nvGrpSpPr>
-        <p:cNvPr id="1" name=""/>
-        <p:cNvGrpSpPr/>
-        <p:nvPr/>
-      </p:nvGrpSpPr>
-      <p:grpSpPr>
-        <a:xfrm>
-          <a:off x="0" y="0"/>
-          <a:ext cx="0" cy="0"/>
-          <a:chOff x="0" y="0"/>
-          <a:chExt cx="0" cy="0"/>
-        </a:xfrm>
-      </p:grpSpPr>
-      <p:sp>
-        <p:nvSpPr>
-          <p:cNvPr id="4" name="標題 3">
-            <a:extLst>
-              <a:ext uri="{FF2B5EF4-FFF2-40B4-BE49-F238E27FC236}">
-                <a16:creationId xmlns:a16="http://schemas.microsoft.com/office/drawing/2014/main" id="{C1CFC50E-6065-43C3-9C80-6B0058CB7E2D}"/>
-              </a:ext>
-            </a:extLst>
-          </p:cNvPr>
-          <p:cNvSpPr>
-            <a:spLocks noGrp="1"/>
-          </p:cNvSpPr>
-          <p:nvPr>
-            <p:ph type="title"/>
-          </p:nvPr>
-        </p:nvSpPr>
-        <p:spPr/>
-        <p:txBody>
-          <a:bodyPr/>
-          <a:lstStyle/>
-          <a:p>
-            <a:r>
-              <a:rPr lang="en-US" altLang="zh-HK" dirty="0"/>
-              <a:t>Pandas introduction</a:t>
-            </a:r>
-            <a:endParaRPr lang="zh-HK" altLang="en-US" dirty="0"/>
-          </a:p>
-        </p:txBody>
-      </p:sp>
-      <p:sp>
-        <p:nvSpPr>
-          <p:cNvPr id="5" name="內容版面配置區 4">
-            <a:extLst>
-              <a:ext uri="{FF2B5EF4-FFF2-40B4-BE49-F238E27FC236}">
-                <a16:creationId xmlns:a16="http://schemas.microsoft.com/office/drawing/2014/main" id="{F12578B0-133F-41DF-8062-70AE77555D43}"/>
-              </a:ext>
-            </a:extLst>
-          </p:cNvPr>
-          <p:cNvSpPr>
-            <a:spLocks noGrp="1"/>
-          </p:cNvSpPr>
-          <p:nvPr>
-            <p:ph sz="quarter" idx="1"/>
-          </p:nvPr>
-        </p:nvSpPr>
-        <p:spPr/>
-        <p:txBody>
-          <a:bodyPr/>
-          <a:lstStyle/>
-          <a:p>
-            <a:r>
-              <a:rPr lang="en-US" altLang="zh-HK" dirty="0"/>
-              <a:t>Initial release</a:t>
-            </a:r>
-            <a:r>
-              <a:rPr lang="en-US" altLang="zh-TW" dirty="0"/>
-              <a:t>:</a:t>
-            </a:r>
-            <a:r>
-              <a:rPr lang="zh-TW" altLang="en-US" dirty="0"/>
-              <a:t> </a:t>
-            </a:r>
-            <a:r>
-              <a:rPr lang="en-US" altLang="zh-HK" dirty="0"/>
-              <a:t>11 January 2008</a:t>
-            </a:r>
-          </a:p>
-          <a:p>
-            <a:r>
-              <a:rPr lang="en-US" altLang="zh-TW" dirty="0"/>
-              <a:t>Author: Wes McKinney – Developer</a:t>
-            </a:r>
-          </a:p>
-          <a:p>
-            <a:r>
-              <a:rPr lang="en-US" altLang="zh-HK" dirty="0"/>
-              <a:t>Need for Quantitative Analysis on financial data</a:t>
-            </a:r>
-          </a:p>
-          <a:p>
-            <a:r>
-              <a:rPr lang="en-US" altLang="zh-HK" dirty="0"/>
-              <a:t>Pandas = The short from </a:t>
-            </a:r>
-            <a:r>
-              <a:rPr lang="en-US" altLang="zh-HK" dirty="0" err="1"/>
-              <a:t>PANel</a:t>
-            </a:r>
-            <a:r>
-              <a:rPr lang="en-US" altLang="zh-HK" dirty="0"/>
-              <a:t> </a:t>
-            </a:r>
-            <a:r>
-              <a:rPr lang="en-US" altLang="zh-HK" dirty="0" err="1"/>
-              <a:t>DAta</a:t>
-            </a:r>
-            <a:endParaRPr lang="en-US" altLang="zh-HK" dirty="0"/>
-          </a:p>
-          <a:p>
-            <a:endParaRPr lang="zh-HK" altLang="en-US" dirty="0"/>
-          </a:p>
-        </p:txBody>
-      </p:sp>
-      <p:pic>
-        <p:nvPicPr>
-          <p:cNvPr id="1026" name="Picture 2" descr="Pandas logo.svg">
-            <a:extLst>
-              <a:ext uri="{FF2B5EF4-FFF2-40B4-BE49-F238E27FC236}">
-                <a16:creationId xmlns:a16="http://schemas.microsoft.com/office/drawing/2014/main" id="{0027D3F0-6199-47A5-8014-B5D139B05B31}"/>
-              </a:ext>
-            </a:extLst>
-          </p:cNvPr>
-          <p:cNvPicPr>
-            <a:picLocks noChangeAspect="1" noChangeArrowheads="1"/>
-          </p:cNvPicPr>
-          <p:nvPr/>
-        </p:nvPicPr>
-        <p:blipFill>
-          <a:blip r:embed="rId2">
-            <a:extLst>
-              <a:ext uri="{28A0092B-C50C-407E-A947-70E740481C1C}">
-                <a14:useLocalDpi xmlns:a14="http://schemas.microsoft.com/office/drawing/2010/main" val="0"/>
-              </a:ext>
-            </a:extLst>
-          </a:blip>
-          <a:srcRect/>
-          <a:stretch>
-            <a:fillRect/>
-          </a:stretch>
-        </p:blipFill>
-        <p:spPr bwMode="auto">
-          <a:xfrm>
-            <a:off x="755576" y="3673685"/>
-            <a:ext cx="4968552" cy="1038566"/>
-          </a:xfrm>
-          <a:prstGeom prst="rect">
-            <a:avLst/>
-          </a:prstGeom>
-          <a:noFill/>
-          <a:extLst>
-            <a:ext uri="{909E8E84-426E-40DD-AFC4-6F175D3DCCD1}">
-              <a14:hiddenFill xmlns:a14="http://schemas.microsoft.com/office/drawing/2010/main">
-                <a:solidFill>
-                  <a:srgbClr val="FFFFFF"/>
-                </a:solidFill>
-              </a14:hiddenFill>
-            </a:ext>
-          </a:extLst>
-        </p:spPr>
-      </p:pic>
-    </p:spTree>
-    <p:extLst>
-      <p:ext uri="{BB962C8B-B14F-4D97-AF65-F5344CB8AC3E}">
-        <p14:creationId xmlns:p14="http://schemas.microsoft.com/office/powerpoint/2010/main" val="3258133711"/>
-      </p:ext>
-    </p:extLst>
-  </p:cSld>
-  <p:clrMapOvr>
-    <a:masterClrMapping/>
-  </p:clrMapOvr>
-</p:sld>
-</file>
-
-<file path=ppt/slides/slide30.xml><?xml version="1.0" encoding="utf-8"?>
-<p:sld xmlns:a="http://schemas.openxmlformats.org/drawingml/2006/main" xmlns:r="http://schemas.openxmlformats.org/officeDocument/2006/relationships" xmlns:p="http://schemas.openxmlformats.org/presentationml/2006/main">
-  <p:cSld>
-    <p:spTree>
-      <p:nvGrpSpPr>
-        <p:cNvPr id="1" name=""/>
-        <p:cNvGrpSpPr/>
-        <p:nvPr/>
-      </p:nvGrpSpPr>
-      <p:grpSpPr>
-        <a:xfrm>
-          <a:off x="0" y="0"/>
-          <a:ext cx="0" cy="0"/>
-          <a:chOff x="0" y="0"/>
-          <a:chExt cx="0" cy="0"/>
-        </a:xfrm>
-      </p:grpSpPr>
-      <p:sp>
-        <p:nvSpPr>
-          <p:cNvPr id="2" name="標題 1">
-            <a:extLst>
-              <a:ext uri="{FF2B5EF4-FFF2-40B4-BE49-F238E27FC236}">
-                <a16:creationId xmlns:a16="http://schemas.microsoft.com/office/drawing/2014/main" id="{BD649E23-B5E9-4432-BBF9-CE85959C94B6}"/>
-              </a:ext>
-            </a:extLst>
-          </p:cNvPr>
-          <p:cNvSpPr>
-            <a:spLocks noGrp="1"/>
-          </p:cNvSpPr>
-          <p:nvPr>
-            <p:ph type="title"/>
-          </p:nvPr>
-        </p:nvSpPr>
-        <p:spPr/>
-        <p:txBody>
-          <a:bodyPr/>
-          <a:lstStyle/>
-          <a:p>
-            <a:r>
-              <a:rPr lang="en-HK" altLang="zh-HK" dirty="0"/>
-              <a:t>Assignment 3 – Netflix Movies</a:t>
-            </a:r>
-            <a:endParaRPr lang="zh-HK" altLang="en-US" dirty="0"/>
-          </a:p>
-        </p:txBody>
-      </p:sp>
-      <p:sp>
-        <p:nvSpPr>
-          <p:cNvPr id="3" name="內容版面配置區 2">
-            <a:extLst>
-              <a:ext uri="{FF2B5EF4-FFF2-40B4-BE49-F238E27FC236}">
-                <a16:creationId xmlns:a16="http://schemas.microsoft.com/office/drawing/2014/main" id="{102B127D-B9AA-4AF0-ACC9-EFBBDDE151FA}"/>
-              </a:ext>
-            </a:extLst>
-          </p:cNvPr>
-          <p:cNvSpPr>
-            <a:spLocks noGrp="1"/>
-          </p:cNvSpPr>
-          <p:nvPr>
-            <p:ph sz="quarter" idx="1"/>
-          </p:nvPr>
-        </p:nvSpPr>
-        <p:spPr>
-          <a:xfrm>
-            <a:off x="914400" y="1447800"/>
-            <a:ext cx="7772400" cy="5135562"/>
-          </a:xfrm>
-        </p:spPr>
-        <p:txBody>
-          <a:bodyPr>
-            <a:normAutofit fontScale="92500" lnSpcReduction="10000"/>
-          </a:bodyPr>
-          <a:lstStyle/>
-          <a:p>
-            <a:r>
-              <a:rPr lang="en-US" altLang="zh-HK" dirty="0"/>
-              <a:t>To do:</a:t>
-            </a:r>
-          </a:p>
-          <a:p>
-            <a:pPr marL="514350" indent="-514350">
-              <a:buFont typeface="+mj-lt"/>
-              <a:buAutoNum type="arabicPeriod"/>
-            </a:pPr>
-            <a:r>
-              <a:rPr lang="en-US" altLang="zh-HK" dirty="0"/>
-              <a:t>Indicate the unique keys of each dataset.</a:t>
-            </a:r>
-          </a:p>
-          <a:p>
-            <a:pPr marL="514350" indent="-514350">
-              <a:buFont typeface="+mj-lt"/>
-              <a:buAutoNum type="arabicPeriod"/>
-            </a:pPr>
-            <a:r>
-              <a:rPr lang="en-US" altLang="zh-HK" dirty="0"/>
-              <a:t>Join the datasets with appropriate keys, depends on what you need in the following tasks.</a:t>
-            </a:r>
-          </a:p>
-          <a:p>
-            <a:pPr marL="514350" indent="-514350">
-              <a:buFont typeface="+mj-lt"/>
-              <a:buAutoNum type="arabicPeriod"/>
-            </a:pPr>
-            <a:r>
-              <a:rPr lang="en-US" altLang="zh-HK" dirty="0"/>
-              <a:t>Find the titles of 3 movies, with the most nos. of ratings</a:t>
-            </a:r>
-          </a:p>
-          <a:p>
-            <a:pPr marL="514350" indent="-514350">
-              <a:buFont typeface="+mj-lt"/>
-              <a:buAutoNum type="arabicPeriod"/>
-            </a:pPr>
-            <a:r>
-              <a:rPr lang="en-US" altLang="zh-HK" dirty="0"/>
-              <a:t>Find the no. of movies, with the highest ratings</a:t>
-            </a:r>
-          </a:p>
-          <a:p>
-            <a:pPr marL="514350" indent="-514350">
-              <a:buFont typeface="+mj-lt"/>
-              <a:buAutoNum type="arabicPeriod"/>
-            </a:pPr>
-            <a:r>
-              <a:rPr lang="en-US" altLang="zh-HK" dirty="0"/>
-              <a:t>Find the peak month users rate movies</a:t>
-            </a:r>
-          </a:p>
-          <a:p>
-            <a:pPr marL="514350" indent="-514350">
-              <a:buFont typeface="+mj-lt"/>
-              <a:buAutoNum type="arabicPeriod"/>
-            </a:pPr>
-            <a:r>
-              <a:rPr lang="en-US" altLang="zh-HK" dirty="0"/>
-              <a:t>Find the peak hour users rate movies</a:t>
-            </a:r>
-            <a:br>
-              <a:rPr lang="en-US" altLang="zh-HK" dirty="0"/>
-            </a:br>
-            <a:r>
-              <a:rPr lang="en-US" altLang="zh-HK" dirty="0"/>
-              <a:t>(Note: Q5,  6 you need to convert from the UNIX timestamp – seconds from 1970-01-01 00:00)</a:t>
-            </a:r>
-          </a:p>
-          <a:p>
-            <a:pPr marL="514350" indent="-514350">
-              <a:buFont typeface="+mj-lt"/>
-              <a:buAutoNum type="arabicPeriod"/>
-            </a:pPr>
-            <a:r>
-              <a:rPr lang="en-US" altLang="zh-HK" dirty="0"/>
-              <a:t>Find the movie having the most tags</a:t>
-            </a:r>
-          </a:p>
-          <a:p>
-            <a:pPr marL="514350" indent="-514350">
-              <a:buFont typeface="+mj-lt"/>
-              <a:buAutoNum type="arabicPeriod"/>
-            </a:pPr>
-            <a:r>
-              <a:rPr lang="en-US" altLang="zh-HK" dirty="0"/>
-              <a:t>Find the most active </a:t>
-            </a:r>
-            <a:r>
-              <a:rPr lang="en-US" altLang="zh-HK" dirty="0" err="1"/>
-              <a:t>userID</a:t>
-            </a:r>
-            <a:r>
-              <a:rPr lang="en-US" altLang="zh-HK" dirty="0"/>
-              <a:t> on tagging movies.</a:t>
-            </a:r>
-          </a:p>
-          <a:p>
-            <a:pPr marL="514350" indent="-514350">
-              <a:buFont typeface="+mj-lt"/>
-              <a:buAutoNum type="arabicPeriod"/>
-            </a:pPr>
-            <a:r>
-              <a:rPr lang="en-US" altLang="zh-HK" dirty="0"/>
-              <a:t>Find the most common tags on those movies.</a:t>
-            </a:r>
-            <a:endParaRPr lang="zh-HK" altLang="en-US" dirty="0"/>
-          </a:p>
-        </p:txBody>
-      </p:sp>
-    </p:spTree>
-    <p:extLst>
-      <p:ext uri="{BB962C8B-B14F-4D97-AF65-F5344CB8AC3E}">
-        <p14:creationId xmlns:p14="http://schemas.microsoft.com/office/powerpoint/2010/main" val="759960706"/>
-      </p:ext>
-    </p:extLst>
-  </p:cSld>
-  <p:clrMapOvr>
-    <a:masterClrMapping/>
-  </p:clrMapOvr>
-</p:sld>
-</file>
-
 <file path=ppt/slides/slide31.xml><?xml version="1.0" encoding="utf-8"?>
 <p:sld xmlns:a="http://schemas.openxmlformats.org/drawingml/2006/main" xmlns:r="http://schemas.openxmlformats.org/officeDocument/2006/relationships" xmlns:p="http://schemas.openxmlformats.org/presentationml/2006/main">
   <p:cSld>
@@ -8353,7 +9667,7 @@
     </p:spTree>
     <p:extLst>
       <p:ext uri="{BB962C8B-B14F-4D97-AF65-F5344CB8AC3E}">
-        <p14:creationId xmlns:p14="http://schemas.microsoft.com/office/powerpoint/2010/main" val="2480152683"/>
+        <p14:creationId xmlns:p14="http://schemas.microsoft.com/office/powerpoint/2010/main" val="759960706"/>
       </p:ext>
     </p:extLst>
   </p:cSld>
@@ -8385,6 +9699,206 @@
           <p:cNvPr id="2" name="標題 1">
             <a:extLst>
               <a:ext uri="{FF2B5EF4-FFF2-40B4-BE49-F238E27FC236}">
+                <a16:creationId xmlns:a16="http://schemas.microsoft.com/office/drawing/2014/main" id="{BD649E23-B5E9-4432-BBF9-CE85959C94B6}"/>
+              </a:ext>
+            </a:extLst>
+          </p:cNvPr>
+          <p:cNvSpPr>
+            <a:spLocks noGrp="1"/>
+          </p:cNvSpPr>
+          <p:nvPr>
+            <p:ph type="title"/>
+          </p:nvPr>
+        </p:nvSpPr>
+        <p:spPr/>
+        <p:txBody>
+          <a:bodyPr/>
+          <a:lstStyle/>
+          <a:p>
+            <a:r>
+              <a:rPr lang="en-HK" altLang="zh-HK" dirty="0"/>
+              <a:t>Assignment 3 – Netflix Movies</a:t>
+            </a:r>
+            <a:endParaRPr lang="zh-HK" altLang="en-US" dirty="0"/>
+          </a:p>
+        </p:txBody>
+      </p:sp>
+      <p:sp>
+        <p:nvSpPr>
+          <p:cNvPr id="3" name="內容版面配置區 2">
+            <a:extLst>
+              <a:ext uri="{FF2B5EF4-FFF2-40B4-BE49-F238E27FC236}">
+                <a16:creationId xmlns:a16="http://schemas.microsoft.com/office/drawing/2014/main" id="{102B127D-B9AA-4AF0-ACC9-EFBBDDE151FA}"/>
+              </a:ext>
+            </a:extLst>
+          </p:cNvPr>
+          <p:cNvSpPr>
+            <a:spLocks noGrp="1"/>
+          </p:cNvSpPr>
+          <p:nvPr>
+            <p:ph sz="quarter" idx="1"/>
+          </p:nvPr>
+        </p:nvSpPr>
+        <p:spPr>
+          <a:xfrm>
+            <a:off x="914400" y="1447800"/>
+            <a:ext cx="7772400" cy="5135562"/>
+          </a:xfrm>
+        </p:spPr>
+        <p:txBody>
+          <a:bodyPr>
+            <a:normAutofit fontScale="92500" lnSpcReduction="10000"/>
+          </a:bodyPr>
+          <a:lstStyle/>
+          <a:p>
+            <a:r>
+              <a:rPr lang="en-US" altLang="zh-HK" dirty="0"/>
+              <a:t>To do:</a:t>
+            </a:r>
+          </a:p>
+          <a:p>
+            <a:pPr marL="514350" indent="-514350">
+              <a:buFont typeface="+mj-lt"/>
+              <a:buAutoNum type="arabicPeriod"/>
+            </a:pPr>
+            <a:r>
+              <a:rPr lang="en-US" altLang="zh-HK" dirty="0"/>
+              <a:t>Indicate the unique keys of each dataset.</a:t>
+            </a:r>
+          </a:p>
+          <a:p>
+            <a:pPr marL="514350" indent="-514350">
+              <a:buFont typeface="+mj-lt"/>
+              <a:buAutoNum type="arabicPeriod"/>
+            </a:pPr>
+            <a:r>
+              <a:rPr lang="en-US" altLang="zh-HK" dirty="0"/>
+              <a:t>Join the datasets with appropriate keys, depends on what you need in the following tasks.</a:t>
+            </a:r>
+          </a:p>
+          <a:p>
+            <a:pPr marL="514350" indent="-514350">
+              <a:buFont typeface="+mj-lt"/>
+              <a:buAutoNum type="arabicPeriod"/>
+            </a:pPr>
+            <a:r>
+              <a:rPr lang="en-US" altLang="zh-HK" dirty="0"/>
+              <a:t>Find the titles of 3 movies, with the most nos. of ratings</a:t>
+            </a:r>
+          </a:p>
+          <a:p>
+            <a:pPr marL="514350" indent="-514350">
+              <a:buFont typeface="+mj-lt"/>
+              <a:buAutoNum type="arabicPeriod"/>
+            </a:pPr>
+            <a:r>
+              <a:rPr lang="en-US" altLang="zh-HK" dirty="0"/>
+              <a:t>Find the no. of movies, with the highest ratings</a:t>
+            </a:r>
+          </a:p>
+          <a:p>
+            <a:pPr marL="514350" indent="-514350">
+              <a:buFont typeface="+mj-lt"/>
+              <a:buAutoNum type="arabicPeriod"/>
+            </a:pPr>
+            <a:r>
+              <a:rPr lang="en-US" altLang="zh-HK" dirty="0"/>
+              <a:t>Find the peak month users rate movies</a:t>
+            </a:r>
+          </a:p>
+          <a:p>
+            <a:pPr marL="514350" indent="-514350">
+              <a:buFont typeface="+mj-lt"/>
+              <a:buAutoNum type="arabicPeriod"/>
+            </a:pPr>
+            <a:r>
+              <a:rPr lang="en-US" altLang="zh-HK" dirty="0"/>
+              <a:t>Find the peak hour users rate movies</a:t>
+            </a:r>
+            <a:br>
+              <a:rPr lang="en-US" altLang="zh-HK" dirty="0"/>
+            </a:br>
+            <a:r>
+              <a:rPr lang="en-US" altLang="zh-HK" dirty="0"/>
+              <a:t>(Note: Q5,  6 you need to convert from the UNIX timestamp – seconds from 1970-01-01 00:00)</a:t>
+            </a:r>
+          </a:p>
+          <a:p>
+            <a:pPr marL="514350" indent="-514350">
+              <a:buFont typeface="+mj-lt"/>
+              <a:buAutoNum type="arabicPeriod"/>
+            </a:pPr>
+            <a:r>
+              <a:rPr lang="en-US" altLang="zh-HK" dirty="0"/>
+              <a:t>Find the movie having the most tags</a:t>
+            </a:r>
+          </a:p>
+          <a:p>
+            <a:pPr marL="514350" indent="-514350">
+              <a:buFont typeface="+mj-lt"/>
+              <a:buAutoNum type="arabicPeriod"/>
+            </a:pPr>
+            <a:r>
+              <a:rPr lang="en-US" altLang="zh-HK" dirty="0"/>
+              <a:t>Find the most active </a:t>
+            </a:r>
+            <a:r>
+              <a:rPr lang="en-US" altLang="zh-HK" dirty="0" err="1"/>
+              <a:t>userID</a:t>
+            </a:r>
+            <a:r>
+              <a:rPr lang="en-US" altLang="zh-HK" dirty="0"/>
+              <a:t> on tagging movies.</a:t>
+            </a:r>
+          </a:p>
+          <a:p>
+            <a:pPr marL="514350" indent="-514350">
+              <a:buFont typeface="+mj-lt"/>
+              <a:buAutoNum type="arabicPeriod"/>
+            </a:pPr>
+            <a:r>
+              <a:rPr lang="en-US" altLang="zh-HK" dirty="0"/>
+              <a:t>Find the most common tags on those movies.</a:t>
+            </a:r>
+            <a:endParaRPr lang="zh-HK" altLang="en-US" dirty="0"/>
+          </a:p>
+        </p:txBody>
+      </p:sp>
+    </p:spTree>
+    <p:extLst>
+      <p:ext uri="{BB962C8B-B14F-4D97-AF65-F5344CB8AC3E}">
+        <p14:creationId xmlns:p14="http://schemas.microsoft.com/office/powerpoint/2010/main" val="2480152683"/>
+      </p:ext>
+    </p:extLst>
+  </p:cSld>
+  <p:clrMapOvr>
+    <a:masterClrMapping/>
+  </p:clrMapOvr>
+</p:sld>
+</file>
+
+<file path=ppt/slides/slide33.xml><?xml version="1.0" encoding="utf-8"?>
+<p:sld xmlns:a="http://schemas.openxmlformats.org/drawingml/2006/main" xmlns:r="http://schemas.openxmlformats.org/officeDocument/2006/relationships" xmlns:p="http://schemas.openxmlformats.org/presentationml/2006/main">
+  <p:cSld>
+    <p:spTree>
+      <p:nvGrpSpPr>
+        <p:cNvPr id="1" name=""/>
+        <p:cNvGrpSpPr/>
+        <p:nvPr/>
+      </p:nvGrpSpPr>
+      <p:grpSpPr>
+        <a:xfrm>
+          <a:off x="0" y="0"/>
+          <a:ext cx="0" cy="0"/>
+          <a:chOff x="0" y="0"/>
+          <a:chExt cx="0" cy="0"/>
+        </a:xfrm>
+      </p:grpSpPr>
+      <p:sp>
+        <p:nvSpPr>
+          <p:cNvPr id="2" name="標題 1">
+            <a:extLst>
+              <a:ext uri="{FF2B5EF4-FFF2-40B4-BE49-F238E27FC236}">
                 <a16:creationId xmlns:a16="http://schemas.microsoft.com/office/drawing/2014/main" id="{E717D970-7763-448F-BA85-77FEE31E2E19}"/>
               </a:ext>
             </a:extLst>
@@ -8546,7 +10060,7 @@
 </p:sld>
 </file>
 
-<file path=ppt/slides/slide33.xml><?xml version="1.0" encoding="utf-8"?>
+<file path=ppt/slides/slide34.xml><?xml version="1.0" encoding="utf-8"?>
 <p:sld xmlns:a="http://schemas.openxmlformats.org/drawingml/2006/main" xmlns:r="http://schemas.openxmlformats.org/officeDocument/2006/relationships" xmlns:p="http://schemas.openxmlformats.org/presentationml/2006/main">
   <p:cSld>
     <p:spTree>
@@ -8637,10 +10151,10 @@
       </p:grpSpPr>
       <p:sp>
         <p:nvSpPr>
-          <p:cNvPr id="2" name="標題 1">
+          <p:cNvPr id="4" name="標題 3">
             <a:extLst>
               <a:ext uri="{FF2B5EF4-FFF2-40B4-BE49-F238E27FC236}">
-                <a16:creationId xmlns:a16="http://schemas.microsoft.com/office/drawing/2014/main" id="{733360B6-FF9A-42D0-A8F9-73E33F5F3058}"/>
+                <a16:creationId xmlns:a16="http://schemas.microsoft.com/office/drawing/2014/main" id="{C1CFC50E-6065-43C3-9C80-6B0058CB7E2D}"/>
               </a:ext>
             </a:extLst>
           </p:cNvPr>
@@ -8658,22 +10172,92 @@
           <a:p>
             <a:r>
               <a:rPr lang="en-US" altLang="zh-HK" dirty="0"/>
-              <a:t>Series / </a:t>
-            </a:r>
-            <a:r>
-              <a:rPr lang="en-US" altLang="zh-HK"/>
-              <a:t>DataFrame</a:t>
-            </a:r>
-            <a:endParaRPr lang="zh-HK" altLang="en-US"/>
+              <a:t>Pandas introduction</a:t>
+            </a:r>
+            <a:endParaRPr lang="zh-HK" altLang="en-US" dirty="0"/>
+          </a:p>
+        </p:txBody>
+      </p:sp>
+      <p:sp>
+        <p:nvSpPr>
+          <p:cNvPr id="5" name="內容版面配置區 4">
+            <a:extLst>
+              <a:ext uri="{FF2B5EF4-FFF2-40B4-BE49-F238E27FC236}">
+                <a16:creationId xmlns:a16="http://schemas.microsoft.com/office/drawing/2014/main" id="{F12578B0-133F-41DF-8062-70AE77555D43}"/>
+              </a:ext>
+            </a:extLst>
+          </p:cNvPr>
+          <p:cNvSpPr>
+            <a:spLocks noGrp="1"/>
+          </p:cNvSpPr>
+          <p:nvPr>
+            <p:ph sz="quarter" idx="1"/>
+          </p:nvPr>
+        </p:nvSpPr>
+        <p:spPr/>
+        <p:txBody>
+          <a:bodyPr/>
+          <a:lstStyle/>
+          <a:p>
+            <a:r>
+              <a:rPr lang="en-US" altLang="zh-HK" dirty="0"/>
+              <a:t>Initial release</a:t>
+            </a:r>
+            <a:r>
+              <a:rPr lang="en-US" altLang="zh-TW" dirty="0"/>
+              <a:t>:</a:t>
+            </a:r>
+            <a:r>
+              <a:rPr lang="zh-TW" altLang="en-US" dirty="0"/>
+              <a:t> </a:t>
+            </a:r>
+            <a:r>
+              <a:rPr lang="en-US" altLang="zh-HK" dirty="0"/>
+              <a:t>11 January 2008</a:t>
+            </a:r>
+          </a:p>
+          <a:p>
+            <a:r>
+              <a:rPr lang="en-US" altLang="zh-TW" dirty="0"/>
+              <a:t>Author: Wes McKinney – Developer</a:t>
+            </a:r>
+          </a:p>
+          <a:p>
+            <a:r>
+              <a:rPr lang="en-US" altLang="zh-HK" dirty="0"/>
+              <a:t>Need for Quantitative Analysis on financial data</a:t>
+            </a:r>
+          </a:p>
+          <a:p>
+            <a:r>
+              <a:rPr lang="en-US" altLang="zh-HK" dirty="0"/>
+              <a:t>Pandas = The short from </a:t>
+            </a:r>
+            <a:r>
+              <a:rPr lang="en-US" altLang="zh-HK" dirty="0" err="1"/>
+              <a:t>PANel</a:t>
+            </a:r>
+            <a:r>
+              <a:rPr lang="en-US" altLang="zh-HK" dirty="0"/>
+              <a:t> </a:t>
+            </a:r>
+            <a:r>
+              <a:rPr lang="en-US" altLang="zh-HK" dirty="0" err="1"/>
+              <a:t>DAta</a:t>
+            </a:r>
+            <a:endParaRPr lang="en-US" altLang="zh-HK" dirty="0"/>
+          </a:p>
+          <a:p>
+            <a:endParaRPr lang="zh-HK" altLang="en-US" dirty="0"/>
           </a:p>
         </p:txBody>
       </p:sp>
       <p:pic>
         <p:nvPicPr>
-          <p:cNvPr id="2052" name="Picture 4" descr="pandas series dataframeçåçæå°çµæ">
+          <p:cNvPr id="1026" name="Picture 2" descr="Pandas logo.svg">
             <a:extLst>
               <a:ext uri="{FF2B5EF4-FFF2-40B4-BE49-F238E27FC236}">
-                <a16:creationId xmlns:a16="http://schemas.microsoft.com/office/drawing/2014/main" id="{5A36976F-1D9C-4F4F-B178-254D7D027B73}"/>
+                <a16:creationId xmlns:a16="http://schemas.microsoft.com/office/drawing/2014/main" id="{0027D3F0-6199-47A5-8014-B5D139B05B31}"/>
               </a:ext>
             </a:extLst>
           </p:cNvPr>
@@ -8697,8 +10281,8 @@
         </p:blipFill>
         <p:spPr bwMode="auto">
           <a:xfrm>
-            <a:off x="4355976" y="1556792"/>
-            <a:ext cx="4392488" cy="2317073"/>
+            <a:off x="755576" y="3673685"/>
+            <a:ext cx="4968552" cy="1038566"/>
           </a:xfrm>
           <a:prstGeom prst="rect">
             <a:avLst/>
@@ -8715,87 +10299,10 @@
           </a:extLst>
         </p:spPr>
       </p:pic>
-      <p:pic>
-        <p:nvPicPr>
-          <p:cNvPr id="2056" name="Picture 8" descr="pandas series dataframeçåçæå°çµæ">
-            <a:extLst>
-              <a:ext uri="{FF2B5EF4-FFF2-40B4-BE49-F238E27FC236}">
-                <a16:creationId xmlns:a16="http://schemas.microsoft.com/office/drawing/2014/main" id="{0399719C-C46E-4AA0-A21C-4A304390C3E4}"/>
-              </a:ext>
-            </a:extLst>
-          </p:cNvPr>
-          <p:cNvPicPr>
-            <a:picLocks noChangeAspect="1" noChangeArrowheads="1"/>
-          </p:cNvPicPr>
-          <p:nvPr/>
-        </p:nvPicPr>
-        <p:blipFill>
-          <a:blip r:embed="rId3">
-            <a:extLst>
-              <a:ext uri="{28A0092B-C50C-407E-A947-70E740481C1C}">
-                <a14:useLocalDpi xmlns:a14="http://schemas.microsoft.com/office/drawing/2010/main" val="0"/>
-              </a:ext>
-            </a:extLst>
-          </a:blip>
-          <a:srcRect/>
-          <a:stretch>
-            <a:fillRect/>
-          </a:stretch>
-        </p:blipFill>
-        <p:spPr bwMode="auto">
-          <a:xfrm>
-            <a:off x="4536504" y="3911483"/>
-            <a:ext cx="4158890" cy="1592797"/>
-          </a:xfrm>
-          <a:prstGeom prst="rect">
-            <a:avLst/>
-          </a:prstGeom>
-          <a:noFill/>
-          <a:extLst>
-            <a:ext uri="{909E8E84-426E-40DD-AFC4-6F175D3DCCD1}">
-              <a14:hiddenFill xmlns:a14="http://schemas.microsoft.com/office/drawing/2010/main">
-                <a:solidFill>
-                  <a:srgbClr val="FFFFFF"/>
-                </a:solidFill>
-              </a14:hiddenFill>
-            </a:ext>
-          </a:extLst>
-        </p:spPr>
-      </p:pic>
-      <p:pic>
-        <p:nvPicPr>
-          <p:cNvPr id="7" name="圖片 6">
-            <a:extLst>
-              <a:ext uri="{FF2B5EF4-FFF2-40B4-BE49-F238E27FC236}">
-                <a16:creationId xmlns:a16="http://schemas.microsoft.com/office/drawing/2014/main" id="{39EFF508-3784-4ED7-9C9C-D71ADDAA8394}"/>
-              </a:ext>
-            </a:extLst>
-          </p:cNvPr>
-          <p:cNvPicPr>
-            <a:picLocks noChangeAspect="1"/>
-          </p:cNvPicPr>
-          <p:nvPr/>
-        </p:nvPicPr>
-        <p:blipFill>
-          <a:blip r:embed="rId4"/>
-          <a:stretch>
-            <a:fillRect/>
-          </a:stretch>
-        </p:blipFill>
-        <p:spPr>
-          <a:xfrm>
-            <a:off x="199606" y="2640956"/>
-            <a:ext cx="4171950" cy="2066925"/>
-          </a:xfrm>
-          <a:prstGeom prst="rect">
-            <a:avLst/>
-          </a:prstGeom>
-        </p:spPr>
-      </p:pic>
     </p:spTree>
     <p:extLst>
       <p:ext uri="{BB962C8B-B14F-4D97-AF65-F5344CB8AC3E}">
-        <p14:creationId xmlns:p14="http://schemas.microsoft.com/office/powerpoint/2010/main" val="960421389"/>
+        <p14:creationId xmlns:p14="http://schemas.microsoft.com/office/powerpoint/2010/main" val="3258133711"/>
       </p:ext>
     </p:extLst>
   </p:cSld>
@@ -8827,7 +10334,7 @@
           <p:cNvPr id="2" name="標題 1">
             <a:extLst>
               <a:ext uri="{FF2B5EF4-FFF2-40B4-BE49-F238E27FC236}">
-                <a16:creationId xmlns:a16="http://schemas.microsoft.com/office/drawing/2014/main" id="{634650A1-BB65-4887-9310-3A720C46259F}"/>
+                <a16:creationId xmlns:a16="http://schemas.microsoft.com/office/drawing/2014/main" id="{733360B6-FF9A-42D0-A8F9-73E33F5F3058}"/>
               </a:ext>
             </a:extLst>
           </p:cNvPr>
@@ -8844,152 +10351,145 @@
           <a:lstStyle/>
           <a:p>
             <a:r>
-              <a:rPr lang="en-US" altLang="zh-TW" dirty="0" err="1"/>
+              <a:rPr lang="en-US" altLang="zh-HK" dirty="0"/>
+              <a:t>Series / </a:t>
+            </a:r>
+            <a:r>
+              <a:rPr lang="en-US" altLang="zh-HK"/>
               <a:t>DataFrame</a:t>
             </a:r>
-            <a:r>
-              <a:rPr lang="en-US" altLang="zh-TW" dirty="0"/>
-              <a:t> row, column selection</a:t>
-            </a:r>
-            <a:endParaRPr lang="zh-TW" altLang="en-US" dirty="0"/>
-          </a:p>
-        </p:txBody>
-      </p:sp>
-      <p:sp>
-        <p:nvSpPr>
-          <p:cNvPr id="3" name="內容版面配置區 2">
+            <a:endParaRPr lang="zh-HK" altLang="en-US"/>
+          </a:p>
+        </p:txBody>
+      </p:sp>
+      <p:pic>
+        <p:nvPicPr>
+          <p:cNvPr id="2052" name="Picture 4" descr="pandas series dataframeçåçæå°çµæ">
             <a:extLst>
               <a:ext uri="{FF2B5EF4-FFF2-40B4-BE49-F238E27FC236}">
-                <a16:creationId xmlns:a16="http://schemas.microsoft.com/office/drawing/2014/main" id="{5B6C7DE0-08C8-4841-A0FD-26434376DEC0}"/>
+                <a16:creationId xmlns:a16="http://schemas.microsoft.com/office/drawing/2014/main" id="{5A36976F-1D9C-4F4F-B178-254D7D027B73}"/>
               </a:ext>
             </a:extLst>
           </p:cNvPr>
-          <p:cNvSpPr>
-            <a:spLocks noGrp="1"/>
-          </p:cNvSpPr>
-          <p:nvPr>
-            <p:ph sz="quarter" idx="1"/>
-          </p:nvPr>
-        </p:nvSpPr>
-        <p:spPr/>
-        <p:txBody>
-          <a:bodyPr/>
-          <a:lstStyle/>
-          <a:p>
-            <a:r>
-              <a:rPr lang="en-GB" altLang="zh-TW" dirty="0"/>
-              <a:t>Select columns:</a:t>
-            </a:r>
-            <a:br>
-              <a:rPr lang="en-GB" altLang="zh-TW" dirty="0"/>
-            </a:br>
-            <a:r>
-              <a:rPr lang="en-GB" altLang="zh-TW" dirty="0"/>
-              <a:t>df[ [List of column names] ]</a:t>
-            </a:r>
-          </a:p>
-          <a:p>
-            <a:r>
-              <a:rPr lang="en-GB" altLang="zh-TW" dirty="0"/>
-              <a:t>Select rows:</a:t>
-            </a:r>
-            <a:br>
-              <a:rPr lang="en-GB" altLang="zh-TW" dirty="0"/>
-            </a:br>
-            <a:r>
-              <a:rPr lang="en-GB" altLang="zh-TW" dirty="0" err="1"/>
-              <a:t>df.loc</a:t>
-            </a:r>
-            <a:r>
-              <a:rPr lang="en-GB" altLang="zh-TW" dirty="0"/>
-              <a:t>[ [List of index names] ]</a:t>
-            </a:r>
-            <a:br>
-              <a:rPr lang="en-GB" altLang="zh-TW" dirty="0"/>
-            </a:br>
-            <a:r>
-              <a:rPr lang="en-GB" altLang="zh-TW" dirty="0" err="1"/>
-              <a:t>df.iloc</a:t>
-            </a:r>
-            <a:r>
-              <a:rPr lang="en-GB" altLang="zh-TW" dirty="0"/>
-              <a:t>[ no. of rows ]</a:t>
-            </a:r>
-          </a:p>
-          <a:p>
-            <a:r>
-              <a:rPr lang="en-GB" altLang="zh-TW" dirty="0"/>
-              <a:t>Select elements:</a:t>
-            </a:r>
-            <a:br>
-              <a:rPr lang="en-GB" altLang="zh-TW" dirty="0"/>
-            </a:br>
-            <a:r>
-              <a:rPr lang="en-GB" altLang="zh-TW" dirty="0" err="1"/>
-              <a:t>df.loc</a:t>
-            </a:r>
-            <a:r>
-              <a:rPr lang="en-GB" altLang="zh-TW" dirty="0"/>
-              <a:t>[ index names , column names ]</a:t>
-            </a:r>
-            <a:br>
-              <a:rPr lang="en-GB" altLang="zh-TW" dirty="0"/>
-            </a:br>
-            <a:r>
-              <a:rPr lang="en-GB" altLang="zh-TW" dirty="0" err="1"/>
-              <a:t>df.iloc</a:t>
-            </a:r>
-            <a:r>
-              <a:rPr lang="en-GB" altLang="zh-TW" dirty="0"/>
-              <a:t>[ no. of rows , no. of columns ]</a:t>
-            </a:r>
-          </a:p>
-          <a:p>
-            <a:r>
-              <a:rPr lang="en-GB" altLang="zh-TW" dirty="0"/>
-              <a:t>Quick overview</a:t>
-            </a:r>
-            <a:br>
-              <a:rPr lang="en-GB" altLang="zh-TW" dirty="0"/>
-            </a:br>
-            <a:r>
-              <a:rPr lang="en-GB" altLang="zh-TW" dirty="0"/>
-              <a:t>df.info() , </a:t>
-            </a:r>
-            <a:r>
-              <a:rPr lang="en-GB" altLang="zh-TW" dirty="0" err="1"/>
-              <a:t>df.describe</a:t>
-            </a:r>
-            <a:r>
-              <a:rPr lang="en-GB" altLang="zh-TW" dirty="0"/>
-              <a:t>() , </a:t>
-            </a:r>
-            <a:r>
-              <a:rPr lang="en-GB" altLang="zh-TW" dirty="0" err="1"/>
-              <a:t>df.head</a:t>
-            </a:r>
-            <a:r>
-              <a:rPr lang="en-GB" altLang="zh-TW" dirty="0"/>
-              <a:t>() , </a:t>
-            </a:r>
-            <a:r>
-              <a:rPr lang="en-GB" altLang="zh-TW" dirty="0" err="1"/>
-              <a:t>df.tail</a:t>
-            </a:r>
-            <a:r>
-              <a:rPr lang="en-GB" altLang="zh-TW" dirty="0"/>
-              <a:t>()</a:t>
-            </a:r>
-          </a:p>
-          <a:p>
-            <a:endParaRPr lang="zh-TW" altLang="en-US" dirty="0"/>
-          </a:p>
-        </p:txBody>
-      </p:sp>
+          <p:cNvPicPr>
+            <a:picLocks noChangeAspect="1" noChangeArrowheads="1"/>
+          </p:cNvPicPr>
+          <p:nvPr/>
+        </p:nvPicPr>
+        <p:blipFill>
+          <a:blip r:embed="rId2">
+            <a:extLst>
+              <a:ext uri="{28A0092B-C50C-407E-A947-70E740481C1C}">
+                <a14:useLocalDpi xmlns:a14="http://schemas.microsoft.com/office/drawing/2010/main" val="0"/>
+              </a:ext>
+            </a:extLst>
+          </a:blip>
+          <a:srcRect/>
+          <a:stretch>
+            <a:fillRect/>
+          </a:stretch>
+        </p:blipFill>
+        <p:spPr bwMode="auto">
+          <a:xfrm>
+            <a:off x="4355976" y="1556792"/>
+            <a:ext cx="4392488" cy="2317073"/>
+          </a:xfrm>
+          <a:prstGeom prst="rect">
+            <a:avLst/>
+          </a:prstGeom>
+          <a:noFill/>
+          <a:extLst>
+            <a:ext uri="{909E8E84-426E-40DD-AFC4-6F175D3DCCD1}">
+              <a14:hiddenFill xmlns:a14="http://schemas.microsoft.com/office/drawing/2010/main">
+                <a:solidFill>
+                  <a:srgbClr val="FFFFFF"/>
+                </a:solidFill>
+              </a14:hiddenFill>
+            </a:ext>
+          </a:extLst>
+        </p:spPr>
+      </p:pic>
+      <p:pic>
+        <p:nvPicPr>
+          <p:cNvPr id="2056" name="Picture 8" descr="pandas series dataframeçåçæå°çµæ">
+            <a:extLst>
+              <a:ext uri="{FF2B5EF4-FFF2-40B4-BE49-F238E27FC236}">
+                <a16:creationId xmlns:a16="http://schemas.microsoft.com/office/drawing/2014/main" id="{0399719C-C46E-4AA0-A21C-4A304390C3E4}"/>
+              </a:ext>
+            </a:extLst>
+          </p:cNvPr>
+          <p:cNvPicPr>
+            <a:picLocks noChangeAspect="1" noChangeArrowheads="1"/>
+          </p:cNvPicPr>
+          <p:nvPr/>
+        </p:nvPicPr>
+        <p:blipFill>
+          <a:blip r:embed="rId3">
+            <a:extLst>
+              <a:ext uri="{28A0092B-C50C-407E-A947-70E740481C1C}">
+                <a14:useLocalDpi xmlns:a14="http://schemas.microsoft.com/office/drawing/2010/main" val="0"/>
+              </a:ext>
+            </a:extLst>
+          </a:blip>
+          <a:srcRect/>
+          <a:stretch>
+            <a:fillRect/>
+          </a:stretch>
+        </p:blipFill>
+        <p:spPr bwMode="auto">
+          <a:xfrm>
+            <a:off x="4536504" y="3911483"/>
+            <a:ext cx="4158890" cy="1592797"/>
+          </a:xfrm>
+          <a:prstGeom prst="rect">
+            <a:avLst/>
+          </a:prstGeom>
+          <a:noFill/>
+          <a:extLst>
+            <a:ext uri="{909E8E84-426E-40DD-AFC4-6F175D3DCCD1}">
+              <a14:hiddenFill xmlns:a14="http://schemas.microsoft.com/office/drawing/2010/main">
+                <a:solidFill>
+                  <a:srgbClr val="FFFFFF"/>
+                </a:solidFill>
+              </a14:hiddenFill>
+            </a:ext>
+          </a:extLst>
+        </p:spPr>
+      </p:pic>
+      <p:pic>
+        <p:nvPicPr>
+          <p:cNvPr id="7" name="圖片 6">
+            <a:extLst>
+              <a:ext uri="{FF2B5EF4-FFF2-40B4-BE49-F238E27FC236}">
+                <a16:creationId xmlns:a16="http://schemas.microsoft.com/office/drawing/2014/main" id="{39EFF508-3784-4ED7-9C9C-D71ADDAA8394}"/>
+              </a:ext>
+            </a:extLst>
+          </p:cNvPr>
+          <p:cNvPicPr>
+            <a:picLocks noChangeAspect="1"/>
+          </p:cNvPicPr>
+          <p:nvPr/>
+        </p:nvPicPr>
+        <p:blipFill>
+          <a:blip r:embed="rId4"/>
+          <a:stretch>
+            <a:fillRect/>
+          </a:stretch>
+        </p:blipFill>
+        <p:spPr>
+          <a:xfrm>
+            <a:off x="199606" y="2640956"/>
+            <a:ext cx="4171950" cy="2066925"/>
+          </a:xfrm>
+          <a:prstGeom prst="rect">
+            <a:avLst/>
+          </a:prstGeom>
+        </p:spPr>
+      </p:pic>
     </p:spTree>
     <p:extLst>
       <p:ext uri="{BB962C8B-B14F-4D97-AF65-F5344CB8AC3E}">
-        <p14:creationId xmlns:p14="http://schemas.microsoft.com/office/powerpoint/2010/main" val="285662957"/>
+        <p14:creationId xmlns:p14="http://schemas.microsoft.com/office/powerpoint/2010/main" val="960421389"/>
       </p:ext>
     </p:extLst>
   </p:cSld>
@@ -9018,6 +10518,200 @@
       </p:grpSpPr>
       <p:sp>
         <p:nvSpPr>
+          <p:cNvPr id="2" name="標題 1">
+            <a:extLst>
+              <a:ext uri="{FF2B5EF4-FFF2-40B4-BE49-F238E27FC236}">
+                <a16:creationId xmlns:a16="http://schemas.microsoft.com/office/drawing/2014/main" id="{634650A1-BB65-4887-9310-3A720C46259F}"/>
+              </a:ext>
+            </a:extLst>
+          </p:cNvPr>
+          <p:cNvSpPr>
+            <a:spLocks noGrp="1"/>
+          </p:cNvSpPr>
+          <p:nvPr>
+            <p:ph type="title"/>
+          </p:nvPr>
+        </p:nvSpPr>
+        <p:spPr/>
+        <p:txBody>
+          <a:bodyPr/>
+          <a:lstStyle/>
+          <a:p>
+            <a:r>
+              <a:rPr lang="en-US" altLang="zh-TW" dirty="0" err="1"/>
+              <a:t>DataFrame</a:t>
+            </a:r>
+            <a:r>
+              <a:rPr lang="en-US" altLang="zh-TW" dirty="0"/>
+              <a:t> row, column selection</a:t>
+            </a:r>
+            <a:endParaRPr lang="zh-TW" altLang="en-US" dirty="0"/>
+          </a:p>
+        </p:txBody>
+      </p:sp>
+      <p:sp>
+        <p:nvSpPr>
+          <p:cNvPr id="3" name="內容版面配置區 2">
+            <a:extLst>
+              <a:ext uri="{FF2B5EF4-FFF2-40B4-BE49-F238E27FC236}">
+                <a16:creationId xmlns:a16="http://schemas.microsoft.com/office/drawing/2014/main" id="{5B6C7DE0-08C8-4841-A0FD-26434376DEC0}"/>
+              </a:ext>
+            </a:extLst>
+          </p:cNvPr>
+          <p:cNvSpPr>
+            <a:spLocks noGrp="1"/>
+          </p:cNvSpPr>
+          <p:nvPr>
+            <p:ph sz="quarter" idx="1"/>
+          </p:nvPr>
+        </p:nvSpPr>
+        <p:spPr/>
+        <p:txBody>
+          <a:bodyPr/>
+          <a:lstStyle/>
+          <a:p>
+            <a:r>
+              <a:rPr lang="en-GB" altLang="zh-TW" dirty="0"/>
+              <a:t>Select columns:</a:t>
+            </a:r>
+            <a:br>
+              <a:rPr lang="en-GB" altLang="zh-TW" dirty="0"/>
+            </a:br>
+            <a:r>
+              <a:rPr lang="en-GB" altLang="zh-TW" dirty="0"/>
+              <a:t>df[ [List of column names] ]</a:t>
+            </a:r>
+          </a:p>
+          <a:p>
+            <a:r>
+              <a:rPr lang="en-GB" altLang="zh-TW" dirty="0"/>
+              <a:t>Select rows:</a:t>
+            </a:r>
+            <a:br>
+              <a:rPr lang="en-GB" altLang="zh-TW" dirty="0"/>
+            </a:br>
+            <a:r>
+              <a:rPr lang="en-GB" altLang="zh-TW" dirty="0" err="1"/>
+              <a:t>df.loc</a:t>
+            </a:r>
+            <a:r>
+              <a:rPr lang="en-GB" altLang="zh-TW" dirty="0"/>
+              <a:t>[ [List of index names] ]</a:t>
+            </a:r>
+            <a:br>
+              <a:rPr lang="en-GB" altLang="zh-TW" dirty="0"/>
+            </a:br>
+            <a:r>
+              <a:rPr lang="en-GB" altLang="zh-TW" dirty="0" err="1"/>
+              <a:t>df.iloc</a:t>
+            </a:r>
+            <a:r>
+              <a:rPr lang="en-GB" altLang="zh-TW" dirty="0"/>
+              <a:t>[ no. of rows ]</a:t>
+            </a:r>
+          </a:p>
+          <a:p>
+            <a:r>
+              <a:rPr lang="en-GB" altLang="zh-TW" dirty="0"/>
+              <a:t>Select elements:</a:t>
+            </a:r>
+            <a:br>
+              <a:rPr lang="en-GB" altLang="zh-TW" dirty="0"/>
+            </a:br>
+            <a:r>
+              <a:rPr lang="en-GB" altLang="zh-TW" dirty="0" err="1"/>
+              <a:t>df.loc</a:t>
+            </a:r>
+            <a:r>
+              <a:rPr lang="en-GB" altLang="zh-TW" dirty="0"/>
+              <a:t>[ index names , column names ]</a:t>
+            </a:r>
+            <a:br>
+              <a:rPr lang="en-GB" altLang="zh-TW" dirty="0"/>
+            </a:br>
+            <a:r>
+              <a:rPr lang="en-GB" altLang="zh-TW" dirty="0" err="1"/>
+              <a:t>df.iloc</a:t>
+            </a:r>
+            <a:r>
+              <a:rPr lang="en-GB" altLang="zh-TW" dirty="0"/>
+              <a:t>[ no. of rows , no. of columns ]</a:t>
+            </a:r>
+          </a:p>
+          <a:p>
+            <a:r>
+              <a:rPr lang="en-GB" altLang="zh-TW" dirty="0"/>
+              <a:t>Quick overview</a:t>
+            </a:r>
+            <a:br>
+              <a:rPr lang="en-GB" altLang="zh-TW" dirty="0"/>
+            </a:br>
+            <a:r>
+              <a:rPr lang="en-GB" altLang="zh-TW" dirty="0"/>
+              <a:t>df.info() , </a:t>
+            </a:r>
+            <a:r>
+              <a:rPr lang="en-GB" altLang="zh-TW" dirty="0" err="1"/>
+              <a:t>df.describe</a:t>
+            </a:r>
+            <a:r>
+              <a:rPr lang="en-GB" altLang="zh-TW" dirty="0"/>
+              <a:t>() , </a:t>
+            </a:r>
+            <a:r>
+              <a:rPr lang="en-GB" altLang="zh-TW" dirty="0" err="1"/>
+              <a:t>df.head</a:t>
+            </a:r>
+            <a:r>
+              <a:rPr lang="en-GB" altLang="zh-TW" dirty="0"/>
+              <a:t>() , </a:t>
+            </a:r>
+            <a:r>
+              <a:rPr lang="en-GB" altLang="zh-TW" dirty="0" err="1"/>
+              <a:t>df.tail</a:t>
+            </a:r>
+            <a:r>
+              <a:rPr lang="en-GB" altLang="zh-TW" dirty="0"/>
+              <a:t>()</a:t>
+            </a:r>
+          </a:p>
+          <a:p>
+            <a:endParaRPr lang="zh-TW" altLang="en-US" dirty="0"/>
+          </a:p>
+        </p:txBody>
+      </p:sp>
+    </p:spTree>
+    <p:extLst>
+      <p:ext uri="{BB962C8B-B14F-4D97-AF65-F5344CB8AC3E}">
+        <p14:creationId xmlns:p14="http://schemas.microsoft.com/office/powerpoint/2010/main" val="285662957"/>
+      </p:ext>
+    </p:extLst>
+  </p:cSld>
+  <p:clrMapOvr>
+    <a:masterClrMapping/>
+  </p:clrMapOvr>
+</p:sld>
+</file>
+
+<file path=ppt/slides/slide7.xml><?xml version="1.0" encoding="utf-8"?>
+<p:sld xmlns:a="http://schemas.openxmlformats.org/drawingml/2006/main" xmlns:r="http://schemas.openxmlformats.org/officeDocument/2006/relationships" xmlns:p="http://schemas.openxmlformats.org/presentationml/2006/main">
+  <p:cSld>
+    <p:spTree>
+      <p:nvGrpSpPr>
+        <p:cNvPr id="1" name=""/>
+        <p:cNvGrpSpPr/>
+        <p:nvPr/>
+      </p:nvGrpSpPr>
+      <p:grpSpPr>
+        <a:xfrm>
+          <a:off x="0" y="0"/>
+          <a:ext cx="0" cy="0"/>
+          <a:chOff x="0" y="0"/>
+          <a:chExt cx="0" cy="0"/>
+        </a:xfrm>
+      </p:grpSpPr>
+      <p:sp>
+        <p:nvSpPr>
           <p:cNvPr id="2" name="Title 1">
             <a:extLst>
               <a:ext uri="{FF2B5EF4-FFF2-40B4-BE49-F238E27FC236}">
@@ -9219,7 +10913,7 @@
 </p:sld>
 </file>
 
-<file path=ppt/slides/slide7.xml><?xml version="1.0" encoding="utf-8"?>
+<file path=ppt/slides/slide8.xml><?xml version="1.0" encoding="utf-8"?>
 <p:sld xmlns:a="http://schemas.openxmlformats.org/drawingml/2006/main" xmlns:r="http://schemas.openxmlformats.org/officeDocument/2006/relationships" xmlns:p="http://schemas.openxmlformats.org/presentationml/2006/main">
   <p:cSld>
     <p:spTree>
@@ -9487,7 +11181,7 @@
 </p:sld>
 </file>
 
-<file path=ppt/slides/slide8.xml><?xml version="1.0" encoding="utf-8"?>
+<file path=ppt/slides/slide9.xml><?xml version="1.0" encoding="utf-8"?>
 <p:sld xmlns:a="http://schemas.openxmlformats.org/drawingml/2006/main" xmlns:r="http://schemas.openxmlformats.org/officeDocument/2006/relationships" xmlns:p="http://schemas.openxmlformats.org/presentationml/2006/main">
   <p:cSld>
     <p:spTree>
@@ -9749,278 +11443,6 @@
     <p:extLst>
       <p:ext uri="{BB962C8B-B14F-4D97-AF65-F5344CB8AC3E}">
         <p14:creationId xmlns:p14="http://schemas.microsoft.com/office/powerpoint/2010/main" val="3596945587"/>
-      </p:ext>
-    </p:extLst>
-  </p:cSld>
-  <p:clrMapOvr>
-    <a:masterClrMapping/>
-  </p:clrMapOvr>
-</p:sld>
-</file>
-
-<file path=ppt/slides/slide9.xml><?xml version="1.0" encoding="utf-8"?>
-<p:sld xmlns:a="http://schemas.openxmlformats.org/drawingml/2006/main" xmlns:r="http://schemas.openxmlformats.org/officeDocument/2006/relationships" xmlns:p="http://schemas.openxmlformats.org/presentationml/2006/main">
-  <p:cSld>
-    <p:spTree>
-      <p:nvGrpSpPr>
-        <p:cNvPr id="1" name=""/>
-        <p:cNvGrpSpPr/>
-        <p:nvPr/>
-      </p:nvGrpSpPr>
-      <p:grpSpPr>
-        <a:xfrm>
-          <a:off x="0" y="0"/>
-          <a:ext cx="0" cy="0"/>
-          <a:chOff x="0" y="0"/>
-          <a:chExt cx="0" cy="0"/>
-        </a:xfrm>
-      </p:grpSpPr>
-      <p:sp>
-        <p:nvSpPr>
-          <p:cNvPr id="2" name="Title 1">
-            <a:extLst>
-              <a:ext uri="{FF2B5EF4-FFF2-40B4-BE49-F238E27FC236}">
-                <a16:creationId xmlns:a16="http://schemas.microsoft.com/office/drawing/2014/main" id="{A3D68C06-528E-4E82-B476-3A102F901347}"/>
-              </a:ext>
-            </a:extLst>
-          </p:cNvPr>
-          <p:cNvSpPr>
-            <a:spLocks noGrp="1"/>
-          </p:cNvSpPr>
-          <p:nvPr>
-            <p:ph type="title"/>
-          </p:nvPr>
-        </p:nvSpPr>
-        <p:spPr>
-          <a:xfrm>
-            <a:off x="914400" y="274638"/>
-            <a:ext cx="7772400" cy="778098"/>
-          </a:xfrm>
-        </p:spPr>
-        <p:txBody>
-          <a:bodyPr>
-            <a:normAutofit/>
-          </a:bodyPr>
-          <a:lstStyle/>
-          <a:p>
-            <a:r>
-              <a:rPr lang="en-GB" dirty="0"/>
-              <a:t>Facebook Groups</a:t>
-            </a:r>
-          </a:p>
-        </p:txBody>
-      </p:sp>
-      <p:sp>
-        <p:nvSpPr>
-          <p:cNvPr id="3" name="Content Placeholder 2">
-            <a:extLst>
-              <a:ext uri="{FF2B5EF4-FFF2-40B4-BE49-F238E27FC236}">
-                <a16:creationId xmlns:a16="http://schemas.microsoft.com/office/drawing/2014/main" id="{DC0327DA-BFC9-4A18-806E-5E344F2326D8}"/>
-              </a:ext>
-            </a:extLst>
-          </p:cNvPr>
-          <p:cNvSpPr>
-            <a:spLocks noGrp="1"/>
-          </p:cNvSpPr>
-          <p:nvPr>
-            <p:ph sz="quarter" idx="1"/>
-          </p:nvPr>
-        </p:nvSpPr>
-        <p:spPr>
-          <a:xfrm>
-            <a:off x="-4936" y="1574717"/>
-            <a:ext cx="3748608" cy="397024"/>
-          </a:xfrm>
-        </p:spPr>
-        <p:txBody>
-          <a:bodyPr>
-            <a:normAutofit fontScale="92500"/>
-          </a:bodyPr>
-          <a:lstStyle/>
-          <a:p>
-            <a:pPr marL="320040" lvl="1" indent="0">
-              <a:buNone/>
-            </a:pPr>
-            <a:r>
-              <a:rPr lang="en-GB" sz="1400" dirty="0">
-                <a:hlinkClick r:id="rId2"/>
-              </a:rPr>
-              <a:t>https://www.facebook.com/groups/hkrusers/</a:t>
-            </a:r>
-            <a:r>
-              <a:rPr lang="en-GB" sz="1400" dirty="0"/>
-              <a:t> </a:t>
-            </a:r>
-          </a:p>
-        </p:txBody>
-      </p:sp>
-      <p:pic>
-        <p:nvPicPr>
-          <p:cNvPr id="3074" name="Picture 2"/>
-          <p:cNvPicPr>
-            <a:picLocks noChangeAspect="1" noChangeArrowheads="1"/>
-          </p:cNvPicPr>
-          <p:nvPr/>
-        </p:nvPicPr>
-        <p:blipFill>
-          <a:blip r:embed="rId3">
-            <a:extLst>
-              <a:ext uri="{28A0092B-C50C-407E-A947-70E740481C1C}">
-                <a14:useLocalDpi xmlns:a14="http://schemas.microsoft.com/office/drawing/2010/main" val="0"/>
-              </a:ext>
-            </a:extLst>
-          </a:blip>
-          <a:srcRect/>
-          <a:stretch>
-            <a:fillRect/>
-          </a:stretch>
-        </p:blipFill>
-        <p:spPr bwMode="auto">
-          <a:xfrm>
-            <a:off x="395536" y="1971741"/>
-            <a:ext cx="3291843" cy="4577383"/>
-          </a:xfrm>
-          <a:prstGeom prst="rect">
-            <a:avLst/>
-          </a:prstGeom>
-          <a:noFill/>
-          <a:ln>
-            <a:noFill/>
-          </a:ln>
-          <a:effectLst/>
-          <a:extLst>
-            <a:ext uri="{909E8E84-426E-40DD-AFC4-6F175D3DCCD1}">
-              <a14:hiddenFill xmlns:a14="http://schemas.microsoft.com/office/drawing/2010/main">
-                <a:solidFill>
-                  <a:schemeClr val="accent1"/>
-                </a:solidFill>
-              </a14:hiddenFill>
-            </a:ext>
-            <a:ext uri="{91240B29-F687-4F45-9708-019B960494DF}">
-              <a14:hiddenLine xmlns:a14="http://schemas.microsoft.com/office/drawing/2010/main" w="9525">
-                <a:solidFill>
-                  <a:schemeClr val="tx1"/>
-                </a:solidFill>
-                <a:miter lim="800000"/>
-                <a:headEnd/>
-                <a:tailEnd/>
-              </a14:hiddenLine>
-            </a:ext>
-            <a:ext uri="{AF507438-7753-43E0-B8FC-AC1667EBCBE1}">
-              <a14:hiddenEffects xmlns:a14="http://schemas.microsoft.com/office/drawing/2010/main">
-                <a:effectLst>
-                  <a:outerShdw dist="35921" dir="2700000" algn="ctr" rotWithShape="0">
-                    <a:schemeClr val="bg2"/>
-                  </a:outerShdw>
-                </a:effectLst>
-              </a14:hiddenEffects>
-            </a:ext>
-          </a:extLst>
-        </p:spPr>
-      </p:pic>
-      <p:sp>
-        <p:nvSpPr>
-          <p:cNvPr id="4" name="矩形 3"/>
-          <p:cNvSpPr/>
-          <p:nvPr/>
-        </p:nvSpPr>
-        <p:spPr>
-          <a:xfrm>
-            <a:off x="4499992" y="1556792"/>
-            <a:ext cx="4572000" cy="307777"/>
-          </a:xfrm>
-          <a:prstGeom prst="rect">
-            <a:avLst/>
-          </a:prstGeom>
-        </p:spPr>
-        <p:txBody>
-          <a:bodyPr>
-            <a:spAutoFit/>
-          </a:bodyPr>
-          <a:lstStyle/>
-          <a:p>
-            <a:pPr lvl="1"/>
-            <a:r>
-              <a:rPr lang="en-GB" altLang="zh-TW" sz="1400" dirty="0">
-                <a:hlinkClick r:id="rId4"/>
-              </a:rPr>
-              <a:t>https://www.facebook.com/groups/hkpug/</a:t>
-            </a:r>
-            <a:r>
-              <a:rPr lang="en-GB" altLang="zh-TW" sz="1400" dirty="0"/>
-              <a:t> </a:t>
-            </a:r>
-          </a:p>
-        </p:txBody>
-      </p:sp>
-      <p:pic>
-        <p:nvPicPr>
-          <p:cNvPr id="3075" name="Picture 3"/>
-          <p:cNvPicPr>
-            <a:picLocks noChangeAspect="1" noChangeArrowheads="1"/>
-          </p:cNvPicPr>
-          <p:nvPr/>
-        </p:nvPicPr>
-        <p:blipFill>
-          <a:blip r:embed="rId5">
-            <a:extLst>
-              <a:ext uri="{28A0092B-C50C-407E-A947-70E740481C1C}">
-                <a14:useLocalDpi xmlns:a14="http://schemas.microsoft.com/office/drawing/2010/main" val="0"/>
-              </a:ext>
-            </a:extLst>
-          </a:blip>
-          <a:srcRect/>
-          <a:stretch>
-            <a:fillRect/>
-          </a:stretch>
-        </p:blipFill>
-        <p:spPr bwMode="auto">
-          <a:xfrm>
-            <a:off x="5077626" y="1971741"/>
-            <a:ext cx="3310797" cy="4586665"/>
-          </a:xfrm>
-          <a:prstGeom prst="rect">
-            <a:avLst/>
-          </a:prstGeom>
-          <a:noFill/>
-          <a:ln>
-            <a:noFill/>
-          </a:ln>
-          <a:effectLst/>
-          <a:extLst>
-            <a:ext uri="{909E8E84-426E-40DD-AFC4-6F175D3DCCD1}">
-              <a14:hiddenFill xmlns:a14="http://schemas.microsoft.com/office/drawing/2010/main">
-                <a:solidFill>
-                  <a:schemeClr val="accent1"/>
-                </a:solidFill>
-              </a14:hiddenFill>
-            </a:ext>
-            <a:ext uri="{91240B29-F687-4F45-9708-019B960494DF}">
-              <a14:hiddenLine xmlns:a14="http://schemas.microsoft.com/office/drawing/2010/main" w="9525">
-                <a:solidFill>
-                  <a:schemeClr val="tx1"/>
-                </a:solidFill>
-                <a:miter lim="800000"/>
-                <a:headEnd/>
-                <a:tailEnd/>
-              </a14:hiddenLine>
-            </a:ext>
-            <a:ext uri="{AF507438-7753-43E0-B8FC-AC1667EBCBE1}">
-              <a14:hiddenEffects xmlns:a14="http://schemas.microsoft.com/office/drawing/2010/main">
-                <a:effectLst>
-                  <a:outerShdw dist="35921" dir="2700000" algn="ctr" rotWithShape="0">
-                    <a:schemeClr val="bg2"/>
-                  </a:outerShdw>
-                </a:effectLst>
-              </a14:hiddenEffects>
-            </a:ext>
-          </a:extLst>
-        </p:spPr>
-      </p:pic>
-    </p:spTree>
-    <p:extLst>
-      <p:ext uri="{BB962C8B-B14F-4D97-AF65-F5344CB8AC3E}">
-        <p14:creationId xmlns:p14="http://schemas.microsoft.com/office/powerpoint/2010/main" val="1815007535"/>
       </p:ext>
     </p:extLst>
   </p:cSld>
